--- a/WebContent/cmk/프로젝트5.pptx
+++ b/WebContent/cmk/프로젝트5.pptx
@@ -18,7 +18,7 @@
     <p:sldId id="320" r:id="rId12"/>
     <p:sldId id="309" r:id="rId13"/>
     <p:sldId id="322" r:id="rId14"/>
-    <p:sldId id="329" r:id="rId15"/>
+    <p:sldId id="331" r:id="rId15"/>
     <p:sldId id="323" r:id="rId16"/>
     <p:sldId id="324" r:id="rId17"/>
     <p:sldId id="325" r:id="rId18"/>
@@ -7001,7 +7001,7 @@
           <p:cNvPr id="22" name="그림 21">
             <a:extLst>
               <a:ext uri="{FF2B5EF4-FFF2-40B4-BE49-F238E27FC236}">
-                <a16:creationId xmlns:a16="http://schemas.microsoft.com/office/drawing/2014/main" xmlns="" id="{928BE64D-A24F-42CB-B298-FBF49719BA30}"/>
+                <a16:creationId xmlns:a16="http://schemas.microsoft.com/office/drawing/2014/main" id="{928BE64D-A24F-42CB-B298-FBF49719BA30}"/>
               </a:ext>
             </a:extLst>
           </p:cNvPr>
@@ -7035,13 +7035,6 @@
   <p:clrMapOvr>
     <a:masterClrMapping/>
   </p:clrMapOvr>
-  <p:timing>
-    <p:tnLst>
-      <p:par>
-        <p:cTn id="1" dur="indefinite" restart="never" nodeType="tmRoot"/>
-      </p:par>
-    </p:tnLst>
-  </p:timing>
 </p:sld>
 </file>
 
@@ -7735,13 +7728,6 @@
   <p:clrMapOvr>
     <a:masterClrMapping/>
   </p:clrMapOvr>
-  <p:timing>
-    <p:tnLst>
-      <p:par>
-        <p:cTn id="1" dur="indefinite" restart="never" nodeType="tmRoot"/>
-      </p:par>
-    </p:tnLst>
-  </p:timing>
 </p:sld>
 </file>
 
@@ -8470,13 +8456,6 @@
   <p:clrMapOvr>
     <a:masterClrMapping/>
   </p:clrMapOvr>
-  <p:timing>
-    <p:tnLst>
-      <p:par>
-        <p:cTn id="1" dur="indefinite" restart="never" nodeType="tmRoot"/>
-      </p:par>
-    </p:tnLst>
-  </p:timing>
 </p:sld>
 </file>
 
@@ -9293,10 +9272,9 @@
           <a:lstStyle/>
           <a:p>
             <a:r>
-              <a:rPr lang="ko-KR" altLang="en-US" sz="1600" dirty="0" smtClean="0"/>
+              <a:rPr lang="ko-KR" altLang="en-US" sz="1600" dirty="0"/>
               <a:t>장바구니</a:t>
             </a:r>
-            <a:endParaRPr lang="ko-KR" altLang="en-US" sz="1600" dirty="0"/>
           </a:p>
         </p:txBody>
       </p:sp>
@@ -9335,10 +9313,9 @@
           <a:p>
             <a:pPr algn="r"/>
             <a:r>
-              <a:rPr lang="ko-KR" altLang="en-US" sz="1400" dirty="0" smtClean="0"/>
+              <a:rPr lang="ko-KR" altLang="en-US" sz="1400" dirty="0"/>
               <a:t>결제예상금액</a:t>
             </a:r>
-            <a:endParaRPr lang="ko-KR" altLang="en-US" sz="1400" dirty="0"/>
           </a:p>
         </p:txBody>
       </p:sp>
@@ -9377,10 +9354,9 @@
           <a:p>
             <a:pPr algn="ctr"/>
             <a:r>
-              <a:rPr lang="ko-KR" altLang="en-US" sz="1400" dirty="0" smtClean="0"/>
+              <a:rPr lang="ko-KR" altLang="en-US" sz="1400" dirty="0"/>
               <a:t>선택주문</a:t>
             </a:r>
-            <a:endParaRPr lang="ko-KR" altLang="en-US" sz="1400" dirty="0"/>
           </a:p>
         </p:txBody>
       </p:sp>
@@ -9419,10 +9395,9 @@
           <a:p>
             <a:pPr algn="ctr"/>
             <a:r>
-              <a:rPr lang="ko-KR" altLang="en-US" sz="1400" dirty="0" smtClean="0"/>
+              <a:rPr lang="ko-KR" altLang="en-US" sz="1400" dirty="0"/>
               <a:t>전체주문</a:t>
             </a:r>
-            <a:endParaRPr lang="ko-KR" altLang="en-US" sz="1400" dirty="0"/>
           </a:p>
         </p:txBody>
       </p:sp>
@@ -9451,12 +9426,48 @@
                 <a:tableStyleId>{F2DE63D5-997A-4646-A377-4702673A728D}</a:tableStyleId>
               </a:tblPr>
               <a:tblGrid>
-                <a:gridCol w="355328"/>
-                <a:gridCol w="3739978"/>
-                <a:gridCol w="776569"/>
-                <a:gridCol w="776569"/>
-                <a:gridCol w="776569"/>
-                <a:gridCol w="776569"/>
+                <a:gridCol w="355328">
+                  <a:extLst>
+                    <a:ext uri="{9D8B030D-6E8A-4147-A177-3AD203B41FA5}">
+                      <a16:colId xmlns:a16="http://schemas.microsoft.com/office/drawing/2014/main" val="20000"/>
+                    </a:ext>
+                  </a:extLst>
+                </a:gridCol>
+                <a:gridCol w="3739978">
+                  <a:extLst>
+                    <a:ext uri="{9D8B030D-6E8A-4147-A177-3AD203B41FA5}">
+                      <a16:colId xmlns:a16="http://schemas.microsoft.com/office/drawing/2014/main" val="20001"/>
+                    </a:ext>
+                  </a:extLst>
+                </a:gridCol>
+                <a:gridCol w="776569">
+                  <a:extLst>
+                    <a:ext uri="{9D8B030D-6E8A-4147-A177-3AD203B41FA5}">
+                      <a16:colId xmlns:a16="http://schemas.microsoft.com/office/drawing/2014/main" val="20002"/>
+                    </a:ext>
+                  </a:extLst>
+                </a:gridCol>
+                <a:gridCol w="776569">
+                  <a:extLst>
+                    <a:ext uri="{9D8B030D-6E8A-4147-A177-3AD203B41FA5}">
+                      <a16:colId xmlns:a16="http://schemas.microsoft.com/office/drawing/2014/main" val="20003"/>
+                    </a:ext>
+                  </a:extLst>
+                </a:gridCol>
+                <a:gridCol w="776569">
+                  <a:extLst>
+                    <a:ext uri="{9D8B030D-6E8A-4147-A177-3AD203B41FA5}">
+                      <a16:colId xmlns:a16="http://schemas.microsoft.com/office/drawing/2014/main" val="20004"/>
+                    </a:ext>
+                  </a:extLst>
+                </a:gridCol>
+                <a:gridCol w="776569">
+                  <a:extLst>
+                    <a:ext uri="{9D8B030D-6E8A-4147-A177-3AD203B41FA5}">
+                      <a16:colId xmlns:a16="http://schemas.microsoft.com/office/drawing/2014/main" val="20005"/>
+                    </a:ext>
+                  </a:extLst>
+                </a:gridCol>
               </a:tblGrid>
               <a:tr h="321175">
                 <a:tc>
@@ -9477,7 +9488,7 @@
                     <a:p>
                       <a:pPr algn="ctr" latinLnBrk="1"/>
                       <a:r>
-                        <a:rPr lang="ko-KR" altLang="en-US" sz="1200" dirty="0" smtClean="0"/>
+                        <a:rPr lang="ko-KR" altLang="en-US" sz="1200" dirty="0"/>
                         <a:t>상품명</a:t>
                       </a:r>
                       <a:endParaRPr lang="ko-KR" altLang="en-US" sz="1200" b="1" dirty="0"/>
@@ -9492,7 +9503,7 @@
                     <a:p>
                       <a:pPr algn="ctr" latinLnBrk="1"/>
                       <a:r>
-                        <a:rPr lang="ko-KR" altLang="en-US" sz="1200" dirty="0" smtClean="0"/>
+                        <a:rPr lang="ko-KR" altLang="en-US" sz="1200" dirty="0"/>
                         <a:t>수량</a:t>
                       </a:r>
                       <a:endParaRPr lang="ko-KR" altLang="en-US" sz="1200" b="1" dirty="0"/>
@@ -9507,7 +9518,7 @@
                     <a:p>
                       <a:pPr algn="ctr" latinLnBrk="1"/>
                       <a:r>
-                        <a:rPr lang="ko-KR" altLang="en-US" sz="1200" dirty="0" smtClean="0"/>
+                        <a:rPr lang="ko-KR" altLang="en-US" sz="1200" dirty="0"/>
                         <a:t>가격</a:t>
                       </a:r>
                       <a:endParaRPr lang="ko-KR" altLang="en-US" sz="1200" b="1" dirty="0"/>
@@ -9522,7 +9533,7 @@
                     <a:p>
                       <a:pPr algn="ctr" latinLnBrk="1"/>
                       <a:r>
-                        <a:rPr lang="ko-KR" altLang="en-US" sz="1200" dirty="0" smtClean="0"/>
+                        <a:rPr lang="ko-KR" altLang="en-US" sz="1200" dirty="0"/>
                         <a:t>합계</a:t>
                       </a:r>
                       <a:endParaRPr lang="ko-KR" altLang="en-US" sz="1200" b="1" dirty="0"/>
@@ -9537,7 +9548,7 @@
                     <a:p>
                       <a:pPr algn="ctr" latinLnBrk="1"/>
                       <a:r>
-                        <a:rPr lang="ko-KR" altLang="en-US" sz="1200" dirty="0" smtClean="0"/>
+                        <a:rPr lang="ko-KR" altLang="en-US" sz="1200" dirty="0"/>
                         <a:t>적립금</a:t>
                       </a:r>
                       <a:endParaRPr lang="ko-KR" altLang="en-US" sz="1200" b="1" dirty="0"/>
@@ -9545,6 +9556,11 @@
                   </a:txBody>
                   <a:tcPr anchor="ctr"/>
                 </a:tc>
+                <a:extLst>
+                  <a:ext uri="{0D108BD9-81ED-4DB2-BD59-A6C34878D82A}">
+                    <a16:rowId xmlns:a16="http://schemas.microsoft.com/office/drawing/2014/main" val="10000"/>
+                  </a:ext>
+                </a:extLst>
               </a:tr>
               <a:tr h="325636">
                 <a:tc>
@@ -9613,6 +9629,11 @@
                   </a:txBody>
                   <a:tcPr anchor="ctr"/>
                 </a:tc>
+                <a:extLst>
+                  <a:ext uri="{0D108BD9-81ED-4DB2-BD59-A6C34878D82A}">
+                    <a16:rowId xmlns:a16="http://schemas.microsoft.com/office/drawing/2014/main" val="10001"/>
+                  </a:ext>
+                </a:extLst>
               </a:tr>
               <a:tr h="325636">
                 <a:tc>
@@ -9681,6 +9702,11 @@
                   </a:txBody>
                   <a:tcPr anchor="ctr"/>
                 </a:tc>
+                <a:extLst>
+                  <a:ext uri="{0D108BD9-81ED-4DB2-BD59-A6C34878D82A}">
+                    <a16:rowId xmlns:a16="http://schemas.microsoft.com/office/drawing/2014/main" val="10002"/>
+                  </a:ext>
+                </a:extLst>
               </a:tr>
             </a:tbl>
           </a:graphicData>
@@ -10670,10 +10696,9 @@
           <a:p>
             <a:pPr algn="ctr"/>
             <a:r>
-              <a:rPr lang="ko-KR" altLang="en-US" sz="1600" dirty="0" smtClean="0"/>
+              <a:rPr lang="ko-KR" altLang="en-US" sz="1600" dirty="0"/>
               <a:t>조립컴퓨터               컴퓨터부품               견적문의              개인사양결제</a:t>
             </a:r>
-            <a:endParaRPr lang="ko-KR" altLang="en-US" sz="1600" dirty="0"/>
           </a:p>
         </p:txBody>
       </p:sp>
@@ -10795,18 +10820,17 @@
           <a:p>
             <a:pPr algn="r"/>
             <a:r>
-              <a:rPr lang="ko-KR" altLang="en-US" sz="1000" dirty="0" smtClean="0"/>
+              <a:rPr lang="ko-KR" altLang="en-US" sz="1000" dirty="0"/>
               <a:t>로그아웃    장바구니    </a:t>
             </a:r>
             <a:r>
-              <a:rPr lang="ko-KR" altLang="en-US" sz="1000" dirty="0" err="1" smtClean="0"/>
+              <a:rPr lang="ko-KR" altLang="en-US" sz="1000" dirty="0" err="1"/>
               <a:t>마이페이지</a:t>
             </a:r>
             <a:r>
-              <a:rPr lang="ko-KR" altLang="en-US" sz="1000" dirty="0" smtClean="0"/>
+              <a:rPr lang="ko-KR" altLang="en-US" sz="1000" dirty="0"/>
               <a:t>   고객센터</a:t>
             </a:r>
-            <a:endParaRPr lang="ko-KR" altLang="en-US" sz="1000" dirty="0"/>
           </a:p>
         </p:txBody>
       </p:sp>
@@ -10927,10 +10951,9 @@
           </a:lstStyle>
           <a:p>
             <a:r>
-              <a:rPr lang="ko-KR" altLang="en-US" sz="1000" dirty="0" smtClean="0"/>
+              <a:rPr lang="ko-KR" altLang="en-US" sz="1000" dirty="0"/>
               <a:t>로고</a:t>
             </a:r>
-            <a:endParaRPr lang="ko-KR" altLang="en-US" sz="1000" dirty="0"/>
           </a:p>
         </p:txBody>
       </p:sp>
@@ -11007,10 +11030,9 @@
           <a:p>
             <a:pPr algn="ctr"/>
             <a:r>
-              <a:rPr lang="ko-KR" altLang="en-US" sz="1400" dirty="0" smtClean="0"/>
+              <a:rPr lang="ko-KR" altLang="en-US" sz="1400" dirty="0"/>
               <a:t>상품정보</a:t>
             </a:r>
-            <a:endParaRPr lang="ko-KR" altLang="en-US" sz="1400" dirty="0"/>
           </a:p>
         </p:txBody>
       </p:sp>
@@ -11049,10 +11071,9 @@
           <a:p>
             <a:pPr algn="ctr"/>
             <a:r>
-              <a:rPr lang="ko-KR" altLang="en-US" sz="1400" dirty="0" smtClean="0"/>
+              <a:rPr lang="ko-KR" altLang="en-US" sz="1400" dirty="0"/>
               <a:t>결제예상금액</a:t>
             </a:r>
-            <a:endParaRPr lang="ko-KR" altLang="en-US" sz="1400" dirty="0"/>
           </a:p>
         </p:txBody>
       </p:sp>
@@ -11091,10 +11112,9 @@
           <a:p>
             <a:pPr algn="ctr"/>
             <a:r>
-              <a:rPr lang="ko-KR" altLang="en-US" sz="1400" dirty="0" smtClean="0"/>
+              <a:rPr lang="ko-KR" altLang="en-US" sz="1400" dirty="0"/>
               <a:t>선택주문</a:t>
             </a:r>
-            <a:endParaRPr lang="ko-KR" altLang="en-US" sz="1400" dirty="0"/>
           </a:p>
         </p:txBody>
       </p:sp>
@@ -11133,10 +11153,9 @@
           <a:p>
             <a:pPr algn="ctr"/>
             <a:r>
-              <a:rPr lang="ko-KR" altLang="en-US" sz="1400" dirty="0" smtClean="0"/>
+              <a:rPr lang="ko-KR" altLang="en-US" sz="1400" dirty="0"/>
               <a:t>전체주문</a:t>
             </a:r>
-            <a:endParaRPr lang="ko-KR" altLang="en-US" sz="1400" dirty="0"/>
           </a:p>
         </p:txBody>
       </p:sp>
@@ -11150,13 +11169,6 @@
   <p:clrMapOvr>
     <a:masterClrMapping/>
   </p:clrMapOvr>
-  <p:timing>
-    <p:tnLst>
-      <p:par>
-        <p:cTn id="1" dur="indefinite" restart="never" nodeType="tmRoot"/>
-      </p:par>
-    </p:tnLst>
-  </p:timing>
 </p:sld>
 </file>
 
@@ -11960,10 +11972,9 @@
           <a:lstStyle/>
           <a:p>
             <a:r>
-              <a:rPr lang="ko-KR" altLang="en-US" sz="1600" dirty="0" smtClean="0"/>
+              <a:rPr lang="ko-KR" altLang="en-US" sz="1600" dirty="0"/>
               <a:t>결제</a:t>
             </a:r>
-            <a:endParaRPr lang="ko-KR" altLang="en-US" sz="1600" dirty="0"/>
           </a:p>
         </p:txBody>
       </p:sp>
@@ -12002,10 +12013,9 @@
           <a:p>
             <a:pPr algn="ctr"/>
             <a:r>
-              <a:rPr lang="ko-KR" altLang="en-US" dirty="0" smtClean="0"/>
+              <a:rPr lang="ko-KR" altLang="en-US" dirty="0"/>
               <a:t>결제 상품 정보</a:t>
             </a:r>
-            <a:endParaRPr lang="ko-KR" altLang="en-US" dirty="0"/>
           </a:p>
         </p:txBody>
       </p:sp>
@@ -12044,10 +12054,9 @@
           <a:p>
             <a:pPr algn="ctr"/>
             <a:r>
-              <a:rPr lang="ko-KR" altLang="en-US" dirty="0" smtClean="0"/>
+              <a:rPr lang="ko-KR" altLang="en-US" dirty="0"/>
               <a:t>주문정보</a:t>
             </a:r>
-            <a:endParaRPr lang="ko-KR" altLang="en-US" dirty="0"/>
           </a:p>
         </p:txBody>
       </p:sp>
@@ -12086,10 +12095,9 @@
           <a:p>
             <a:pPr algn="ctr"/>
             <a:r>
-              <a:rPr lang="ko-KR" altLang="en-US" dirty="0" smtClean="0"/>
+              <a:rPr lang="ko-KR" altLang="en-US" dirty="0"/>
               <a:t>배송정보</a:t>
             </a:r>
-            <a:endParaRPr lang="ko-KR" altLang="en-US" dirty="0"/>
           </a:p>
         </p:txBody>
       </p:sp>
@@ -12128,10 +12136,9 @@
           <a:p>
             <a:pPr algn="ctr"/>
             <a:r>
-              <a:rPr lang="ko-KR" altLang="en-US" dirty="0" smtClean="0"/>
+              <a:rPr lang="ko-KR" altLang="en-US" dirty="0"/>
               <a:t>결제정보</a:t>
             </a:r>
-            <a:endParaRPr lang="ko-KR" altLang="en-US" dirty="0"/>
           </a:p>
         </p:txBody>
       </p:sp>
@@ -12395,10 +12402,9 @@
           <a:p>
             <a:pPr algn="ctr"/>
             <a:r>
-              <a:rPr lang="ko-KR" altLang="en-US" sz="1600" dirty="0" smtClean="0"/>
+              <a:rPr lang="ko-KR" altLang="en-US" sz="1600" dirty="0"/>
               <a:t>조립컴퓨터               컴퓨터부품               견적문의              개인사양결제</a:t>
             </a:r>
-            <a:endParaRPr lang="ko-KR" altLang="en-US" sz="1600" dirty="0"/>
           </a:p>
         </p:txBody>
       </p:sp>
@@ -12520,18 +12526,17 @@
           <a:p>
             <a:pPr algn="r"/>
             <a:r>
-              <a:rPr lang="ko-KR" altLang="en-US" sz="1000" dirty="0" smtClean="0"/>
+              <a:rPr lang="ko-KR" altLang="en-US" sz="1000" dirty="0"/>
               <a:t>로그아웃    장바구니    </a:t>
             </a:r>
             <a:r>
-              <a:rPr lang="ko-KR" altLang="en-US" sz="1000" dirty="0" err="1" smtClean="0"/>
+              <a:rPr lang="ko-KR" altLang="en-US" sz="1000" dirty="0" err="1"/>
               <a:t>마이페이지</a:t>
             </a:r>
             <a:r>
-              <a:rPr lang="ko-KR" altLang="en-US" sz="1000" dirty="0" smtClean="0"/>
+              <a:rPr lang="ko-KR" altLang="en-US" sz="1000" dirty="0"/>
               <a:t>   고객센터</a:t>
             </a:r>
-            <a:endParaRPr lang="ko-KR" altLang="en-US" sz="1000" dirty="0"/>
           </a:p>
         </p:txBody>
       </p:sp>
@@ -12652,10 +12657,9 @@
           </a:lstStyle>
           <a:p>
             <a:r>
-              <a:rPr lang="ko-KR" altLang="en-US" sz="1000" dirty="0" smtClean="0"/>
+              <a:rPr lang="ko-KR" altLang="en-US" sz="1000" dirty="0"/>
               <a:t>로고</a:t>
             </a:r>
-            <a:endParaRPr lang="ko-KR" altLang="en-US" sz="1000" dirty="0"/>
           </a:p>
         </p:txBody>
       </p:sp>
@@ -12732,10 +12736,9 @@
           <a:p>
             <a:pPr algn="ctr"/>
             <a:r>
-              <a:rPr lang="ko-KR" altLang="en-US" dirty="0" smtClean="0"/>
+              <a:rPr lang="ko-KR" altLang="en-US" dirty="0"/>
               <a:t>결제 상품 정보</a:t>
             </a:r>
-            <a:endParaRPr lang="ko-KR" altLang="en-US" dirty="0"/>
           </a:p>
         </p:txBody>
       </p:sp>
@@ -12774,10 +12777,9 @@
           <a:p>
             <a:pPr algn="ctr"/>
             <a:r>
-              <a:rPr lang="ko-KR" altLang="en-US" dirty="0" smtClean="0"/>
+              <a:rPr lang="ko-KR" altLang="en-US" dirty="0"/>
               <a:t>주문정보</a:t>
             </a:r>
-            <a:endParaRPr lang="ko-KR" altLang="en-US" dirty="0"/>
           </a:p>
         </p:txBody>
       </p:sp>
@@ -12816,10 +12818,9 @@
           <a:p>
             <a:pPr algn="ctr"/>
             <a:r>
-              <a:rPr lang="ko-KR" altLang="en-US" dirty="0" smtClean="0"/>
+              <a:rPr lang="ko-KR" altLang="en-US" dirty="0"/>
               <a:t>배송정보</a:t>
             </a:r>
-            <a:endParaRPr lang="ko-KR" altLang="en-US" dirty="0"/>
           </a:p>
         </p:txBody>
       </p:sp>
@@ -12858,10 +12859,9 @@
           <a:p>
             <a:pPr algn="ctr"/>
             <a:r>
-              <a:rPr lang="ko-KR" altLang="en-US" dirty="0" smtClean="0"/>
+              <a:rPr lang="ko-KR" altLang="en-US" dirty="0"/>
               <a:t>결제정보</a:t>
             </a:r>
-            <a:endParaRPr lang="ko-KR" altLang="en-US" dirty="0"/>
           </a:p>
         </p:txBody>
       </p:sp>
@@ -12875,13 +12875,6 @@
   <p:clrMapOvr>
     <a:masterClrMapping/>
   </p:clrMapOvr>
-  <p:timing>
-    <p:tnLst>
-      <p:par>
-        <p:cTn id="1" dur="indefinite" restart="never" nodeType="tmRoot"/>
-      </p:par>
-    </p:tnLst>
-  </p:timing>
 </p:sld>
 </file>
 
@@ -13685,14 +13678,13 @@
           <a:lstStyle/>
           <a:p>
             <a:r>
-              <a:rPr lang="en-US" altLang="ko-KR" sz="1600" dirty="0" smtClean="0"/>
+              <a:rPr lang="en-US" altLang="ko-KR" sz="1600" dirty="0"/>
               <a:t>A/S</a:t>
             </a:r>
             <a:r>
-              <a:rPr lang="ko-KR" altLang="en-US" sz="1600" dirty="0" smtClean="0"/>
+              <a:rPr lang="ko-KR" altLang="en-US" sz="1600" dirty="0"/>
               <a:t> 신청</a:t>
             </a:r>
-            <a:endParaRPr lang="ko-KR" altLang="en-US" sz="1600" dirty="0"/>
           </a:p>
         </p:txBody>
       </p:sp>
@@ -13731,10 +13723,9 @@
           <a:p>
             <a:pPr algn="ctr"/>
             <a:r>
-              <a:rPr lang="ko-KR" altLang="en-US" smtClean="0"/>
+              <a:rPr lang="ko-KR" altLang="en-US"/>
               <a:t>회원정보확인</a:t>
             </a:r>
-            <a:endParaRPr lang="ko-KR" altLang="en-US"/>
           </a:p>
         </p:txBody>
       </p:sp>
@@ -13773,10 +13764,9 @@
           <a:p>
             <a:pPr algn="ctr"/>
             <a:r>
-              <a:rPr lang="ko-KR" altLang="en-US" smtClean="0"/>
+              <a:rPr lang="ko-KR" altLang="en-US"/>
               <a:t>신청양식</a:t>
             </a:r>
-            <a:endParaRPr lang="ko-KR" altLang="en-US"/>
           </a:p>
         </p:txBody>
       </p:sp>
@@ -13815,10 +13805,9 @@
           <a:p>
             <a:pPr algn="ctr"/>
             <a:r>
-              <a:rPr lang="ko-KR" altLang="en-US" dirty="0" smtClean="0"/>
+              <a:rPr lang="ko-KR" altLang="en-US" dirty="0"/>
               <a:t>신청하기</a:t>
             </a:r>
-            <a:endParaRPr lang="ko-KR" altLang="en-US" dirty="0"/>
           </a:p>
         </p:txBody>
       </p:sp>
@@ -14082,10 +14071,9 @@
           <a:p>
             <a:pPr algn="ctr"/>
             <a:r>
-              <a:rPr lang="ko-KR" altLang="en-US" sz="1600" dirty="0" smtClean="0"/>
+              <a:rPr lang="ko-KR" altLang="en-US" sz="1600" dirty="0"/>
               <a:t>조립컴퓨터               컴퓨터부품               견적문의              개인사양결제</a:t>
             </a:r>
-            <a:endParaRPr lang="ko-KR" altLang="en-US" sz="1600" dirty="0"/>
           </a:p>
         </p:txBody>
       </p:sp>
@@ -14207,18 +14195,17 @@
           <a:p>
             <a:pPr algn="r"/>
             <a:r>
-              <a:rPr lang="ko-KR" altLang="en-US" sz="1000" dirty="0" smtClean="0"/>
+              <a:rPr lang="ko-KR" altLang="en-US" sz="1000" dirty="0"/>
               <a:t>로그아웃    장바구니    </a:t>
             </a:r>
             <a:r>
-              <a:rPr lang="ko-KR" altLang="en-US" sz="1000" dirty="0" err="1" smtClean="0"/>
+              <a:rPr lang="ko-KR" altLang="en-US" sz="1000" dirty="0" err="1"/>
               <a:t>마이페이지</a:t>
             </a:r>
             <a:r>
-              <a:rPr lang="ko-KR" altLang="en-US" sz="1000" dirty="0" smtClean="0"/>
+              <a:rPr lang="ko-KR" altLang="en-US" sz="1000" dirty="0"/>
               <a:t>   고객센터</a:t>
             </a:r>
-            <a:endParaRPr lang="ko-KR" altLang="en-US" sz="1000" dirty="0"/>
           </a:p>
         </p:txBody>
       </p:sp>
@@ -14339,10 +14326,9 @@
           </a:lstStyle>
           <a:p>
             <a:r>
-              <a:rPr lang="ko-KR" altLang="en-US" sz="1000" dirty="0" smtClean="0"/>
+              <a:rPr lang="ko-KR" altLang="en-US" sz="1000" dirty="0"/>
               <a:t>로고</a:t>
             </a:r>
-            <a:endParaRPr lang="ko-KR" altLang="en-US" sz="1000" dirty="0"/>
           </a:p>
         </p:txBody>
       </p:sp>
@@ -14419,10 +14405,9 @@
           <a:p>
             <a:pPr algn="ctr"/>
             <a:r>
-              <a:rPr lang="ko-KR" altLang="en-US" sz="1400" smtClean="0"/>
+              <a:rPr lang="ko-KR" altLang="en-US" sz="1400"/>
               <a:t>회원정보확인</a:t>
             </a:r>
-            <a:endParaRPr lang="ko-KR" altLang="en-US" sz="1400"/>
           </a:p>
         </p:txBody>
       </p:sp>
@@ -14461,10 +14446,9 @@
           <a:p>
             <a:pPr algn="ctr"/>
             <a:r>
-              <a:rPr lang="ko-KR" altLang="en-US" sz="1400" smtClean="0"/>
+              <a:rPr lang="ko-KR" altLang="en-US" sz="1400"/>
               <a:t>신청양식</a:t>
             </a:r>
-            <a:endParaRPr lang="ko-KR" altLang="en-US" sz="1400"/>
           </a:p>
         </p:txBody>
       </p:sp>
@@ -14503,30 +14487,22 @@
           <a:p>
             <a:pPr algn="ctr"/>
             <a:r>
-              <a:rPr lang="ko-KR" altLang="en-US" sz="1400" dirty="0" smtClean="0"/>
+              <a:rPr lang="ko-KR" altLang="en-US" sz="1400" dirty="0"/>
               <a:t>신청하기</a:t>
             </a:r>
-            <a:endParaRPr lang="ko-KR" altLang="en-US" sz="1400" dirty="0"/>
           </a:p>
         </p:txBody>
       </p:sp>
     </p:spTree>
     <p:extLst>
       <p:ext uri="{BB962C8B-B14F-4D97-AF65-F5344CB8AC3E}">
-        <p14:creationId xmlns:p14="http://schemas.microsoft.com/office/powerpoint/2010/main" val="2576187352"/>
+        <p14:creationId xmlns:p14="http://schemas.microsoft.com/office/powerpoint/2010/main" val="260630932"/>
       </p:ext>
     </p:extLst>
   </p:cSld>
   <p:clrMapOvr>
     <a:masterClrMapping/>
   </p:clrMapOvr>
-  <p:timing>
-    <p:tnLst>
-      <p:par>
-        <p:cTn id="1" dur="indefinite" restart="never" nodeType="tmRoot"/>
-      </p:par>
-    </p:tnLst>
-  </p:timing>
 </p:sld>
 </file>
 
@@ -15330,7 +15306,7 @@
           <a:lstStyle/>
           <a:p>
             <a:r>
-              <a:rPr lang="ko-KR" altLang="en-US" sz="1600" dirty="0" err="1" smtClean="0"/>
+              <a:rPr lang="ko-KR" altLang="en-US" sz="1600" dirty="0" err="1"/>
               <a:t>마일리지</a:t>
             </a:r>
             <a:endParaRPr lang="ko-KR" altLang="en-US" sz="1600" dirty="0"/>
@@ -15342,7 +15318,7 @@
           <p:cNvPr id="17" name="표 16">
             <a:extLst>
               <a:ext uri="{FF2B5EF4-FFF2-40B4-BE49-F238E27FC236}">
-                <a16:creationId xmlns="" xmlns:a16="http://schemas.microsoft.com/office/drawing/2014/main" id="{32BF1C33-F30F-4A63-AB95-F92D97CB9BC6}"/>
+                <a16:creationId xmlns:a16="http://schemas.microsoft.com/office/drawing/2014/main" id="{32BF1C33-F30F-4A63-AB95-F92D97CB9BC6}"/>
               </a:ext>
             </a:extLst>
           </p:cNvPr>
@@ -15352,13 +15328,13 @@
           <p:nvPr>
             <p:extLst>
               <p:ext uri="{D42A27DB-BD31-4B8C-83A1-F6EECF244321}">
-                <p14:modId xmlns:p14="http://schemas.microsoft.com/office/powerpoint/2010/main" val="4210158667"/>
+                <p14:modId xmlns:p14="http://schemas.microsoft.com/office/powerpoint/2010/main" val="2759460855"/>
               </p:ext>
             </p:extLst>
           </p:nvPr>
         </p:nvGraphicFramePr>
         <p:xfrm>
-          <a:off x="1121790" y="3044858"/>
+          <a:off x="1121790" y="3635480"/>
           <a:ext cx="6759018" cy="534088"/>
         </p:xfrm>
         <a:graphic>
@@ -15371,21 +15347,21 @@
                 <a:gridCol w="2253006">
                   <a:extLst>
                     <a:ext uri="{9D8B030D-6E8A-4147-A177-3AD203B41FA5}">
-                      <a16:colId xmlns="" xmlns:a16="http://schemas.microsoft.com/office/drawing/2014/main" val="3002944432"/>
+                      <a16:colId xmlns:a16="http://schemas.microsoft.com/office/drawing/2014/main" val="3002944432"/>
                     </a:ext>
                   </a:extLst>
                 </a:gridCol>
                 <a:gridCol w="2253006">
                   <a:extLst>
                     <a:ext uri="{9D8B030D-6E8A-4147-A177-3AD203B41FA5}">
-                      <a16:colId xmlns="" xmlns:a16="http://schemas.microsoft.com/office/drawing/2014/main" val="1520504708"/>
+                      <a16:colId xmlns:a16="http://schemas.microsoft.com/office/drawing/2014/main" val="1520504708"/>
                     </a:ext>
                   </a:extLst>
                 </a:gridCol>
                 <a:gridCol w="2253006">
                   <a:extLst>
                     <a:ext uri="{9D8B030D-6E8A-4147-A177-3AD203B41FA5}">
-                      <a16:colId xmlns="" xmlns:a16="http://schemas.microsoft.com/office/drawing/2014/main" val="1428192587"/>
+                      <a16:colId xmlns:a16="http://schemas.microsoft.com/office/drawing/2014/main" val="1428192587"/>
                     </a:ext>
                   </a:extLst>
                 </a:gridCol>
@@ -15447,7 +15423,7 @@
                 </a:tc>
                 <a:extLst>
                   <a:ext uri="{0D108BD9-81ED-4DB2-BD59-A6C34878D82A}">
-                    <a16:rowId xmlns="" xmlns:a16="http://schemas.microsoft.com/office/drawing/2014/main" val="3837441598"/>
+                    <a16:rowId xmlns:a16="http://schemas.microsoft.com/office/drawing/2014/main" val="3837441598"/>
                   </a:ext>
                 </a:extLst>
               </a:tr>
@@ -15460,7 +15436,7 @@
           <p:cNvPr id="18" name="표 14">
             <a:extLst>
               <a:ext uri="{FF2B5EF4-FFF2-40B4-BE49-F238E27FC236}">
-                <a16:creationId xmlns="" xmlns:a16="http://schemas.microsoft.com/office/drawing/2014/main" id="{431C4E36-26CF-4C7F-AE3B-99A0D620F7CF}"/>
+                <a16:creationId xmlns:a16="http://schemas.microsoft.com/office/drawing/2014/main" id="{431C4E36-26CF-4C7F-AE3B-99A0D620F7CF}"/>
               </a:ext>
             </a:extLst>
           </p:cNvPr>
@@ -15470,13 +15446,13 @@
           <p:nvPr>
             <p:extLst>
               <p:ext uri="{D42A27DB-BD31-4B8C-83A1-F6EECF244321}">
-                <p14:modId xmlns:p14="http://schemas.microsoft.com/office/powerpoint/2010/main" val="2972318097"/>
+                <p14:modId xmlns:p14="http://schemas.microsoft.com/office/powerpoint/2010/main" val="401698634"/>
               </p:ext>
             </p:extLst>
           </p:nvPr>
         </p:nvGraphicFramePr>
         <p:xfrm>
-          <a:off x="1121790" y="3861648"/>
+          <a:off x="1121790" y="4452270"/>
           <a:ext cx="6749591" cy="1372655"/>
         </p:xfrm>
         <a:graphic>
@@ -15489,21 +15465,21 @@
                 <a:gridCol w="1158279">
                   <a:extLst>
                     <a:ext uri="{9D8B030D-6E8A-4147-A177-3AD203B41FA5}">
-                      <a16:colId xmlns="" xmlns:a16="http://schemas.microsoft.com/office/drawing/2014/main" val="2409671562"/>
+                      <a16:colId xmlns:a16="http://schemas.microsoft.com/office/drawing/2014/main" val="2409671562"/>
                     </a:ext>
                   </a:extLst>
                 </a:gridCol>
                 <a:gridCol w="3973576">
                   <a:extLst>
                     <a:ext uri="{9D8B030D-6E8A-4147-A177-3AD203B41FA5}">
-                      <a16:colId xmlns="" xmlns:a16="http://schemas.microsoft.com/office/drawing/2014/main" val="405319681"/>
+                      <a16:colId xmlns:a16="http://schemas.microsoft.com/office/drawing/2014/main" val="405319681"/>
                     </a:ext>
                   </a:extLst>
                 </a:gridCol>
                 <a:gridCol w="1617736">
                   <a:extLst>
                     <a:ext uri="{9D8B030D-6E8A-4147-A177-3AD203B41FA5}">
-                      <a16:colId xmlns="" xmlns:a16="http://schemas.microsoft.com/office/drawing/2014/main" val="1574761109"/>
+                      <a16:colId xmlns:a16="http://schemas.microsoft.com/office/drawing/2014/main" val="1574761109"/>
                     </a:ext>
                   </a:extLst>
                 </a:gridCol>
@@ -15565,7 +15541,7 @@
                 </a:tc>
                 <a:extLst>
                   <a:ext uri="{0D108BD9-81ED-4DB2-BD59-A6C34878D82A}">
-                    <a16:rowId xmlns="" xmlns:a16="http://schemas.microsoft.com/office/drawing/2014/main" val="372713825"/>
+                    <a16:rowId xmlns:a16="http://schemas.microsoft.com/office/drawing/2014/main" val="372713825"/>
                   </a:ext>
                 </a:extLst>
               </a:tr>
@@ -15617,7 +15593,7 @@
                 </a:tc>
                 <a:extLst>
                   <a:ext uri="{0D108BD9-81ED-4DB2-BD59-A6C34878D82A}">
-                    <a16:rowId xmlns="" xmlns:a16="http://schemas.microsoft.com/office/drawing/2014/main" val="660364331"/>
+                    <a16:rowId xmlns:a16="http://schemas.microsoft.com/office/drawing/2014/main" val="660364331"/>
                   </a:ext>
                 </a:extLst>
               </a:tr>
@@ -15885,10 +15861,9 @@
           <a:p>
             <a:pPr algn="ctr"/>
             <a:r>
-              <a:rPr lang="ko-KR" altLang="en-US" sz="1600" dirty="0" smtClean="0"/>
+              <a:rPr lang="ko-KR" altLang="en-US" sz="1600" dirty="0"/>
               <a:t>조립컴퓨터               컴퓨터부품               견적문의              개인사양결제</a:t>
             </a:r>
-            <a:endParaRPr lang="ko-KR" altLang="en-US" sz="1600" dirty="0"/>
           </a:p>
         </p:txBody>
       </p:sp>
@@ -16010,18 +15985,17 @@
           <a:p>
             <a:pPr algn="r"/>
             <a:r>
-              <a:rPr lang="ko-KR" altLang="en-US" sz="1000" dirty="0" smtClean="0"/>
+              <a:rPr lang="ko-KR" altLang="en-US" sz="1000" dirty="0"/>
               <a:t>로그아웃    장바구니    </a:t>
             </a:r>
             <a:r>
-              <a:rPr lang="ko-KR" altLang="en-US" sz="1000" dirty="0" err="1" smtClean="0"/>
+              <a:rPr lang="ko-KR" altLang="en-US" sz="1000" dirty="0" err="1"/>
               <a:t>마이페이지</a:t>
             </a:r>
             <a:r>
-              <a:rPr lang="ko-KR" altLang="en-US" sz="1000" dirty="0" smtClean="0"/>
+              <a:rPr lang="ko-KR" altLang="en-US" sz="1000" dirty="0"/>
               <a:t>   고객센터</a:t>
             </a:r>
-            <a:endParaRPr lang="ko-KR" altLang="en-US" sz="1000" dirty="0"/>
           </a:p>
         </p:txBody>
       </p:sp>
@@ -16142,10 +16116,9 @@
           </a:lstStyle>
           <a:p>
             <a:r>
-              <a:rPr lang="ko-KR" altLang="en-US" sz="1000" dirty="0" smtClean="0"/>
+              <a:rPr lang="ko-KR" altLang="en-US" sz="1000" dirty="0"/>
               <a:t>로고</a:t>
             </a:r>
-            <a:endParaRPr lang="ko-KR" altLang="en-US" sz="1000" dirty="0"/>
           </a:p>
         </p:txBody>
       </p:sp>
@@ -16192,7 +16165,7 @@
           <p:cNvPr id="24" name="표 14">
             <a:extLst>
               <a:ext uri="{FF2B5EF4-FFF2-40B4-BE49-F238E27FC236}">
-                <a16:creationId xmlns="" xmlns:a16="http://schemas.microsoft.com/office/drawing/2014/main" id="{8DC23354-2EA9-4DBF-89E0-7A0F001A316F}"/>
+                <a16:creationId xmlns:a16="http://schemas.microsoft.com/office/drawing/2014/main" id="{8DC23354-2EA9-4DBF-89E0-7A0F001A316F}"/>
               </a:ext>
             </a:extLst>
           </p:cNvPr>
@@ -16221,14 +16194,14 @@
                 <a:gridCol w="1246424">
                   <a:extLst>
                     <a:ext uri="{9D8B030D-6E8A-4147-A177-3AD203B41FA5}">
-                      <a16:colId xmlns="" xmlns:a16="http://schemas.microsoft.com/office/drawing/2014/main" val="2840569629"/>
+                      <a16:colId xmlns:a16="http://schemas.microsoft.com/office/drawing/2014/main" val="2840569629"/>
                     </a:ext>
                   </a:extLst>
                 </a:gridCol>
                 <a:gridCol w="1246424">
                   <a:extLst>
                     <a:ext uri="{9D8B030D-6E8A-4147-A177-3AD203B41FA5}">
-                      <a16:colId xmlns="" xmlns:a16="http://schemas.microsoft.com/office/drawing/2014/main" val="2938559991"/>
+                      <a16:colId xmlns:a16="http://schemas.microsoft.com/office/drawing/2014/main" val="2938559991"/>
                     </a:ext>
                   </a:extLst>
                 </a:gridCol>
@@ -16272,7 +16245,7 @@
                 </a:tc>
                 <a:extLst>
                   <a:ext uri="{0D108BD9-81ED-4DB2-BD59-A6C34878D82A}">
-                    <a16:rowId xmlns="" xmlns:a16="http://schemas.microsoft.com/office/drawing/2014/main" val="371162120"/>
+                    <a16:rowId xmlns:a16="http://schemas.microsoft.com/office/drawing/2014/main" val="371162120"/>
                   </a:ext>
                 </a:extLst>
               </a:tr>
@@ -16312,7 +16285,7 @@
                 </a:tc>
                 <a:extLst>
                   <a:ext uri="{0D108BD9-81ED-4DB2-BD59-A6C34878D82A}">
-                    <a16:rowId xmlns="" xmlns:a16="http://schemas.microsoft.com/office/drawing/2014/main" val="3031867424"/>
+                    <a16:rowId xmlns:a16="http://schemas.microsoft.com/office/drawing/2014/main" val="3031867424"/>
                   </a:ext>
                 </a:extLst>
               </a:tr>
@@ -16325,7 +16298,7 @@
           <p:cNvPr id="25" name="표 14">
             <a:extLst>
               <a:ext uri="{FF2B5EF4-FFF2-40B4-BE49-F238E27FC236}">
-                <a16:creationId xmlns="" xmlns:a16="http://schemas.microsoft.com/office/drawing/2014/main" id="{55EA163E-AB2A-4D76-8749-7BC2691498F8}"/>
+                <a16:creationId xmlns:a16="http://schemas.microsoft.com/office/drawing/2014/main" id="{55EA163E-AB2A-4D76-8749-7BC2691498F8}"/>
               </a:ext>
             </a:extLst>
           </p:cNvPr>
@@ -16354,21 +16327,21 @@
                 <a:gridCol w="769041">
                   <a:extLst>
                     <a:ext uri="{9D8B030D-6E8A-4147-A177-3AD203B41FA5}">
-                      <a16:colId xmlns="" xmlns:a16="http://schemas.microsoft.com/office/drawing/2014/main" val="2409671562"/>
+                      <a16:colId xmlns:a16="http://schemas.microsoft.com/office/drawing/2014/main" val="2409671562"/>
                     </a:ext>
                   </a:extLst>
                 </a:gridCol>
                 <a:gridCol w="930838">
                   <a:extLst>
                     <a:ext uri="{9D8B030D-6E8A-4147-A177-3AD203B41FA5}">
-                      <a16:colId xmlns="" xmlns:a16="http://schemas.microsoft.com/office/drawing/2014/main" val="405319681"/>
+                      <a16:colId xmlns:a16="http://schemas.microsoft.com/office/drawing/2014/main" val="405319681"/>
                     </a:ext>
                   </a:extLst>
                 </a:gridCol>
                 <a:gridCol w="792970">
                   <a:extLst>
                     <a:ext uri="{9D8B030D-6E8A-4147-A177-3AD203B41FA5}">
-                      <a16:colId xmlns="" xmlns:a16="http://schemas.microsoft.com/office/drawing/2014/main" val="1574761109"/>
+                      <a16:colId xmlns:a16="http://schemas.microsoft.com/office/drawing/2014/main" val="1574761109"/>
                     </a:ext>
                   </a:extLst>
                 </a:gridCol>
@@ -16430,7 +16403,7 @@
                 </a:tc>
                 <a:extLst>
                   <a:ext uri="{0D108BD9-81ED-4DB2-BD59-A6C34878D82A}">
-                    <a16:rowId xmlns="" xmlns:a16="http://schemas.microsoft.com/office/drawing/2014/main" val="372713825"/>
+                    <a16:rowId xmlns:a16="http://schemas.microsoft.com/office/drawing/2014/main" val="372713825"/>
                   </a:ext>
                 </a:extLst>
               </a:tr>
@@ -16482,7 +16455,7 @@
                 </a:tc>
                 <a:extLst>
                   <a:ext uri="{0D108BD9-81ED-4DB2-BD59-A6C34878D82A}">
-                    <a16:rowId xmlns="" xmlns:a16="http://schemas.microsoft.com/office/drawing/2014/main" val="660364331"/>
+                    <a16:rowId xmlns:a16="http://schemas.microsoft.com/office/drawing/2014/main" val="660364331"/>
                   </a:ext>
                 </a:extLst>
               </a:tr>
@@ -16490,6 +16463,166 @@
           </a:graphicData>
         </a:graphic>
       </p:graphicFrame>
+      <p:sp>
+        <p:nvSpPr>
+          <p:cNvPr id="27" name="직사각형 26">
+            <a:extLst>
+              <a:ext uri="{FF2B5EF4-FFF2-40B4-BE49-F238E27FC236}">
+                <a16:creationId xmlns:a16="http://schemas.microsoft.com/office/drawing/2014/main" id="{A6B4248F-2864-4961-BBA6-2F76A49383C9}"/>
+              </a:ext>
+            </a:extLst>
+          </p:cNvPr>
+          <p:cNvSpPr/>
+          <p:nvPr/>
+        </p:nvSpPr>
+        <p:spPr>
+          <a:xfrm>
+            <a:off x="777269" y="2932670"/>
+            <a:ext cx="7569580" cy="370703"/>
+          </a:xfrm>
+          <a:prstGeom prst="rect">
+            <a:avLst/>
+          </a:prstGeom>
+          <a:solidFill>
+            <a:schemeClr val="bg1"/>
+          </a:solidFill>
+          <a:ln>
+            <a:solidFill>
+              <a:schemeClr val="tx1"/>
+            </a:solidFill>
+          </a:ln>
+        </p:spPr>
+        <p:style>
+          <a:lnRef idx="2">
+            <a:schemeClr val="accent1">
+              <a:shade val="50000"/>
+            </a:schemeClr>
+          </a:lnRef>
+          <a:fillRef idx="1">
+            <a:schemeClr val="accent1"/>
+          </a:fillRef>
+          <a:effectRef idx="0">
+            <a:schemeClr val="accent1"/>
+          </a:effectRef>
+          <a:fontRef idx="minor">
+            <a:schemeClr val="lt1"/>
+          </a:fontRef>
+        </p:style>
+        <p:txBody>
+          <a:bodyPr rtlCol="0" anchor="ctr"/>
+          <a:lstStyle/>
+          <a:p>
+            <a:r>
+              <a:rPr lang="ko-KR" altLang="en-US" sz="1200" dirty="0" err="1">
+                <a:solidFill>
+                  <a:schemeClr val="tx1"/>
+                </a:solidFill>
+              </a:rPr>
+              <a:t>내정보관리</a:t>
+            </a:r>
+            <a:r>
+              <a:rPr lang="en-US" altLang="ko-KR" sz="1200" dirty="0">
+                <a:solidFill>
+                  <a:schemeClr val="tx1"/>
+                </a:solidFill>
+              </a:rPr>
+              <a:t>	</a:t>
+            </a:r>
+            <a:r>
+              <a:rPr lang="ko-KR" altLang="en-US" sz="1200" b="1" dirty="0" err="1">
+                <a:solidFill>
+                  <a:schemeClr val="tx1"/>
+                </a:solidFill>
+              </a:rPr>
+              <a:t>마일리지</a:t>
+            </a:r>
+            <a:r>
+              <a:rPr lang="en-US" altLang="ko-KR" sz="1200" dirty="0">
+                <a:solidFill>
+                  <a:schemeClr val="tx1"/>
+                </a:solidFill>
+              </a:rPr>
+              <a:t>	</a:t>
+            </a:r>
+            <a:r>
+              <a:rPr lang="ko-KR" altLang="en-US" sz="1200" dirty="0">
+                <a:solidFill>
+                  <a:schemeClr val="tx1"/>
+                </a:solidFill>
+              </a:rPr>
+              <a:t>견적관리</a:t>
+            </a:r>
+            <a:r>
+              <a:rPr lang="en-US" altLang="ko-KR" sz="1200" dirty="0">
+                <a:solidFill>
+                  <a:schemeClr val="tx1"/>
+                </a:solidFill>
+              </a:rPr>
+              <a:t>	</a:t>
+            </a:r>
+            <a:r>
+              <a:rPr lang="ko-KR" altLang="en-US" sz="1200" dirty="0">
+                <a:solidFill>
+                  <a:schemeClr val="tx1"/>
+                </a:solidFill>
+              </a:rPr>
+              <a:t>주문</a:t>
+            </a:r>
+            <a:r>
+              <a:rPr lang="en-US" altLang="ko-KR" sz="1200" dirty="0">
+                <a:solidFill>
+                  <a:schemeClr val="tx1"/>
+                </a:solidFill>
+              </a:rPr>
+              <a:t>/</a:t>
+            </a:r>
+            <a:r>
+              <a:rPr lang="ko-KR" altLang="en-US" sz="1200" dirty="0">
+                <a:solidFill>
+                  <a:schemeClr val="tx1"/>
+                </a:solidFill>
+              </a:rPr>
+              <a:t>배송관리</a:t>
+            </a:r>
+          </a:p>
+        </p:txBody>
+      </p:sp>
+      <p:sp>
+        <p:nvSpPr>
+          <p:cNvPr id="28" name="TextBox 27">
+            <a:extLst>
+              <a:ext uri="{FF2B5EF4-FFF2-40B4-BE49-F238E27FC236}">
+                <a16:creationId xmlns:a16="http://schemas.microsoft.com/office/drawing/2014/main" id="{0BACB566-5523-44DC-AAEE-18914651B111}"/>
+              </a:ext>
+            </a:extLst>
+          </p:cNvPr>
+          <p:cNvSpPr txBox="1"/>
+          <p:nvPr/>
+        </p:nvSpPr>
+        <p:spPr>
+          <a:xfrm>
+            <a:off x="794968" y="2627870"/>
+            <a:ext cx="2080036" cy="276999"/>
+          </a:xfrm>
+          <a:prstGeom prst="rect">
+            <a:avLst/>
+          </a:prstGeom>
+          <a:noFill/>
+        </p:spPr>
+        <p:txBody>
+          <a:bodyPr wrap="square" rtlCol="0">
+            <a:spAutoFit/>
+          </a:bodyPr>
+          <a:lstStyle/>
+          <a:p>
+            <a:r>
+              <a:rPr lang="ko-KR" altLang="en-US" sz="1200" dirty="0" err="1"/>
+              <a:t>마이페이지</a:t>
+            </a:r>
+            <a:endParaRPr lang="ko-KR" altLang="en-US" sz="1200" dirty="0"/>
+          </a:p>
+        </p:txBody>
+      </p:sp>
     </p:spTree>
     <p:extLst>
       <p:ext uri="{BB962C8B-B14F-4D97-AF65-F5344CB8AC3E}">
@@ -16500,13 +16633,6 @@
   <p:clrMapOvr>
     <a:masterClrMapping/>
   </p:clrMapOvr>
-  <p:timing>
-    <p:tnLst>
-      <p:par>
-        <p:cTn id="1" dur="indefinite" restart="never" nodeType="tmRoot"/>
-      </p:par>
-    </p:tnLst>
-  </p:timing>
 </p:sld>
 </file>
 
@@ -17310,18 +17436,17 @@
           <a:lstStyle/>
           <a:p>
             <a:r>
-              <a:rPr lang="ko-KR" altLang="en-US" sz="1600" dirty="0" smtClean="0"/>
+              <a:rPr lang="ko-KR" altLang="en-US" sz="1600" dirty="0"/>
               <a:t>주문</a:t>
             </a:r>
             <a:r>
-              <a:rPr lang="en-US" altLang="ko-KR" sz="1600" dirty="0" smtClean="0"/>
+              <a:rPr lang="en-US" altLang="ko-KR" sz="1600" dirty="0"/>
               <a:t>/</a:t>
             </a:r>
             <a:r>
-              <a:rPr lang="ko-KR" altLang="en-US" sz="1600" dirty="0" smtClean="0"/>
+              <a:rPr lang="ko-KR" altLang="en-US" sz="1600" dirty="0"/>
               <a:t>배송조회</a:t>
             </a:r>
-            <a:endParaRPr lang="ko-KR" altLang="en-US" sz="1600" dirty="0"/>
           </a:p>
         </p:txBody>
       </p:sp>
@@ -17585,10 +17710,9 @@
           <a:p>
             <a:pPr algn="ctr"/>
             <a:r>
-              <a:rPr lang="ko-KR" altLang="en-US" sz="1600" dirty="0" smtClean="0"/>
+              <a:rPr lang="ko-KR" altLang="en-US" sz="1600" dirty="0"/>
               <a:t>조립컴퓨터               컴퓨터부품               견적문의              개인사양결제</a:t>
             </a:r>
-            <a:endParaRPr lang="ko-KR" altLang="en-US" sz="1600" dirty="0"/>
           </a:p>
         </p:txBody>
       </p:sp>
@@ -17710,18 +17834,17 @@
           <a:p>
             <a:pPr algn="r"/>
             <a:r>
-              <a:rPr lang="ko-KR" altLang="en-US" sz="1000" dirty="0" smtClean="0"/>
+              <a:rPr lang="ko-KR" altLang="en-US" sz="1000" dirty="0"/>
               <a:t>로그아웃    장바구니    </a:t>
             </a:r>
             <a:r>
-              <a:rPr lang="ko-KR" altLang="en-US" sz="1000" dirty="0" err="1" smtClean="0"/>
+              <a:rPr lang="ko-KR" altLang="en-US" sz="1000" dirty="0" err="1"/>
               <a:t>마이페이지</a:t>
             </a:r>
             <a:r>
-              <a:rPr lang="ko-KR" altLang="en-US" sz="1000" dirty="0" smtClean="0"/>
+              <a:rPr lang="ko-KR" altLang="en-US" sz="1000" dirty="0"/>
               <a:t>   고객센터</a:t>
             </a:r>
-            <a:endParaRPr lang="ko-KR" altLang="en-US" sz="1000" dirty="0"/>
           </a:p>
         </p:txBody>
       </p:sp>
@@ -17842,10 +17965,9 @@
           </a:lstStyle>
           <a:p>
             <a:r>
-              <a:rPr lang="ko-KR" altLang="en-US" sz="1000" dirty="0" smtClean="0"/>
+              <a:rPr lang="ko-KR" altLang="en-US" sz="1000" dirty="0"/>
               <a:t>로고</a:t>
             </a:r>
-            <a:endParaRPr lang="ko-KR" altLang="en-US" sz="1000" dirty="0"/>
           </a:p>
         </p:txBody>
       </p:sp>
@@ -17922,46 +18044,41 @@
           <a:p>
             <a:pPr algn="ctr"/>
             <a:r>
-              <a:rPr lang="ko-KR" altLang="en-US" dirty="0" smtClean="0"/>
+              <a:rPr lang="ko-KR" altLang="en-US" dirty="0"/>
               <a:t>주문일자 </a:t>
             </a:r>
             <a:r>
-              <a:rPr lang="en-US" altLang="ko-KR" dirty="0" smtClean="0"/>
+              <a:rPr lang="en-US" altLang="ko-KR" dirty="0"/>
               <a:t>/ </a:t>
             </a:r>
             <a:r>
-              <a:rPr lang="ko-KR" altLang="en-US" dirty="0" smtClean="0"/>
+              <a:rPr lang="ko-KR" altLang="en-US" dirty="0"/>
               <a:t>수령인</a:t>
             </a:r>
             <a:r>
               <a:rPr lang="en-US" altLang="ko-KR" dirty="0"/>
-              <a:t> </a:t>
+              <a:t> / </a:t>
             </a:r>
             <a:r>
-              <a:rPr lang="en-US" altLang="ko-KR" dirty="0" smtClean="0"/>
+              <a:rPr lang="ko-KR" altLang="en-US" dirty="0"/>
+              <a:t>주문상품 </a:t>
+            </a:r>
+            <a:r>
+              <a:rPr lang="en-US" altLang="ko-KR" dirty="0"/>
+              <a:t>/  </a:t>
+            </a:r>
+            <a:r>
+              <a:rPr lang="ko-KR" altLang="en-US" dirty="0"/>
+              <a:t>결제금액 </a:t>
+            </a:r>
+            <a:r>
+              <a:rPr lang="en-US" altLang="ko-KR" dirty="0"/>
               <a:t>/ </a:t>
             </a:r>
             <a:r>
-              <a:rPr lang="ko-KR" altLang="en-US" dirty="0" smtClean="0"/>
-              <a:t>주문상품 </a:t>
-            </a:r>
-            <a:r>
-              <a:rPr lang="en-US" altLang="ko-KR" dirty="0" smtClean="0"/>
-              <a:t>/  </a:t>
-            </a:r>
-            <a:r>
-              <a:rPr lang="ko-KR" altLang="en-US" dirty="0" smtClean="0"/>
-              <a:t>결제금액 </a:t>
-            </a:r>
-            <a:r>
-              <a:rPr lang="en-US" altLang="ko-KR" dirty="0" smtClean="0"/>
-              <a:t>/ </a:t>
-            </a:r>
-            <a:r>
-              <a:rPr lang="ko-KR" altLang="en-US" dirty="0" smtClean="0"/>
+              <a:rPr lang="ko-KR" altLang="en-US" dirty="0"/>
               <a:t>상태</a:t>
             </a:r>
-            <a:endParaRPr lang="ko-KR" altLang="en-US" dirty="0"/>
           </a:p>
         </p:txBody>
       </p:sp>
@@ -17975,13 +18092,6 @@
   <p:clrMapOvr>
     <a:masterClrMapping/>
   </p:clrMapOvr>
-  <p:timing>
-    <p:tnLst>
-      <p:par>
-        <p:cTn id="1" dur="indefinite" restart="never" nodeType="tmRoot"/>
-      </p:par>
-    </p:tnLst>
-  </p:timing>
 </p:sld>
 </file>
 
@@ -18785,10 +18895,9 @@
           <a:lstStyle/>
           <a:p>
             <a:r>
-              <a:rPr lang="ko-KR" altLang="en-US" sz="1600" dirty="0" smtClean="0"/>
+              <a:rPr lang="ko-KR" altLang="en-US" sz="1600" dirty="0"/>
               <a:t>주문관리</a:t>
             </a:r>
-            <a:endParaRPr lang="ko-KR" altLang="en-US" sz="1600" dirty="0"/>
           </a:p>
         </p:txBody>
       </p:sp>
@@ -19052,10 +19161,9 @@
           <a:p>
             <a:pPr algn="r"/>
             <a:r>
-              <a:rPr lang="ko-KR" altLang="en-US" sz="1000" dirty="0" smtClean="0"/>
+              <a:rPr lang="ko-KR" altLang="en-US" sz="1000" dirty="0"/>
               <a:t>로그아웃</a:t>
             </a:r>
-            <a:endParaRPr lang="ko-KR" altLang="en-US" sz="1000" dirty="0"/>
           </a:p>
         </p:txBody>
       </p:sp>
@@ -19176,10 +19284,9 @@
           </a:lstStyle>
           <a:p>
             <a:r>
-              <a:rPr lang="ko-KR" altLang="en-US" sz="1000" dirty="0" smtClean="0"/>
+              <a:rPr lang="ko-KR" altLang="en-US" sz="1000" dirty="0"/>
               <a:t>로고</a:t>
             </a:r>
-            <a:endParaRPr lang="ko-KR" altLang="en-US" sz="1000" dirty="0"/>
           </a:p>
         </p:txBody>
       </p:sp>
@@ -19338,33 +19445,730 @@
           </a:lstStyle>
           <a:p>
             <a:r>
-              <a:rPr lang="ko-KR" altLang="en-US" dirty="0" smtClean="0"/>
+              <a:rPr lang="ko-KR" altLang="en-US" dirty="0"/>
               <a:t>회원관리</a:t>
             </a:r>
             <a:r>
               <a:rPr lang="en-US" altLang="ko-KR" dirty="0"/>
-              <a:t> </a:t>
+              <a:t>       </a:t>
             </a:r>
             <a:r>
-              <a:rPr lang="en-US" altLang="ko-KR" dirty="0" smtClean="0"/>
-              <a:t>      </a:t>
+              <a:rPr lang="ko-KR" altLang="en-US" dirty="0"/>
+              <a:t>상품관리       견적문의관리       </a:t>
             </a:r>
             <a:r>
-              <a:rPr lang="ko-KR" altLang="en-US" dirty="0" smtClean="0"/>
-              <a:t>상품관리       견적문의관리       주문관리       </a:t>
+              <a:rPr lang="ko-KR" altLang="en-US" b="1" dirty="0"/>
+              <a:t>주문관리</a:t>
             </a:r>
             <a:r>
-              <a:rPr lang="en-US" altLang="ko-KR" dirty="0" smtClean="0"/>
+              <a:rPr lang="ko-KR" altLang="en-US" dirty="0"/>
+              <a:t>       </a:t>
+            </a:r>
+            <a:r>
+              <a:rPr lang="en-US" altLang="ko-KR" dirty="0"/>
               <a:t>AS</a:t>
             </a:r>
             <a:r>
-              <a:rPr lang="ko-KR" altLang="en-US" dirty="0" smtClean="0"/>
+              <a:rPr lang="ko-KR" altLang="en-US" dirty="0"/>
               <a:t>관리</a:t>
             </a:r>
-            <a:endParaRPr lang="ko-KR" altLang="en-US" dirty="0"/>
           </a:p>
         </p:txBody>
       </p:sp>
+      <p:graphicFrame>
+        <p:nvGraphicFramePr>
+          <p:cNvPr id="17" name="표 17">
+            <a:extLst>
+              <a:ext uri="{FF2B5EF4-FFF2-40B4-BE49-F238E27FC236}">
+                <a16:creationId xmlns:a16="http://schemas.microsoft.com/office/drawing/2014/main" id="{3FF6B1A3-38F2-4B49-8D68-6EC80DE52C81}"/>
+              </a:ext>
+            </a:extLst>
+          </p:cNvPr>
+          <p:cNvGraphicFramePr>
+            <a:graphicFrameLocks noGrp="1"/>
+          </p:cNvGraphicFramePr>
+          <p:nvPr>
+            <p:extLst>
+              <p:ext uri="{D42A27DB-BD31-4B8C-83A1-F6EECF244321}">
+                <p14:modId xmlns:p14="http://schemas.microsoft.com/office/powerpoint/2010/main" val="2346015579"/>
+              </p:ext>
+            </p:extLst>
+          </p:nvPr>
+        </p:nvGraphicFramePr>
+        <p:xfrm>
+          <a:off x="965201" y="2972187"/>
+          <a:ext cx="7239687" cy="2633596"/>
+        </p:xfrm>
+        <a:graphic>
+          <a:graphicData uri="http://schemas.openxmlformats.org/drawingml/2006/table">
+            <a:tbl>
+              <a:tblPr firstRow="1" bandRow="1">
+                <a:tableStyleId>{C083E6E3-FA7D-4D7B-A595-EF9225AFEA82}</a:tableStyleId>
+              </a:tblPr>
+              <a:tblGrid>
+                <a:gridCol w="903704">
+                  <a:extLst>
+                    <a:ext uri="{9D8B030D-6E8A-4147-A177-3AD203B41FA5}">
+                      <a16:colId xmlns:a16="http://schemas.microsoft.com/office/drawing/2014/main" val="3877182635"/>
+                    </a:ext>
+                  </a:extLst>
+                </a:gridCol>
+                <a:gridCol w="810127">
+                  <a:extLst>
+                    <a:ext uri="{9D8B030D-6E8A-4147-A177-3AD203B41FA5}">
+                      <a16:colId xmlns:a16="http://schemas.microsoft.com/office/drawing/2014/main" val="2582312683"/>
+                    </a:ext>
+                  </a:extLst>
+                </a:gridCol>
+                <a:gridCol w="713873">
+                  <a:extLst>
+                    <a:ext uri="{9D8B030D-6E8A-4147-A177-3AD203B41FA5}">
+                      <a16:colId xmlns:a16="http://schemas.microsoft.com/office/drawing/2014/main" val="2449263329"/>
+                    </a:ext>
+                  </a:extLst>
+                </a:gridCol>
+                <a:gridCol w="2141621">
+                  <a:extLst>
+                    <a:ext uri="{9D8B030D-6E8A-4147-A177-3AD203B41FA5}">
+                      <a16:colId xmlns:a16="http://schemas.microsoft.com/office/drawing/2014/main" val="1274486181"/>
+                    </a:ext>
+                  </a:extLst>
+                </a:gridCol>
+                <a:gridCol w="866274">
+                  <a:extLst>
+                    <a:ext uri="{9D8B030D-6E8A-4147-A177-3AD203B41FA5}">
+                      <a16:colId xmlns:a16="http://schemas.microsoft.com/office/drawing/2014/main" val="2601092234"/>
+                    </a:ext>
+                  </a:extLst>
+                </a:gridCol>
+                <a:gridCol w="898358">
+                  <a:extLst>
+                    <a:ext uri="{9D8B030D-6E8A-4147-A177-3AD203B41FA5}">
+                      <a16:colId xmlns:a16="http://schemas.microsoft.com/office/drawing/2014/main" val="2277025614"/>
+                    </a:ext>
+                  </a:extLst>
+                </a:gridCol>
+                <a:gridCol w="905730">
+                  <a:extLst>
+                    <a:ext uri="{9D8B030D-6E8A-4147-A177-3AD203B41FA5}">
+                      <a16:colId xmlns:a16="http://schemas.microsoft.com/office/drawing/2014/main" val="1891608752"/>
+                    </a:ext>
+                  </a:extLst>
+                </a:gridCol>
+              </a:tblGrid>
+              <a:tr h="376228">
+                <a:tc>
+                  <a:txBody>
+                    <a:bodyPr/>
+                    <a:lstStyle/>
+                    <a:p>
+                      <a:pPr algn="ctr" latinLnBrk="1"/>
+                      <a:r>
+                        <a:rPr lang="ko-KR" altLang="en-US" sz="1100" dirty="0"/>
+                        <a:t>주문번호</a:t>
+                      </a:r>
+                    </a:p>
+                  </a:txBody>
+                  <a:tcPr anchor="ctr"/>
+                </a:tc>
+                <a:tc>
+                  <a:txBody>
+                    <a:bodyPr/>
+                    <a:lstStyle/>
+                    <a:p>
+                      <a:pPr algn="ctr" latinLnBrk="1"/>
+                      <a:r>
+                        <a:rPr lang="ko-KR" altLang="en-US" sz="1100" dirty="0"/>
+                        <a:t>주문날짜</a:t>
+                      </a:r>
+                    </a:p>
+                  </a:txBody>
+                  <a:tcPr anchor="ctr"/>
+                </a:tc>
+                <a:tc>
+                  <a:txBody>
+                    <a:bodyPr/>
+                    <a:lstStyle/>
+                    <a:p>
+                      <a:pPr algn="ctr" latinLnBrk="1"/>
+                      <a:r>
+                        <a:rPr lang="ko-KR" altLang="en-US" sz="1100" dirty="0"/>
+                        <a:t>주문자</a:t>
+                      </a:r>
+                    </a:p>
+                  </a:txBody>
+                  <a:tcPr anchor="ctr"/>
+                </a:tc>
+                <a:tc>
+                  <a:txBody>
+                    <a:bodyPr/>
+                    <a:lstStyle/>
+                    <a:p>
+                      <a:pPr algn="ctr" latinLnBrk="1"/>
+                      <a:r>
+                        <a:rPr lang="ko-KR" altLang="en-US" sz="1100" dirty="0"/>
+                        <a:t>상품명</a:t>
+                      </a:r>
+                    </a:p>
+                  </a:txBody>
+                  <a:tcPr anchor="ctr"/>
+                </a:tc>
+                <a:tc>
+                  <a:txBody>
+                    <a:bodyPr/>
+                    <a:lstStyle/>
+                    <a:p>
+                      <a:pPr algn="ctr" latinLnBrk="1"/>
+                      <a:r>
+                        <a:rPr lang="ko-KR" altLang="en-US" sz="1100" dirty="0"/>
+                        <a:t>결제금액</a:t>
+                      </a:r>
+                    </a:p>
+                  </a:txBody>
+                  <a:tcPr anchor="ctr"/>
+                </a:tc>
+                <a:tc>
+                  <a:txBody>
+                    <a:bodyPr/>
+                    <a:lstStyle/>
+                    <a:p>
+                      <a:pPr algn="ctr" latinLnBrk="1"/>
+                      <a:r>
+                        <a:rPr lang="ko-KR" altLang="en-US" sz="1100" dirty="0"/>
+                        <a:t>결제상태</a:t>
+                      </a:r>
+                    </a:p>
+                  </a:txBody>
+                  <a:tcPr anchor="ctr"/>
+                </a:tc>
+                <a:tc>
+                  <a:txBody>
+                    <a:bodyPr/>
+                    <a:lstStyle/>
+                    <a:p>
+                      <a:pPr algn="ctr" latinLnBrk="1"/>
+                      <a:r>
+                        <a:rPr lang="ko-KR" altLang="en-US" sz="1100" dirty="0"/>
+                        <a:t>배송</a:t>
+                      </a:r>
+                    </a:p>
+                  </a:txBody>
+                  <a:tcPr anchor="ctr"/>
+                </a:tc>
+                <a:extLst>
+                  <a:ext uri="{0D108BD9-81ED-4DB2-BD59-A6C34878D82A}">
+                    <a16:rowId xmlns:a16="http://schemas.microsoft.com/office/drawing/2014/main" val="1451601782"/>
+                  </a:ext>
+                </a:extLst>
+              </a:tr>
+              <a:tr h="376228">
+                <a:tc>
+                  <a:txBody>
+                    <a:bodyPr/>
+                    <a:lstStyle/>
+                    <a:p>
+                      <a:pPr latinLnBrk="1"/>
+                      <a:endParaRPr lang="ko-KR" altLang="en-US" sz="1100"/>
+                    </a:p>
+                  </a:txBody>
+                  <a:tcPr anchor="ctr"/>
+                </a:tc>
+                <a:tc>
+                  <a:txBody>
+                    <a:bodyPr/>
+                    <a:lstStyle/>
+                    <a:p>
+                      <a:pPr latinLnBrk="1"/>
+                      <a:endParaRPr lang="ko-KR" altLang="en-US" sz="1100" dirty="0"/>
+                    </a:p>
+                  </a:txBody>
+                  <a:tcPr anchor="ctr"/>
+                </a:tc>
+                <a:tc>
+                  <a:txBody>
+                    <a:bodyPr/>
+                    <a:lstStyle/>
+                    <a:p>
+                      <a:pPr latinLnBrk="1"/>
+                      <a:endParaRPr lang="ko-KR" altLang="en-US" sz="1100" dirty="0"/>
+                    </a:p>
+                  </a:txBody>
+                  <a:tcPr anchor="ctr"/>
+                </a:tc>
+                <a:tc>
+                  <a:txBody>
+                    <a:bodyPr/>
+                    <a:lstStyle/>
+                    <a:p>
+                      <a:pPr latinLnBrk="1"/>
+                      <a:endParaRPr lang="ko-KR" altLang="en-US" sz="1100"/>
+                    </a:p>
+                  </a:txBody>
+                  <a:tcPr anchor="ctr"/>
+                </a:tc>
+                <a:tc>
+                  <a:txBody>
+                    <a:bodyPr/>
+                    <a:lstStyle/>
+                    <a:p>
+                      <a:pPr latinLnBrk="1"/>
+                      <a:endParaRPr lang="ko-KR" altLang="en-US" sz="1100"/>
+                    </a:p>
+                  </a:txBody>
+                  <a:tcPr anchor="ctr"/>
+                </a:tc>
+                <a:tc>
+                  <a:txBody>
+                    <a:bodyPr/>
+                    <a:lstStyle/>
+                    <a:p>
+                      <a:pPr latinLnBrk="1"/>
+                      <a:endParaRPr lang="ko-KR" altLang="en-US" sz="1100"/>
+                    </a:p>
+                  </a:txBody>
+                  <a:tcPr anchor="ctr"/>
+                </a:tc>
+                <a:tc>
+                  <a:txBody>
+                    <a:bodyPr/>
+                    <a:lstStyle/>
+                    <a:p>
+                      <a:pPr latinLnBrk="1"/>
+                      <a:endParaRPr lang="ko-KR" altLang="en-US" sz="1100" dirty="0"/>
+                    </a:p>
+                  </a:txBody>
+                  <a:tcPr anchor="ctr"/>
+                </a:tc>
+                <a:extLst>
+                  <a:ext uri="{0D108BD9-81ED-4DB2-BD59-A6C34878D82A}">
+                    <a16:rowId xmlns:a16="http://schemas.microsoft.com/office/drawing/2014/main" val="4130334169"/>
+                  </a:ext>
+                </a:extLst>
+              </a:tr>
+              <a:tr h="376228">
+                <a:tc>
+                  <a:txBody>
+                    <a:bodyPr/>
+                    <a:lstStyle/>
+                    <a:p>
+                      <a:pPr latinLnBrk="1"/>
+                      <a:endParaRPr lang="ko-KR" altLang="en-US" sz="1100"/>
+                    </a:p>
+                  </a:txBody>
+                  <a:tcPr anchor="ctr"/>
+                </a:tc>
+                <a:tc>
+                  <a:txBody>
+                    <a:bodyPr/>
+                    <a:lstStyle/>
+                    <a:p>
+                      <a:pPr latinLnBrk="1"/>
+                      <a:endParaRPr lang="ko-KR" altLang="en-US" sz="1100"/>
+                    </a:p>
+                  </a:txBody>
+                  <a:tcPr anchor="ctr"/>
+                </a:tc>
+                <a:tc>
+                  <a:txBody>
+                    <a:bodyPr/>
+                    <a:lstStyle/>
+                    <a:p>
+                      <a:pPr latinLnBrk="1"/>
+                      <a:endParaRPr lang="ko-KR" altLang="en-US" sz="1100" dirty="0"/>
+                    </a:p>
+                  </a:txBody>
+                  <a:tcPr anchor="ctr"/>
+                </a:tc>
+                <a:tc>
+                  <a:txBody>
+                    <a:bodyPr/>
+                    <a:lstStyle/>
+                    <a:p>
+                      <a:pPr latinLnBrk="1"/>
+                      <a:endParaRPr lang="ko-KR" altLang="en-US" sz="1100" dirty="0"/>
+                    </a:p>
+                  </a:txBody>
+                  <a:tcPr anchor="ctr"/>
+                </a:tc>
+                <a:tc>
+                  <a:txBody>
+                    <a:bodyPr/>
+                    <a:lstStyle/>
+                    <a:p>
+                      <a:pPr latinLnBrk="1"/>
+                      <a:endParaRPr lang="ko-KR" altLang="en-US" sz="1100"/>
+                    </a:p>
+                  </a:txBody>
+                  <a:tcPr anchor="ctr"/>
+                </a:tc>
+                <a:tc>
+                  <a:txBody>
+                    <a:bodyPr/>
+                    <a:lstStyle/>
+                    <a:p>
+                      <a:pPr latinLnBrk="1"/>
+                      <a:endParaRPr lang="ko-KR" altLang="en-US" sz="1100"/>
+                    </a:p>
+                  </a:txBody>
+                  <a:tcPr anchor="ctr"/>
+                </a:tc>
+                <a:tc>
+                  <a:txBody>
+                    <a:bodyPr/>
+                    <a:lstStyle/>
+                    <a:p>
+                      <a:pPr latinLnBrk="1"/>
+                      <a:endParaRPr lang="ko-KR" altLang="en-US" sz="1100"/>
+                    </a:p>
+                  </a:txBody>
+                  <a:tcPr anchor="ctr"/>
+                </a:tc>
+                <a:extLst>
+                  <a:ext uri="{0D108BD9-81ED-4DB2-BD59-A6C34878D82A}">
+                    <a16:rowId xmlns:a16="http://schemas.microsoft.com/office/drawing/2014/main" val="2316416757"/>
+                  </a:ext>
+                </a:extLst>
+              </a:tr>
+              <a:tr h="376228">
+                <a:tc>
+                  <a:txBody>
+                    <a:bodyPr/>
+                    <a:lstStyle/>
+                    <a:p>
+                      <a:pPr latinLnBrk="1"/>
+                      <a:endParaRPr lang="ko-KR" altLang="en-US" sz="1100"/>
+                    </a:p>
+                  </a:txBody>
+                  <a:tcPr anchor="ctr"/>
+                </a:tc>
+                <a:tc>
+                  <a:txBody>
+                    <a:bodyPr/>
+                    <a:lstStyle/>
+                    <a:p>
+                      <a:pPr latinLnBrk="1"/>
+                      <a:endParaRPr lang="ko-KR" altLang="en-US" sz="1100"/>
+                    </a:p>
+                  </a:txBody>
+                  <a:tcPr anchor="ctr"/>
+                </a:tc>
+                <a:tc>
+                  <a:txBody>
+                    <a:bodyPr/>
+                    <a:lstStyle/>
+                    <a:p>
+                      <a:pPr latinLnBrk="1"/>
+                      <a:endParaRPr lang="ko-KR" altLang="en-US" sz="1100"/>
+                    </a:p>
+                  </a:txBody>
+                  <a:tcPr anchor="ctr"/>
+                </a:tc>
+                <a:tc>
+                  <a:txBody>
+                    <a:bodyPr/>
+                    <a:lstStyle/>
+                    <a:p>
+                      <a:pPr latinLnBrk="1"/>
+                      <a:endParaRPr lang="ko-KR" altLang="en-US" sz="1100" dirty="0"/>
+                    </a:p>
+                  </a:txBody>
+                  <a:tcPr anchor="ctr"/>
+                </a:tc>
+                <a:tc>
+                  <a:txBody>
+                    <a:bodyPr/>
+                    <a:lstStyle/>
+                    <a:p>
+                      <a:pPr latinLnBrk="1"/>
+                      <a:endParaRPr lang="ko-KR" altLang="en-US" sz="1100" dirty="0"/>
+                    </a:p>
+                  </a:txBody>
+                  <a:tcPr anchor="ctr"/>
+                </a:tc>
+                <a:tc>
+                  <a:txBody>
+                    <a:bodyPr/>
+                    <a:lstStyle/>
+                    <a:p>
+                      <a:pPr latinLnBrk="1"/>
+                      <a:endParaRPr lang="ko-KR" altLang="en-US" sz="1100"/>
+                    </a:p>
+                  </a:txBody>
+                  <a:tcPr anchor="ctr"/>
+                </a:tc>
+                <a:tc>
+                  <a:txBody>
+                    <a:bodyPr/>
+                    <a:lstStyle/>
+                    <a:p>
+                      <a:pPr latinLnBrk="1"/>
+                      <a:endParaRPr lang="ko-KR" altLang="en-US" sz="1100"/>
+                    </a:p>
+                  </a:txBody>
+                  <a:tcPr anchor="ctr"/>
+                </a:tc>
+                <a:extLst>
+                  <a:ext uri="{0D108BD9-81ED-4DB2-BD59-A6C34878D82A}">
+                    <a16:rowId xmlns:a16="http://schemas.microsoft.com/office/drawing/2014/main" val="1247744131"/>
+                  </a:ext>
+                </a:extLst>
+              </a:tr>
+              <a:tr h="376228">
+                <a:tc>
+                  <a:txBody>
+                    <a:bodyPr/>
+                    <a:lstStyle/>
+                    <a:p>
+                      <a:pPr latinLnBrk="1"/>
+                      <a:endParaRPr lang="ko-KR" altLang="en-US" sz="1100"/>
+                    </a:p>
+                  </a:txBody>
+                  <a:tcPr anchor="ctr"/>
+                </a:tc>
+                <a:tc>
+                  <a:txBody>
+                    <a:bodyPr/>
+                    <a:lstStyle/>
+                    <a:p>
+                      <a:pPr latinLnBrk="1"/>
+                      <a:endParaRPr lang="ko-KR" altLang="en-US" sz="1100"/>
+                    </a:p>
+                  </a:txBody>
+                  <a:tcPr anchor="ctr"/>
+                </a:tc>
+                <a:tc>
+                  <a:txBody>
+                    <a:bodyPr/>
+                    <a:lstStyle/>
+                    <a:p>
+                      <a:pPr latinLnBrk="1"/>
+                      <a:endParaRPr lang="ko-KR" altLang="en-US" sz="1100"/>
+                    </a:p>
+                  </a:txBody>
+                  <a:tcPr anchor="ctr"/>
+                </a:tc>
+                <a:tc>
+                  <a:txBody>
+                    <a:bodyPr/>
+                    <a:lstStyle/>
+                    <a:p>
+                      <a:pPr latinLnBrk="1"/>
+                      <a:endParaRPr lang="ko-KR" altLang="en-US" sz="1100"/>
+                    </a:p>
+                  </a:txBody>
+                  <a:tcPr anchor="ctr"/>
+                </a:tc>
+                <a:tc>
+                  <a:txBody>
+                    <a:bodyPr/>
+                    <a:lstStyle/>
+                    <a:p>
+                      <a:pPr latinLnBrk="1"/>
+                      <a:endParaRPr lang="ko-KR" altLang="en-US" sz="1100" dirty="0"/>
+                    </a:p>
+                  </a:txBody>
+                  <a:tcPr anchor="ctr"/>
+                </a:tc>
+                <a:tc>
+                  <a:txBody>
+                    <a:bodyPr/>
+                    <a:lstStyle/>
+                    <a:p>
+                      <a:pPr latinLnBrk="1"/>
+                      <a:endParaRPr lang="ko-KR" altLang="en-US" sz="1100" dirty="0"/>
+                    </a:p>
+                  </a:txBody>
+                  <a:tcPr anchor="ctr"/>
+                </a:tc>
+                <a:tc>
+                  <a:txBody>
+                    <a:bodyPr/>
+                    <a:lstStyle/>
+                    <a:p>
+                      <a:pPr latinLnBrk="1"/>
+                      <a:endParaRPr lang="ko-KR" altLang="en-US" sz="1100"/>
+                    </a:p>
+                  </a:txBody>
+                  <a:tcPr anchor="ctr"/>
+                </a:tc>
+                <a:extLst>
+                  <a:ext uri="{0D108BD9-81ED-4DB2-BD59-A6C34878D82A}">
+                    <a16:rowId xmlns:a16="http://schemas.microsoft.com/office/drawing/2014/main" val="3366778472"/>
+                  </a:ext>
+                </a:extLst>
+              </a:tr>
+              <a:tr h="376228">
+                <a:tc>
+                  <a:txBody>
+                    <a:bodyPr/>
+                    <a:lstStyle/>
+                    <a:p>
+                      <a:pPr latinLnBrk="1"/>
+                      <a:endParaRPr lang="ko-KR" altLang="en-US" sz="1100"/>
+                    </a:p>
+                  </a:txBody>
+                  <a:tcPr anchor="ctr"/>
+                </a:tc>
+                <a:tc>
+                  <a:txBody>
+                    <a:bodyPr/>
+                    <a:lstStyle/>
+                    <a:p>
+                      <a:pPr latinLnBrk="1"/>
+                      <a:endParaRPr lang="ko-KR" altLang="en-US" sz="1100"/>
+                    </a:p>
+                  </a:txBody>
+                  <a:tcPr anchor="ctr"/>
+                </a:tc>
+                <a:tc>
+                  <a:txBody>
+                    <a:bodyPr/>
+                    <a:lstStyle/>
+                    <a:p>
+                      <a:pPr latinLnBrk="1"/>
+                      <a:endParaRPr lang="ko-KR" altLang="en-US" sz="1100"/>
+                    </a:p>
+                  </a:txBody>
+                  <a:tcPr anchor="ctr"/>
+                </a:tc>
+                <a:tc>
+                  <a:txBody>
+                    <a:bodyPr/>
+                    <a:lstStyle/>
+                    <a:p>
+                      <a:pPr latinLnBrk="1"/>
+                      <a:endParaRPr lang="ko-KR" altLang="en-US" sz="1100"/>
+                    </a:p>
+                  </a:txBody>
+                  <a:tcPr anchor="ctr"/>
+                </a:tc>
+                <a:tc>
+                  <a:txBody>
+                    <a:bodyPr/>
+                    <a:lstStyle/>
+                    <a:p>
+                      <a:pPr latinLnBrk="1"/>
+                      <a:endParaRPr lang="ko-KR" altLang="en-US" sz="1100"/>
+                    </a:p>
+                  </a:txBody>
+                  <a:tcPr anchor="ctr"/>
+                </a:tc>
+                <a:tc>
+                  <a:txBody>
+                    <a:bodyPr/>
+                    <a:lstStyle/>
+                    <a:p>
+                      <a:pPr latinLnBrk="1"/>
+                      <a:endParaRPr lang="ko-KR" altLang="en-US" sz="1100" dirty="0"/>
+                    </a:p>
+                  </a:txBody>
+                  <a:tcPr anchor="ctr"/>
+                </a:tc>
+                <a:tc>
+                  <a:txBody>
+                    <a:bodyPr/>
+                    <a:lstStyle/>
+                    <a:p>
+                      <a:pPr latinLnBrk="1"/>
+                      <a:endParaRPr lang="ko-KR" altLang="en-US" sz="1100" dirty="0"/>
+                    </a:p>
+                  </a:txBody>
+                  <a:tcPr anchor="ctr"/>
+                </a:tc>
+                <a:extLst>
+                  <a:ext uri="{0D108BD9-81ED-4DB2-BD59-A6C34878D82A}">
+                    <a16:rowId xmlns:a16="http://schemas.microsoft.com/office/drawing/2014/main" val="3637697936"/>
+                  </a:ext>
+                </a:extLst>
+              </a:tr>
+              <a:tr h="376228">
+                <a:tc>
+                  <a:txBody>
+                    <a:bodyPr/>
+                    <a:lstStyle/>
+                    <a:p>
+                      <a:pPr latinLnBrk="1"/>
+                      <a:endParaRPr lang="ko-KR" altLang="en-US" sz="1100"/>
+                    </a:p>
+                  </a:txBody>
+                  <a:tcPr anchor="ctr"/>
+                </a:tc>
+                <a:tc>
+                  <a:txBody>
+                    <a:bodyPr/>
+                    <a:lstStyle/>
+                    <a:p>
+                      <a:pPr latinLnBrk="1"/>
+                      <a:endParaRPr lang="ko-KR" altLang="en-US" sz="1100"/>
+                    </a:p>
+                  </a:txBody>
+                  <a:tcPr anchor="ctr"/>
+                </a:tc>
+                <a:tc>
+                  <a:txBody>
+                    <a:bodyPr/>
+                    <a:lstStyle/>
+                    <a:p>
+                      <a:pPr latinLnBrk="1"/>
+                      <a:endParaRPr lang="ko-KR" altLang="en-US" sz="1100"/>
+                    </a:p>
+                  </a:txBody>
+                  <a:tcPr anchor="ctr"/>
+                </a:tc>
+                <a:tc>
+                  <a:txBody>
+                    <a:bodyPr/>
+                    <a:lstStyle/>
+                    <a:p>
+                      <a:pPr latinLnBrk="1"/>
+                      <a:endParaRPr lang="ko-KR" altLang="en-US" sz="1100"/>
+                    </a:p>
+                  </a:txBody>
+                  <a:tcPr anchor="ctr"/>
+                </a:tc>
+                <a:tc>
+                  <a:txBody>
+                    <a:bodyPr/>
+                    <a:lstStyle/>
+                    <a:p>
+                      <a:pPr latinLnBrk="1"/>
+                      <a:endParaRPr lang="ko-KR" altLang="en-US" sz="1100"/>
+                    </a:p>
+                  </a:txBody>
+                  <a:tcPr anchor="ctr"/>
+                </a:tc>
+                <a:tc>
+                  <a:txBody>
+                    <a:bodyPr/>
+                    <a:lstStyle/>
+                    <a:p>
+                      <a:pPr latinLnBrk="1"/>
+                      <a:endParaRPr lang="ko-KR" altLang="en-US" sz="1100"/>
+                    </a:p>
+                  </a:txBody>
+                  <a:tcPr anchor="ctr"/>
+                </a:tc>
+                <a:tc>
+                  <a:txBody>
+                    <a:bodyPr/>
+                    <a:lstStyle/>
+                    <a:p>
+                      <a:pPr latinLnBrk="1"/>
+                      <a:endParaRPr lang="ko-KR" altLang="en-US" sz="1100" dirty="0"/>
+                    </a:p>
+                  </a:txBody>
+                  <a:tcPr anchor="ctr"/>
+                </a:tc>
+                <a:extLst>
+                  <a:ext uri="{0D108BD9-81ED-4DB2-BD59-A6C34878D82A}">
+                    <a16:rowId xmlns:a16="http://schemas.microsoft.com/office/drawing/2014/main" val="1093228180"/>
+                  </a:ext>
+                </a:extLst>
+              </a:tr>
+            </a:tbl>
+          </a:graphicData>
+        </a:graphic>
+      </p:graphicFrame>
     </p:spTree>
     <p:extLst>
       <p:ext uri="{BB962C8B-B14F-4D97-AF65-F5344CB8AC3E}">
@@ -19375,13 +20179,6 @@
   <p:clrMapOvr>
     <a:masterClrMapping/>
   </p:clrMapOvr>
-  <p:timing>
-    <p:tnLst>
-      <p:par>
-        <p:cTn id="1" dur="indefinite" restart="never" nodeType="tmRoot"/>
-      </p:par>
-    </p:tnLst>
-  </p:timing>
 </p:sld>
 </file>
 
@@ -20185,10 +20982,17 @@
           <a:lstStyle/>
           <a:p>
             <a:r>
-              <a:rPr lang="ko-KR" altLang="en-US" sz="1600" dirty="0" smtClean="0"/>
-              <a:t>주문관리</a:t>
+              <a:rPr lang="ko-KR" altLang="en-US" sz="1600" dirty="0"/>
+              <a:t>주문관리 </a:t>
             </a:r>
-            <a:endParaRPr lang="ko-KR" altLang="en-US" sz="1600" dirty="0"/>
+            <a:r>
+              <a:rPr lang="en-US" altLang="ko-KR" sz="1600" dirty="0"/>
+              <a:t>– </a:t>
+            </a:r>
+            <a:r>
+              <a:rPr lang="ko-KR" altLang="en-US" sz="1600" dirty="0"/>
+              <a:t>상세보기</a:t>
+            </a:r>
           </a:p>
         </p:txBody>
       </p:sp>
@@ -20452,10 +21256,9 @@
           <a:p>
             <a:pPr algn="r"/>
             <a:r>
-              <a:rPr lang="ko-KR" altLang="en-US" sz="1000" dirty="0" smtClean="0"/>
+              <a:rPr lang="ko-KR" altLang="en-US" sz="1000" dirty="0"/>
               <a:t>로그아웃</a:t>
             </a:r>
-            <a:endParaRPr lang="ko-KR" altLang="en-US" sz="1000" dirty="0"/>
           </a:p>
         </p:txBody>
       </p:sp>
@@ -20576,10 +21379,9 @@
           </a:lstStyle>
           <a:p>
             <a:r>
-              <a:rPr lang="ko-KR" altLang="en-US" sz="1000" dirty="0" smtClean="0"/>
+              <a:rPr lang="ko-KR" altLang="en-US" sz="1000" dirty="0"/>
               <a:t>로고</a:t>
             </a:r>
-            <a:endParaRPr lang="ko-KR" altLang="en-US" sz="1000" dirty="0"/>
           </a:p>
         </p:txBody>
       </p:sp>
@@ -20738,30 +21540,627 @@
           </a:lstStyle>
           <a:p>
             <a:r>
-              <a:rPr lang="ko-KR" altLang="en-US" dirty="0" smtClean="0"/>
+              <a:rPr lang="ko-KR" altLang="en-US" dirty="0"/>
               <a:t>회원관리</a:t>
             </a:r>
             <a:r>
               <a:rPr lang="en-US" altLang="ko-KR" dirty="0"/>
-              <a:t> </a:t>
+              <a:t>       </a:t>
             </a:r>
             <a:r>
-              <a:rPr lang="en-US" altLang="ko-KR" dirty="0" smtClean="0"/>
-              <a:t>      </a:t>
+              <a:rPr lang="ko-KR" altLang="en-US" dirty="0"/>
+              <a:t>상품관리       견적문의관리       </a:t>
             </a:r>
             <a:r>
-              <a:rPr lang="ko-KR" altLang="en-US" dirty="0" smtClean="0"/>
-              <a:t>상품관리       견적문의관리       주문관리       </a:t>
+              <a:rPr lang="ko-KR" altLang="en-US" b="1" dirty="0"/>
+              <a:t>주문관리</a:t>
             </a:r>
             <a:r>
-              <a:rPr lang="en-US" altLang="ko-KR" dirty="0" smtClean="0"/>
+              <a:rPr lang="ko-KR" altLang="en-US" dirty="0"/>
+              <a:t>       </a:t>
+            </a:r>
+            <a:r>
+              <a:rPr lang="en-US" altLang="ko-KR" dirty="0"/>
               <a:t>AS</a:t>
             </a:r>
             <a:r>
-              <a:rPr lang="ko-KR" altLang="en-US" dirty="0" smtClean="0"/>
+              <a:rPr lang="ko-KR" altLang="en-US" dirty="0"/>
               <a:t>관리</a:t>
             </a:r>
-            <a:endParaRPr lang="ko-KR" altLang="en-US" dirty="0"/>
+          </a:p>
+        </p:txBody>
+      </p:sp>
+      <p:graphicFrame>
+        <p:nvGraphicFramePr>
+          <p:cNvPr id="5" name="표 5">
+            <a:extLst>
+              <a:ext uri="{FF2B5EF4-FFF2-40B4-BE49-F238E27FC236}">
+                <a16:creationId xmlns:a16="http://schemas.microsoft.com/office/drawing/2014/main" id="{BC010E0B-BF91-4513-88F8-AD0D73ED0454}"/>
+              </a:ext>
+            </a:extLst>
+          </p:cNvPr>
+          <p:cNvGraphicFramePr>
+            <a:graphicFrameLocks noGrp="1"/>
+          </p:cNvGraphicFramePr>
+          <p:nvPr>
+            <p:extLst>
+              <p:ext uri="{D42A27DB-BD31-4B8C-83A1-F6EECF244321}">
+                <p14:modId xmlns:p14="http://schemas.microsoft.com/office/powerpoint/2010/main" val="1776617034"/>
+              </p:ext>
+            </p:extLst>
+          </p:nvPr>
+        </p:nvGraphicFramePr>
+        <p:xfrm>
+          <a:off x="1034131" y="3009983"/>
+          <a:ext cx="7055856" cy="1603340"/>
+        </p:xfrm>
+        <a:graphic>
+          <a:graphicData uri="http://schemas.openxmlformats.org/drawingml/2006/table">
+            <a:tbl>
+              <a:tblPr firstRow="1" bandRow="1">
+                <a:tableStyleId>{8799B23B-EC83-4686-B30A-512413B5E67A}</a:tableStyleId>
+              </a:tblPr>
+              <a:tblGrid>
+                <a:gridCol w="799432">
+                  <a:extLst>
+                    <a:ext uri="{9D8B030D-6E8A-4147-A177-3AD203B41FA5}">
+                      <a16:colId xmlns:a16="http://schemas.microsoft.com/office/drawing/2014/main" val="2797634151"/>
+                    </a:ext>
+                  </a:extLst>
+                </a:gridCol>
+                <a:gridCol w="641684">
+                  <a:extLst>
+                    <a:ext uri="{9D8B030D-6E8A-4147-A177-3AD203B41FA5}">
+                      <a16:colId xmlns:a16="http://schemas.microsoft.com/office/drawing/2014/main" val="3149050501"/>
+                    </a:ext>
+                  </a:extLst>
+                </a:gridCol>
+                <a:gridCol w="649705">
+                  <a:extLst>
+                    <a:ext uri="{9D8B030D-6E8A-4147-A177-3AD203B41FA5}">
+                      <a16:colId xmlns:a16="http://schemas.microsoft.com/office/drawing/2014/main" val="2202958376"/>
+                    </a:ext>
+                  </a:extLst>
+                </a:gridCol>
+                <a:gridCol w="1283369">
+                  <a:extLst>
+                    <a:ext uri="{9D8B030D-6E8A-4147-A177-3AD203B41FA5}">
+                      <a16:colId xmlns:a16="http://schemas.microsoft.com/office/drawing/2014/main" val="1699699687"/>
+                    </a:ext>
+                  </a:extLst>
+                </a:gridCol>
+                <a:gridCol w="1035720">
+                  <a:extLst>
+                    <a:ext uri="{9D8B030D-6E8A-4147-A177-3AD203B41FA5}">
+                      <a16:colId xmlns:a16="http://schemas.microsoft.com/office/drawing/2014/main" val="2879348820"/>
+                    </a:ext>
+                  </a:extLst>
+                </a:gridCol>
+                <a:gridCol w="881982">
+                  <a:extLst>
+                    <a:ext uri="{9D8B030D-6E8A-4147-A177-3AD203B41FA5}">
+                      <a16:colId xmlns:a16="http://schemas.microsoft.com/office/drawing/2014/main" val="310636346"/>
+                    </a:ext>
+                  </a:extLst>
+                </a:gridCol>
+                <a:gridCol w="881982">
+                  <a:extLst>
+                    <a:ext uri="{9D8B030D-6E8A-4147-A177-3AD203B41FA5}">
+                      <a16:colId xmlns:a16="http://schemas.microsoft.com/office/drawing/2014/main" val="3968176647"/>
+                    </a:ext>
+                  </a:extLst>
+                </a:gridCol>
+                <a:gridCol w="881982">
+                  <a:extLst>
+                    <a:ext uri="{9D8B030D-6E8A-4147-A177-3AD203B41FA5}">
+                      <a16:colId xmlns:a16="http://schemas.microsoft.com/office/drawing/2014/main" val="2027859809"/>
+                    </a:ext>
+                  </a:extLst>
+                </a:gridCol>
+              </a:tblGrid>
+              <a:tr h="322500">
+                <a:tc>
+                  <a:txBody>
+                    <a:bodyPr/>
+                    <a:lstStyle/>
+                    <a:p>
+                      <a:pPr algn="ctr" latinLnBrk="1"/>
+                      <a:r>
+                        <a:rPr lang="ko-KR" altLang="en-US" sz="1100" dirty="0"/>
+                        <a:t>주문번호</a:t>
+                      </a:r>
+                    </a:p>
+                  </a:txBody>
+                  <a:tcPr anchor="ctr"/>
+                </a:tc>
+                <a:tc>
+                  <a:txBody>
+                    <a:bodyPr/>
+                    <a:lstStyle/>
+                    <a:p>
+                      <a:pPr algn="ctr" latinLnBrk="1"/>
+                      <a:r>
+                        <a:rPr lang="ko-KR" altLang="en-US" sz="1100" dirty="0"/>
+                        <a:t>주문일</a:t>
+                      </a:r>
+                    </a:p>
+                  </a:txBody>
+                  <a:tcPr anchor="ctr"/>
+                </a:tc>
+                <a:tc>
+                  <a:txBody>
+                    <a:bodyPr/>
+                    <a:lstStyle/>
+                    <a:p>
+                      <a:pPr algn="ctr" latinLnBrk="1"/>
+                      <a:r>
+                        <a:rPr lang="ko-KR" altLang="en-US" sz="1100" dirty="0"/>
+                        <a:t>주문자</a:t>
+                      </a:r>
+                    </a:p>
+                  </a:txBody>
+                  <a:tcPr anchor="ctr"/>
+                </a:tc>
+                <a:tc>
+                  <a:txBody>
+                    <a:bodyPr/>
+                    <a:lstStyle/>
+                    <a:p>
+                      <a:pPr algn="ctr" latinLnBrk="1"/>
+                      <a:r>
+                        <a:rPr lang="ko-KR" altLang="en-US" sz="1100" dirty="0"/>
+                        <a:t>운송장등록</a:t>
+                      </a:r>
+                    </a:p>
+                  </a:txBody>
+                  <a:tcPr anchor="ctr"/>
+                </a:tc>
+                <a:tc>
+                  <a:txBody>
+                    <a:bodyPr/>
+                    <a:lstStyle/>
+                    <a:p>
+                      <a:pPr algn="ctr" latinLnBrk="1"/>
+                      <a:r>
+                        <a:rPr lang="ko-KR" altLang="en-US" sz="1100" dirty="0"/>
+                        <a:t>상품명</a:t>
+                      </a:r>
+                    </a:p>
+                  </a:txBody>
+                  <a:tcPr anchor="ctr"/>
+                </a:tc>
+                <a:tc>
+                  <a:txBody>
+                    <a:bodyPr/>
+                    <a:lstStyle/>
+                    <a:p>
+                      <a:pPr algn="ctr" latinLnBrk="1"/>
+                      <a:r>
+                        <a:rPr lang="ko-KR" altLang="en-US" sz="1100" dirty="0"/>
+                        <a:t>수량</a:t>
+                      </a:r>
+                    </a:p>
+                  </a:txBody>
+                  <a:tcPr anchor="ctr"/>
+                </a:tc>
+                <a:tc>
+                  <a:txBody>
+                    <a:bodyPr/>
+                    <a:lstStyle/>
+                    <a:p>
+                      <a:pPr algn="ctr" latinLnBrk="1"/>
+                      <a:r>
+                        <a:rPr lang="ko-KR" altLang="en-US" sz="1100" dirty="0"/>
+                        <a:t>상품금액</a:t>
+                      </a:r>
+                    </a:p>
+                  </a:txBody>
+                  <a:tcPr anchor="ctr"/>
+                </a:tc>
+                <a:tc>
+                  <a:txBody>
+                    <a:bodyPr/>
+                    <a:lstStyle/>
+                    <a:p>
+                      <a:pPr algn="ctr" latinLnBrk="1"/>
+                      <a:r>
+                        <a:rPr lang="ko-KR" altLang="en-US" sz="1100" dirty="0"/>
+                        <a:t>결제금액</a:t>
+                      </a:r>
+                    </a:p>
+                  </a:txBody>
+                  <a:tcPr anchor="ctr"/>
+                </a:tc>
+                <a:extLst>
+                  <a:ext uri="{0D108BD9-81ED-4DB2-BD59-A6C34878D82A}">
+                    <a16:rowId xmlns:a16="http://schemas.microsoft.com/office/drawing/2014/main" val="2433786919"/>
+                  </a:ext>
+                </a:extLst>
+              </a:tr>
+              <a:tr h="322500">
+                <a:tc rowSpan="3">
+                  <a:txBody>
+                    <a:bodyPr/>
+                    <a:lstStyle/>
+                    <a:p>
+                      <a:pPr latinLnBrk="1"/>
+                      <a:endParaRPr lang="ko-KR" altLang="en-US" sz="1100" dirty="0"/>
+                    </a:p>
+                  </a:txBody>
+                  <a:tcPr anchor="ctr"/>
+                </a:tc>
+                <a:tc rowSpan="3">
+                  <a:txBody>
+                    <a:bodyPr/>
+                    <a:lstStyle/>
+                    <a:p>
+                      <a:pPr latinLnBrk="1"/>
+                      <a:endParaRPr lang="ko-KR" altLang="en-US" sz="1100" dirty="0"/>
+                    </a:p>
+                  </a:txBody>
+                  <a:tcPr anchor="ctr"/>
+                </a:tc>
+                <a:tc rowSpan="3">
+                  <a:txBody>
+                    <a:bodyPr/>
+                    <a:lstStyle/>
+                    <a:p>
+                      <a:pPr latinLnBrk="1"/>
+                      <a:endParaRPr lang="ko-KR" altLang="en-US" sz="1100" dirty="0"/>
+                    </a:p>
+                  </a:txBody>
+                  <a:tcPr anchor="ctr"/>
+                </a:tc>
+                <a:tc rowSpan="2">
+                  <a:txBody>
+                    <a:bodyPr/>
+                    <a:lstStyle/>
+                    <a:p>
+                      <a:pPr latinLnBrk="1"/>
+                      <a:endParaRPr lang="ko-KR" altLang="en-US" sz="1100" dirty="0"/>
+                    </a:p>
+                  </a:txBody>
+                  <a:tcPr anchor="ctr"/>
+                </a:tc>
+                <a:tc>
+                  <a:txBody>
+                    <a:bodyPr/>
+                    <a:lstStyle/>
+                    <a:p>
+                      <a:pPr latinLnBrk="1"/>
+                      <a:endParaRPr lang="ko-KR" altLang="en-US" sz="1100"/>
+                    </a:p>
+                  </a:txBody>
+                  <a:tcPr anchor="ctr"/>
+                </a:tc>
+                <a:tc>
+                  <a:txBody>
+                    <a:bodyPr/>
+                    <a:lstStyle/>
+                    <a:p>
+                      <a:pPr latinLnBrk="1"/>
+                      <a:endParaRPr lang="ko-KR" altLang="en-US" sz="1100"/>
+                    </a:p>
+                  </a:txBody>
+                  <a:tcPr anchor="ctr"/>
+                </a:tc>
+                <a:tc>
+                  <a:txBody>
+                    <a:bodyPr/>
+                    <a:lstStyle/>
+                    <a:p>
+                      <a:pPr latinLnBrk="1"/>
+                      <a:endParaRPr lang="ko-KR" altLang="en-US" sz="1100"/>
+                    </a:p>
+                  </a:txBody>
+                  <a:tcPr anchor="ctr"/>
+                </a:tc>
+                <a:tc rowSpan="3">
+                  <a:txBody>
+                    <a:bodyPr/>
+                    <a:lstStyle/>
+                    <a:p>
+                      <a:pPr latinLnBrk="1"/>
+                      <a:endParaRPr lang="ko-KR" altLang="en-US" sz="1100" dirty="0"/>
+                    </a:p>
+                  </a:txBody>
+                  <a:tcPr anchor="ctr"/>
+                </a:tc>
+                <a:extLst>
+                  <a:ext uri="{0D108BD9-81ED-4DB2-BD59-A6C34878D82A}">
+                    <a16:rowId xmlns:a16="http://schemas.microsoft.com/office/drawing/2014/main" val="893007161"/>
+                  </a:ext>
+                </a:extLst>
+              </a:tr>
+              <a:tr h="322500">
+                <a:tc vMerge="1">
+                  <a:txBody>
+                    <a:bodyPr/>
+                    <a:lstStyle/>
+                    <a:p>
+                      <a:pPr latinLnBrk="1"/>
+                      <a:endParaRPr lang="ko-KR" altLang="en-US" sz="1100" dirty="0"/>
+                    </a:p>
+                  </a:txBody>
+                  <a:tcPr anchor="ctr"/>
+                </a:tc>
+                <a:tc vMerge="1">
+                  <a:txBody>
+                    <a:bodyPr/>
+                    <a:lstStyle/>
+                    <a:p>
+                      <a:pPr latinLnBrk="1"/>
+                      <a:endParaRPr lang="ko-KR" altLang="en-US" sz="1100" dirty="0"/>
+                    </a:p>
+                  </a:txBody>
+                  <a:tcPr anchor="ctr"/>
+                </a:tc>
+                <a:tc vMerge="1">
+                  <a:txBody>
+                    <a:bodyPr/>
+                    <a:lstStyle/>
+                    <a:p>
+                      <a:pPr latinLnBrk="1"/>
+                      <a:endParaRPr lang="ko-KR" altLang="en-US" sz="1100" dirty="0"/>
+                    </a:p>
+                  </a:txBody>
+                  <a:tcPr anchor="ctr"/>
+                </a:tc>
+                <a:tc vMerge="1">
+                  <a:txBody>
+                    <a:bodyPr/>
+                    <a:lstStyle/>
+                    <a:p>
+                      <a:pPr latinLnBrk="1"/>
+                      <a:endParaRPr lang="ko-KR" altLang="en-US" sz="1100" dirty="0"/>
+                    </a:p>
+                  </a:txBody>
+                  <a:tcPr anchor="ctr"/>
+                </a:tc>
+                <a:tc>
+                  <a:txBody>
+                    <a:bodyPr/>
+                    <a:lstStyle/>
+                    <a:p>
+                      <a:pPr latinLnBrk="1"/>
+                      <a:endParaRPr lang="ko-KR" altLang="en-US" sz="1100" dirty="0"/>
+                    </a:p>
+                  </a:txBody>
+                  <a:tcPr anchor="ctr"/>
+                </a:tc>
+                <a:tc>
+                  <a:txBody>
+                    <a:bodyPr/>
+                    <a:lstStyle/>
+                    <a:p>
+                      <a:pPr latinLnBrk="1"/>
+                      <a:endParaRPr lang="ko-KR" altLang="en-US" sz="1100"/>
+                    </a:p>
+                  </a:txBody>
+                  <a:tcPr anchor="ctr"/>
+                </a:tc>
+                <a:tc>
+                  <a:txBody>
+                    <a:bodyPr/>
+                    <a:lstStyle/>
+                    <a:p>
+                      <a:pPr latinLnBrk="1"/>
+                      <a:endParaRPr lang="ko-KR" altLang="en-US" sz="1100"/>
+                    </a:p>
+                  </a:txBody>
+                  <a:tcPr anchor="ctr"/>
+                </a:tc>
+                <a:tc vMerge="1">
+                  <a:txBody>
+                    <a:bodyPr/>
+                    <a:lstStyle/>
+                    <a:p>
+                      <a:pPr latinLnBrk="1"/>
+                      <a:endParaRPr lang="ko-KR" altLang="en-US" sz="1100" dirty="0"/>
+                    </a:p>
+                  </a:txBody>
+                  <a:tcPr anchor="ctr"/>
+                </a:tc>
+                <a:extLst>
+                  <a:ext uri="{0D108BD9-81ED-4DB2-BD59-A6C34878D82A}">
+                    <a16:rowId xmlns:a16="http://schemas.microsoft.com/office/drawing/2014/main" val="2313854635"/>
+                  </a:ext>
+                </a:extLst>
+              </a:tr>
+              <a:tr h="635840">
+                <a:tc vMerge="1">
+                  <a:txBody>
+                    <a:bodyPr/>
+                    <a:lstStyle/>
+                    <a:p>
+                      <a:pPr latinLnBrk="1"/>
+                      <a:endParaRPr lang="ko-KR" altLang="en-US" sz="1100" dirty="0"/>
+                    </a:p>
+                  </a:txBody>
+                  <a:tcPr anchor="ctr"/>
+                </a:tc>
+                <a:tc vMerge="1">
+                  <a:txBody>
+                    <a:bodyPr/>
+                    <a:lstStyle/>
+                    <a:p>
+                      <a:pPr latinLnBrk="1"/>
+                      <a:endParaRPr lang="ko-KR" altLang="en-US" sz="1100" dirty="0"/>
+                    </a:p>
+                  </a:txBody>
+                  <a:tcPr anchor="ctr"/>
+                </a:tc>
+                <a:tc vMerge="1">
+                  <a:txBody>
+                    <a:bodyPr/>
+                    <a:lstStyle/>
+                    <a:p>
+                      <a:pPr latinLnBrk="1"/>
+                      <a:endParaRPr lang="ko-KR" altLang="en-US" sz="1100" dirty="0"/>
+                    </a:p>
+                  </a:txBody>
+                  <a:tcPr anchor="ctr"/>
+                </a:tc>
+                <a:tc gridSpan="4">
+                  <a:txBody>
+                    <a:bodyPr/>
+                    <a:lstStyle/>
+                    <a:p>
+                      <a:pPr latinLnBrk="1"/>
+                      <a:r>
+                        <a:rPr lang="ko-KR" altLang="en-US" sz="1100" dirty="0" err="1"/>
+                        <a:t>배송지</a:t>
+                      </a:r>
+                      <a:endParaRPr lang="ko-KR" altLang="en-US" sz="1100" dirty="0"/>
+                    </a:p>
+                  </a:txBody>
+                  <a:tcPr anchor="ctr"/>
+                </a:tc>
+                <a:tc hMerge="1">
+                  <a:txBody>
+                    <a:bodyPr/>
+                    <a:lstStyle/>
+                    <a:p>
+                      <a:pPr latinLnBrk="1"/>
+                      <a:endParaRPr lang="ko-KR" altLang="en-US" sz="1100" dirty="0"/>
+                    </a:p>
+                  </a:txBody>
+                  <a:tcPr anchor="ctr"/>
+                </a:tc>
+                <a:tc hMerge="1">
+                  <a:txBody>
+                    <a:bodyPr/>
+                    <a:lstStyle/>
+                    <a:p>
+                      <a:pPr latinLnBrk="1"/>
+                      <a:endParaRPr lang="ko-KR" altLang="en-US" sz="1100"/>
+                    </a:p>
+                  </a:txBody>
+                  <a:tcPr anchor="ctr"/>
+                </a:tc>
+                <a:tc hMerge="1">
+                  <a:txBody>
+                    <a:bodyPr/>
+                    <a:lstStyle/>
+                    <a:p>
+                      <a:pPr latinLnBrk="1"/>
+                      <a:endParaRPr lang="ko-KR" altLang="en-US" sz="1100" dirty="0"/>
+                    </a:p>
+                  </a:txBody>
+                  <a:tcPr anchor="ctr"/>
+                </a:tc>
+                <a:tc vMerge="1">
+                  <a:txBody>
+                    <a:bodyPr/>
+                    <a:lstStyle/>
+                    <a:p>
+                      <a:pPr latinLnBrk="1"/>
+                      <a:endParaRPr lang="ko-KR" altLang="en-US" sz="1100" dirty="0"/>
+                    </a:p>
+                  </a:txBody>
+                  <a:tcPr anchor="ctr"/>
+                </a:tc>
+                <a:extLst>
+                  <a:ext uri="{0D108BD9-81ED-4DB2-BD59-A6C34878D82A}">
+                    <a16:rowId xmlns:a16="http://schemas.microsoft.com/office/drawing/2014/main" val="1975836830"/>
+                  </a:ext>
+                </a:extLst>
+              </a:tr>
+            </a:tbl>
+          </a:graphicData>
+        </a:graphic>
+      </p:graphicFrame>
+      <p:sp>
+        <p:nvSpPr>
+          <p:cNvPr id="7" name="직사각형 6">
+            <a:extLst>
+              <a:ext uri="{FF2B5EF4-FFF2-40B4-BE49-F238E27FC236}">
+                <a16:creationId xmlns:a16="http://schemas.microsoft.com/office/drawing/2014/main" id="{5B359D79-797B-4E16-B020-74D819A3A06A}"/>
+              </a:ext>
+            </a:extLst>
+          </p:cNvPr>
+          <p:cNvSpPr/>
+          <p:nvPr/>
+        </p:nvSpPr>
+        <p:spPr>
+          <a:xfrm>
+            <a:off x="3176336" y="3379963"/>
+            <a:ext cx="1179095" cy="248919"/>
+          </a:xfrm>
+          <a:prstGeom prst="rect">
+            <a:avLst/>
+          </a:prstGeom>
+        </p:spPr>
+        <p:style>
+          <a:lnRef idx="2">
+            <a:schemeClr val="accent3"/>
+          </a:lnRef>
+          <a:fillRef idx="1">
+            <a:schemeClr val="lt1"/>
+          </a:fillRef>
+          <a:effectRef idx="0">
+            <a:schemeClr val="accent3"/>
+          </a:effectRef>
+          <a:fontRef idx="minor">
+            <a:schemeClr val="dk1"/>
+          </a:fontRef>
+        </p:style>
+        <p:txBody>
+          <a:bodyPr rtlCol="0" anchor="ctr"/>
+          <a:lstStyle/>
+          <a:p>
+            <a:pPr algn="ctr"/>
+            <a:r>
+              <a:rPr lang="ko-KR" altLang="en-US" sz="1100" dirty="0"/>
+              <a:t>택배회사</a:t>
+            </a:r>
+          </a:p>
+        </p:txBody>
+      </p:sp>
+      <p:sp>
+        <p:nvSpPr>
+          <p:cNvPr id="23" name="직사각형 22">
+            <a:extLst>
+              <a:ext uri="{FF2B5EF4-FFF2-40B4-BE49-F238E27FC236}">
+                <a16:creationId xmlns:a16="http://schemas.microsoft.com/office/drawing/2014/main" id="{C2B27300-E4D7-432C-8323-7A4536CAC072}"/>
+              </a:ext>
+            </a:extLst>
+          </p:cNvPr>
+          <p:cNvSpPr/>
+          <p:nvPr/>
+        </p:nvSpPr>
+        <p:spPr>
+          <a:xfrm>
+            <a:off x="3176336" y="3690686"/>
+            <a:ext cx="1179095" cy="248919"/>
+          </a:xfrm>
+          <a:prstGeom prst="rect">
+            <a:avLst/>
+          </a:prstGeom>
+        </p:spPr>
+        <p:style>
+          <a:lnRef idx="2">
+            <a:schemeClr val="accent3"/>
+          </a:lnRef>
+          <a:fillRef idx="1">
+            <a:schemeClr val="lt1"/>
+          </a:fillRef>
+          <a:effectRef idx="0">
+            <a:schemeClr val="accent3"/>
+          </a:effectRef>
+          <a:fontRef idx="minor">
+            <a:schemeClr val="dk1"/>
+          </a:fontRef>
+        </p:style>
+        <p:txBody>
+          <a:bodyPr rtlCol="0" anchor="ctr"/>
+          <a:lstStyle/>
+          <a:p>
+            <a:pPr algn="ctr"/>
+            <a:r>
+              <a:rPr lang="ko-KR" altLang="en-US" sz="1100" dirty="0"/>
+              <a:t>운송장번호</a:t>
+            </a:r>
           </a:p>
         </p:txBody>
       </p:sp>
@@ -20775,13 +22174,6 @@
   <p:clrMapOvr>
     <a:masterClrMapping/>
   </p:clrMapOvr>
-  <p:timing>
-    <p:tnLst>
-      <p:par>
-        <p:cTn id="1" dur="indefinite" restart="never" nodeType="tmRoot"/>
-      </p:par>
-    </p:tnLst>
-  </p:timing>
 </p:sld>
 </file>
 
@@ -21585,14 +22977,13 @@
           <a:lstStyle/>
           <a:p>
             <a:r>
-              <a:rPr lang="en-US" altLang="ko-KR" sz="1600" dirty="0" smtClean="0"/>
+              <a:rPr lang="en-US" altLang="ko-KR" sz="1600" dirty="0"/>
               <a:t>A/S </a:t>
             </a:r>
             <a:r>
-              <a:rPr lang="ko-KR" altLang="en-US" sz="1600" dirty="0" smtClean="0"/>
+              <a:rPr lang="ko-KR" altLang="en-US" sz="1600" dirty="0"/>
               <a:t>관리</a:t>
             </a:r>
-            <a:endParaRPr lang="ko-KR" altLang="en-US" sz="1600" dirty="0"/>
           </a:p>
         </p:txBody>
       </p:sp>
@@ -21856,10 +23247,9 @@
           <a:p>
             <a:pPr algn="r"/>
             <a:r>
-              <a:rPr lang="ko-KR" altLang="en-US" sz="1000" dirty="0" smtClean="0"/>
+              <a:rPr lang="ko-KR" altLang="en-US" sz="1000" dirty="0"/>
               <a:t>로그아웃</a:t>
             </a:r>
-            <a:endParaRPr lang="ko-KR" altLang="en-US" sz="1000" dirty="0"/>
           </a:p>
         </p:txBody>
       </p:sp>
@@ -21980,10 +23370,9 @@
           </a:lstStyle>
           <a:p>
             <a:r>
-              <a:rPr lang="ko-KR" altLang="en-US" sz="1000" dirty="0" smtClean="0"/>
+              <a:rPr lang="ko-KR" altLang="en-US" sz="1000" dirty="0"/>
               <a:t>로고</a:t>
             </a:r>
-            <a:endParaRPr lang="ko-KR" altLang="en-US" sz="1000" dirty="0"/>
           </a:p>
         </p:txBody>
       </p:sp>
@@ -22142,33 +23531,635 @@
           </a:lstStyle>
           <a:p>
             <a:r>
-              <a:rPr lang="ko-KR" altLang="en-US" dirty="0" smtClean="0"/>
+              <a:rPr lang="ko-KR" altLang="en-US" dirty="0"/>
               <a:t>회원관리</a:t>
             </a:r>
             <a:r>
               <a:rPr lang="en-US" altLang="ko-KR" dirty="0"/>
-              <a:t> </a:t>
+              <a:t>       </a:t>
             </a:r>
             <a:r>
-              <a:rPr lang="en-US" altLang="ko-KR" dirty="0" smtClean="0"/>
-              <a:t>      </a:t>
-            </a:r>
-            <a:r>
-              <a:rPr lang="ko-KR" altLang="en-US" dirty="0" smtClean="0"/>
+              <a:rPr lang="ko-KR" altLang="en-US" dirty="0"/>
               <a:t>상품관리       견적문의관리       주문관리       </a:t>
             </a:r>
             <a:r>
-              <a:rPr lang="en-US" altLang="ko-KR" dirty="0" smtClean="0"/>
+              <a:rPr lang="en-US" altLang="ko-KR" b="1" dirty="0"/>
               <a:t>AS</a:t>
             </a:r>
             <a:r>
-              <a:rPr lang="ko-KR" altLang="en-US" dirty="0" smtClean="0"/>
+              <a:rPr lang="ko-KR" altLang="en-US" b="1" dirty="0"/>
               <a:t>관리</a:t>
             </a:r>
-            <a:endParaRPr lang="ko-KR" altLang="en-US" dirty="0"/>
           </a:p>
         </p:txBody>
       </p:sp>
+      <p:graphicFrame>
+        <p:nvGraphicFramePr>
+          <p:cNvPr id="22" name="표 17">
+            <a:extLst>
+              <a:ext uri="{FF2B5EF4-FFF2-40B4-BE49-F238E27FC236}">
+                <a16:creationId xmlns:a16="http://schemas.microsoft.com/office/drawing/2014/main" id="{2632C587-46D0-4E94-A7FF-F38055EE9AB7}"/>
+              </a:ext>
+            </a:extLst>
+          </p:cNvPr>
+          <p:cNvGraphicFramePr>
+            <a:graphicFrameLocks noGrp="1"/>
+          </p:cNvGraphicFramePr>
+          <p:nvPr>
+            <p:extLst>
+              <p:ext uri="{D42A27DB-BD31-4B8C-83A1-F6EECF244321}">
+                <p14:modId xmlns:p14="http://schemas.microsoft.com/office/powerpoint/2010/main" val="3834553858"/>
+              </p:ext>
+            </p:extLst>
+          </p:nvPr>
+        </p:nvGraphicFramePr>
+        <p:xfrm>
+          <a:off x="965201" y="2972186"/>
+          <a:ext cx="7168147" cy="2762830"/>
+        </p:xfrm>
+        <a:graphic>
+          <a:graphicData uri="http://schemas.openxmlformats.org/drawingml/2006/table">
+            <a:tbl>
+              <a:tblPr firstRow="1" bandRow="1">
+                <a:tableStyleId>{C083E6E3-FA7D-4D7B-A595-EF9225AFEA82}</a:tableStyleId>
+              </a:tblPr>
+              <a:tblGrid>
+                <a:gridCol w="1022723">
+                  <a:extLst>
+                    <a:ext uri="{9D8B030D-6E8A-4147-A177-3AD203B41FA5}">
+                      <a16:colId xmlns:a16="http://schemas.microsoft.com/office/drawing/2014/main" val="3877182635"/>
+                    </a:ext>
+                  </a:extLst>
+                </a:gridCol>
+                <a:gridCol w="916822">
+                  <a:extLst>
+                    <a:ext uri="{9D8B030D-6E8A-4147-A177-3AD203B41FA5}">
+                      <a16:colId xmlns:a16="http://schemas.microsoft.com/office/drawing/2014/main" val="2582312683"/>
+                    </a:ext>
+                  </a:extLst>
+                </a:gridCol>
+                <a:gridCol w="945359">
+                  <a:extLst>
+                    <a:ext uri="{9D8B030D-6E8A-4147-A177-3AD203B41FA5}">
+                      <a16:colId xmlns:a16="http://schemas.microsoft.com/office/drawing/2014/main" val="2449263329"/>
+                    </a:ext>
+                  </a:extLst>
+                </a:gridCol>
+                <a:gridCol w="2286207">
+                  <a:extLst>
+                    <a:ext uri="{9D8B030D-6E8A-4147-A177-3AD203B41FA5}">
+                      <a16:colId xmlns:a16="http://schemas.microsoft.com/office/drawing/2014/main" val="1274486181"/>
+                    </a:ext>
+                  </a:extLst>
+                </a:gridCol>
+                <a:gridCol w="980363">
+                  <a:extLst>
+                    <a:ext uri="{9D8B030D-6E8A-4147-A177-3AD203B41FA5}">
+                      <a16:colId xmlns:a16="http://schemas.microsoft.com/office/drawing/2014/main" val="2601092234"/>
+                    </a:ext>
+                  </a:extLst>
+                </a:gridCol>
+                <a:gridCol w="1016673">
+                  <a:extLst>
+                    <a:ext uri="{9D8B030D-6E8A-4147-A177-3AD203B41FA5}">
+                      <a16:colId xmlns:a16="http://schemas.microsoft.com/office/drawing/2014/main" val="2277025614"/>
+                    </a:ext>
+                  </a:extLst>
+                </a:gridCol>
+              </a:tblGrid>
+              <a:tr h="394690">
+                <a:tc>
+                  <a:txBody>
+                    <a:bodyPr/>
+                    <a:lstStyle/>
+                    <a:p>
+                      <a:pPr algn="ctr" latinLnBrk="1"/>
+                      <a:r>
+                        <a:rPr lang="ko-KR" altLang="en-US" sz="1100" dirty="0"/>
+                        <a:t>신청번호</a:t>
+                      </a:r>
+                    </a:p>
+                  </a:txBody>
+                  <a:tcPr anchor="ctr"/>
+                </a:tc>
+                <a:tc>
+                  <a:txBody>
+                    <a:bodyPr/>
+                    <a:lstStyle/>
+                    <a:p>
+                      <a:pPr algn="ctr" latinLnBrk="1"/>
+                      <a:r>
+                        <a:rPr lang="ko-KR" altLang="en-US" sz="1100" dirty="0"/>
+                        <a:t>신청일</a:t>
+                      </a:r>
+                    </a:p>
+                  </a:txBody>
+                  <a:tcPr anchor="ctr"/>
+                </a:tc>
+                <a:tc>
+                  <a:txBody>
+                    <a:bodyPr/>
+                    <a:lstStyle/>
+                    <a:p>
+                      <a:pPr algn="ctr" latinLnBrk="1"/>
+                      <a:r>
+                        <a:rPr lang="ko-KR" altLang="en-US" sz="1100" dirty="0"/>
+                        <a:t>분류</a:t>
+                      </a:r>
+                    </a:p>
+                  </a:txBody>
+                  <a:tcPr anchor="ctr"/>
+                </a:tc>
+                <a:tc>
+                  <a:txBody>
+                    <a:bodyPr/>
+                    <a:lstStyle/>
+                    <a:p>
+                      <a:pPr algn="ctr" latinLnBrk="1"/>
+                      <a:r>
+                        <a:rPr lang="ko-KR" altLang="en-US" sz="1100" dirty="0"/>
+                        <a:t>신청자</a:t>
+                      </a:r>
+                    </a:p>
+                  </a:txBody>
+                  <a:tcPr anchor="ctr"/>
+                </a:tc>
+                <a:tc>
+                  <a:txBody>
+                    <a:bodyPr/>
+                    <a:lstStyle/>
+                    <a:p>
+                      <a:pPr algn="ctr" latinLnBrk="1"/>
+                      <a:r>
+                        <a:rPr lang="ko-KR" altLang="en-US" sz="1100" dirty="0"/>
+                        <a:t>입고날짜</a:t>
+                      </a:r>
+                    </a:p>
+                  </a:txBody>
+                  <a:tcPr anchor="ctr"/>
+                </a:tc>
+                <a:tc>
+                  <a:txBody>
+                    <a:bodyPr/>
+                    <a:lstStyle/>
+                    <a:p>
+                      <a:pPr algn="ctr" latinLnBrk="1"/>
+                      <a:r>
+                        <a:rPr lang="ko-KR" altLang="en-US" sz="1100" dirty="0"/>
+                        <a:t>진행상태</a:t>
+                      </a:r>
+                    </a:p>
+                  </a:txBody>
+                  <a:tcPr anchor="ctr"/>
+                </a:tc>
+                <a:extLst>
+                  <a:ext uri="{0D108BD9-81ED-4DB2-BD59-A6C34878D82A}">
+                    <a16:rowId xmlns:a16="http://schemas.microsoft.com/office/drawing/2014/main" val="1451601782"/>
+                  </a:ext>
+                </a:extLst>
+              </a:tr>
+              <a:tr h="394690">
+                <a:tc>
+                  <a:txBody>
+                    <a:bodyPr/>
+                    <a:lstStyle/>
+                    <a:p>
+                      <a:pPr latinLnBrk="1"/>
+                      <a:endParaRPr lang="ko-KR" altLang="en-US" sz="1100"/>
+                    </a:p>
+                  </a:txBody>
+                  <a:tcPr anchor="ctr"/>
+                </a:tc>
+                <a:tc>
+                  <a:txBody>
+                    <a:bodyPr/>
+                    <a:lstStyle/>
+                    <a:p>
+                      <a:pPr latinLnBrk="1"/>
+                      <a:endParaRPr lang="ko-KR" altLang="en-US" sz="1100" dirty="0"/>
+                    </a:p>
+                  </a:txBody>
+                  <a:tcPr anchor="ctr"/>
+                </a:tc>
+                <a:tc>
+                  <a:txBody>
+                    <a:bodyPr/>
+                    <a:lstStyle/>
+                    <a:p>
+                      <a:pPr latinLnBrk="1"/>
+                      <a:endParaRPr lang="ko-KR" altLang="en-US" sz="1100" dirty="0"/>
+                    </a:p>
+                  </a:txBody>
+                  <a:tcPr anchor="ctr"/>
+                </a:tc>
+                <a:tc>
+                  <a:txBody>
+                    <a:bodyPr/>
+                    <a:lstStyle/>
+                    <a:p>
+                      <a:pPr latinLnBrk="1"/>
+                      <a:endParaRPr lang="ko-KR" altLang="en-US" sz="1100"/>
+                    </a:p>
+                  </a:txBody>
+                  <a:tcPr anchor="ctr"/>
+                </a:tc>
+                <a:tc>
+                  <a:txBody>
+                    <a:bodyPr/>
+                    <a:lstStyle/>
+                    <a:p>
+                      <a:pPr latinLnBrk="1"/>
+                      <a:endParaRPr lang="ko-KR" altLang="en-US" sz="1100"/>
+                    </a:p>
+                  </a:txBody>
+                  <a:tcPr anchor="ctr"/>
+                </a:tc>
+                <a:tc>
+                  <a:txBody>
+                    <a:bodyPr/>
+                    <a:lstStyle/>
+                    <a:p>
+                      <a:pPr latinLnBrk="1"/>
+                      <a:endParaRPr lang="ko-KR" altLang="en-US" sz="1100"/>
+                    </a:p>
+                  </a:txBody>
+                  <a:tcPr anchor="ctr"/>
+                </a:tc>
+                <a:extLst>
+                  <a:ext uri="{0D108BD9-81ED-4DB2-BD59-A6C34878D82A}">
+                    <a16:rowId xmlns:a16="http://schemas.microsoft.com/office/drawing/2014/main" val="4130334169"/>
+                  </a:ext>
+                </a:extLst>
+              </a:tr>
+              <a:tr h="394690">
+                <a:tc>
+                  <a:txBody>
+                    <a:bodyPr/>
+                    <a:lstStyle/>
+                    <a:p>
+                      <a:pPr latinLnBrk="1"/>
+                      <a:endParaRPr lang="ko-KR" altLang="en-US" sz="1100"/>
+                    </a:p>
+                  </a:txBody>
+                  <a:tcPr anchor="ctr"/>
+                </a:tc>
+                <a:tc>
+                  <a:txBody>
+                    <a:bodyPr/>
+                    <a:lstStyle/>
+                    <a:p>
+                      <a:pPr latinLnBrk="1"/>
+                      <a:endParaRPr lang="ko-KR" altLang="en-US" sz="1100"/>
+                    </a:p>
+                  </a:txBody>
+                  <a:tcPr anchor="ctr"/>
+                </a:tc>
+                <a:tc>
+                  <a:txBody>
+                    <a:bodyPr/>
+                    <a:lstStyle/>
+                    <a:p>
+                      <a:pPr latinLnBrk="1"/>
+                      <a:endParaRPr lang="ko-KR" altLang="en-US" sz="1100" dirty="0"/>
+                    </a:p>
+                  </a:txBody>
+                  <a:tcPr anchor="ctr"/>
+                </a:tc>
+                <a:tc>
+                  <a:txBody>
+                    <a:bodyPr/>
+                    <a:lstStyle/>
+                    <a:p>
+                      <a:pPr latinLnBrk="1"/>
+                      <a:endParaRPr lang="ko-KR" altLang="en-US" sz="1100" dirty="0"/>
+                    </a:p>
+                  </a:txBody>
+                  <a:tcPr anchor="ctr"/>
+                </a:tc>
+                <a:tc>
+                  <a:txBody>
+                    <a:bodyPr/>
+                    <a:lstStyle/>
+                    <a:p>
+                      <a:pPr latinLnBrk="1"/>
+                      <a:endParaRPr lang="ko-KR" altLang="en-US" sz="1100"/>
+                    </a:p>
+                  </a:txBody>
+                  <a:tcPr anchor="ctr"/>
+                </a:tc>
+                <a:tc>
+                  <a:txBody>
+                    <a:bodyPr/>
+                    <a:lstStyle/>
+                    <a:p>
+                      <a:pPr latinLnBrk="1"/>
+                      <a:endParaRPr lang="ko-KR" altLang="en-US" sz="1100"/>
+                    </a:p>
+                  </a:txBody>
+                  <a:tcPr anchor="ctr"/>
+                </a:tc>
+                <a:extLst>
+                  <a:ext uri="{0D108BD9-81ED-4DB2-BD59-A6C34878D82A}">
+                    <a16:rowId xmlns:a16="http://schemas.microsoft.com/office/drawing/2014/main" val="2316416757"/>
+                  </a:ext>
+                </a:extLst>
+              </a:tr>
+              <a:tr h="394690">
+                <a:tc>
+                  <a:txBody>
+                    <a:bodyPr/>
+                    <a:lstStyle/>
+                    <a:p>
+                      <a:pPr latinLnBrk="1"/>
+                      <a:endParaRPr lang="ko-KR" altLang="en-US" sz="1100"/>
+                    </a:p>
+                  </a:txBody>
+                  <a:tcPr anchor="ctr"/>
+                </a:tc>
+                <a:tc>
+                  <a:txBody>
+                    <a:bodyPr/>
+                    <a:lstStyle/>
+                    <a:p>
+                      <a:pPr latinLnBrk="1"/>
+                      <a:endParaRPr lang="ko-KR" altLang="en-US" sz="1100"/>
+                    </a:p>
+                  </a:txBody>
+                  <a:tcPr anchor="ctr"/>
+                </a:tc>
+                <a:tc>
+                  <a:txBody>
+                    <a:bodyPr/>
+                    <a:lstStyle/>
+                    <a:p>
+                      <a:pPr latinLnBrk="1"/>
+                      <a:endParaRPr lang="ko-KR" altLang="en-US" sz="1100"/>
+                    </a:p>
+                  </a:txBody>
+                  <a:tcPr anchor="ctr"/>
+                </a:tc>
+                <a:tc>
+                  <a:txBody>
+                    <a:bodyPr/>
+                    <a:lstStyle/>
+                    <a:p>
+                      <a:pPr latinLnBrk="1"/>
+                      <a:endParaRPr lang="ko-KR" altLang="en-US" sz="1100" dirty="0"/>
+                    </a:p>
+                  </a:txBody>
+                  <a:tcPr anchor="ctr"/>
+                </a:tc>
+                <a:tc>
+                  <a:txBody>
+                    <a:bodyPr/>
+                    <a:lstStyle/>
+                    <a:p>
+                      <a:pPr latinLnBrk="1"/>
+                      <a:endParaRPr lang="ko-KR" altLang="en-US" sz="1100" dirty="0"/>
+                    </a:p>
+                  </a:txBody>
+                  <a:tcPr anchor="ctr"/>
+                </a:tc>
+                <a:tc>
+                  <a:txBody>
+                    <a:bodyPr/>
+                    <a:lstStyle/>
+                    <a:p>
+                      <a:pPr latinLnBrk="1"/>
+                      <a:endParaRPr lang="ko-KR" altLang="en-US" sz="1100"/>
+                    </a:p>
+                  </a:txBody>
+                  <a:tcPr anchor="ctr"/>
+                </a:tc>
+                <a:extLst>
+                  <a:ext uri="{0D108BD9-81ED-4DB2-BD59-A6C34878D82A}">
+                    <a16:rowId xmlns:a16="http://schemas.microsoft.com/office/drawing/2014/main" val="1247744131"/>
+                  </a:ext>
+                </a:extLst>
+              </a:tr>
+              <a:tr h="394690">
+                <a:tc>
+                  <a:txBody>
+                    <a:bodyPr/>
+                    <a:lstStyle/>
+                    <a:p>
+                      <a:pPr latinLnBrk="1"/>
+                      <a:endParaRPr lang="ko-KR" altLang="en-US" sz="1100"/>
+                    </a:p>
+                  </a:txBody>
+                  <a:tcPr anchor="ctr"/>
+                </a:tc>
+                <a:tc>
+                  <a:txBody>
+                    <a:bodyPr/>
+                    <a:lstStyle/>
+                    <a:p>
+                      <a:pPr latinLnBrk="1"/>
+                      <a:endParaRPr lang="ko-KR" altLang="en-US" sz="1100"/>
+                    </a:p>
+                  </a:txBody>
+                  <a:tcPr anchor="ctr"/>
+                </a:tc>
+                <a:tc>
+                  <a:txBody>
+                    <a:bodyPr/>
+                    <a:lstStyle/>
+                    <a:p>
+                      <a:pPr latinLnBrk="1"/>
+                      <a:endParaRPr lang="ko-KR" altLang="en-US" sz="1100"/>
+                    </a:p>
+                  </a:txBody>
+                  <a:tcPr anchor="ctr"/>
+                </a:tc>
+                <a:tc>
+                  <a:txBody>
+                    <a:bodyPr/>
+                    <a:lstStyle/>
+                    <a:p>
+                      <a:pPr latinLnBrk="1"/>
+                      <a:endParaRPr lang="ko-KR" altLang="en-US" sz="1100"/>
+                    </a:p>
+                  </a:txBody>
+                  <a:tcPr anchor="ctr"/>
+                </a:tc>
+                <a:tc>
+                  <a:txBody>
+                    <a:bodyPr/>
+                    <a:lstStyle/>
+                    <a:p>
+                      <a:pPr latinLnBrk="1"/>
+                      <a:endParaRPr lang="ko-KR" altLang="en-US" sz="1100" dirty="0"/>
+                    </a:p>
+                  </a:txBody>
+                  <a:tcPr anchor="ctr"/>
+                </a:tc>
+                <a:tc>
+                  <a:txBody>
+                    <a:bodyPr/>
+                    <a:lstStyle/>
+                    <a:p>
+                      <a:pPr latinLnBrk="1"/>
+                      <a:endParaRPr lang="ko-KR" altLang="en-US" sz="1100" dirty="0"/>
+                    </a:p>
+                  </a:txBody>
+                  <a:tcPr anchor="ctr"/>
+                </a:tc>
+                <a:extLst>
+                  <a:ext uri="{0D108BD9-81ED-4DB2-BD59-A6C34878D82A}">
+                    <a16:rowId xmlns:a16="http://schemas.microsoft.com/office/drawing/2014/main" val="3366778472"/>
+                  </a:ext>
+                </a:extLst>
+              </a:tr>
+              <a:tr h="394690">
+                <a:tc>
+                  <a:txBody>
+                    <a:bodyPr/>
+                    <a:lstStyle/>
+                    <a:p>
+                      <a:pPr latinLnBrk="1"/>
+                      <a:endParaRPr lang="ko-KR" altLang="en-US" sz="1100"/>
+                    </a:p>
+                  </a:txBody>
+                  <a:tcPr anchor="ctr"/>
+                </a:tc>
+                <a:tc>
+                  <a:txBody>
+                    <a:bodyPr/>
+                    <a:lstStyle/>
+                    <a:p>
+                      <a:pPr latinLnBrk="1"/>
+                      <a:endParaRPr lang="ko-KR" altLang="en-US" sz="1100"/>
+                    </a:p>
+                  </a:txBody>
+                  <a:tcPr anchor="ctr"/>
+                </a:tc>
+                <a:tc>
+                  <a:txBody>
+                    <a:bodyPr/>
+                    <a:lstStyle/>
+                    <a:p>
+                      <a:pPr latinLnBrk="1"/>
+                      <a:endParaRPr lang="ko-KR" altLang="en-US" sz="1100"/>
+                    </a:p>
+                  </a:txBody>
+                  <a:tcPr anchor="ctr"/>
+                </a:tc>
+                <a:tc>
+                  <a:txBody>
+                    <a:bodyPr/>
+                    <a:lstStyle/>
+                    <a:p>
+                      <a:pPr latinLnBrk="1"/>
+                      <a:endParaRPr lang="ko-KR" altLang="en-US" sz="1100"/>
+                    </a:p>
+                  </a:txBody>
+                  <a:tcPr anchor="ctr"/>
+                </a:tc>
+                <a:tc>
+                  <a:txBody>
+                    <a:bodyPr/>
+                    <a:lstStyle/>
+                    <a:p>
+                      <a:pPr latinLnBrk="1"/>
+                      <a:endParaRPr lang="ko-KR" altLang="en-US" sz="1100"/>
+                    </a:p>
+                  </a:txBody>
+                  <a:tcPr anchor="ctr"/>
+                </a:tc>
+                <a:tc>
+                  <a:txBody>
+                    <a:bodyPr/>
+                    <a:lstStyle/>
+                    <a:p>
+                      <a:pPr latinLnBrk="1"/>
+                      <a:endParaRPr lang="ko-KR" altLang="en-US" sz="1100" dirty="0"/>
+                    </a:p>
+                  </a:txBody>
+                  <a:tcPr anchor="ctr"/>
+                </a:tc>
+                <a:extLst>
+                  <a:ext uri="{0D108BD9-81ED-4DB2-BD59-A6C34878D82A}">
+                    <a16:rowId xmlns:a16="http://schemas.microsoft.com/office/drawing/2014/main" val="3637697936"/>
+                  </a:ext>
+                </a:extLst>
+              </a:tr>
+              <a:tr h="394690">
+                <a:tc>
+                  <a:txBody>
+                    <a:bodyPr/>
+                    <a:lstStyle/>
+                    <a:p>
+                      <a:pPr latinLnBrk="1"/>
+                      <a:endParaRPr lang="ko-KR" altLang="en-US" sz="1100"/>
+                    </a:p>
+                  </a:txBody>
+                  <a:tcPr anchor="ctr"/>
+                </a:tc>
+                <a:tc>
+                  <a:txBody>
+                    <a:bodyPr/>
+                    <a:lstStyle/>
+                    <a:p>
+                      <a:pPr latinLnBrk="1"/>
+                      <a:endParaRPr lang="ko-KR" altLang="en-US" sz="1100"/>
+                    </a:p>
+                  </a:txBody>
+                  <a:tcPr anchor="ctr"/>
+                </a:tc>
+                <a:tc>
+                  <a:txBody>
+                    <a:bodyPr/>
+                    <a:lstStyle/>
+                    <a:p>
+                      <a:pPr latinLnBrk="1"/>
+                      <a:endParaRPr lang="ko-KR" altLang="en-US" sz="1100"/>
+                    </a:p>
+                  </a:txBody>
+                  <a:tcPr anchor="ctr"/>
+                </a:tc>
+                <a:tc>
+                  <a:txBody>
+                    <a:bodyPr/>
+                    <a:lstStyle/>
+                    <a:p>
+                      <a:pPr latinLnBrk="1"/>
+                      <a:endParaRPr lang="ko-KR" altLang="en-US" sz="1100"/>
+                    </a:p>
+                  </a:txBody>
+                  <a:tcPr anchor="ctr"/>
+                </a:tc>
+                <a:tc>
+                  <a:txBody>
+                    <a:bodyPr/>
+                    <a:lstStyle/>
+                    <a:p>
+                      <a:pPr latinLnBrk="1"/>
+                      <a:endParaRPr lang="ko-KR" altLang="en-US" sz="1100"/>
+                    </a:p>
+                  </a:txBody>
+                  <a:tcPr anchor="ctr"/>
+                </a:tc>
+                <a:tc>
+                  <a:txBody>
+                    <a:bodyPr/>
+                    <a:lstStyle/>
+                    <a:p>
+                      <a:pPr latinLnBrk="1"/>
+                      <a:endParaRPr lang="ko-KR" altLang="en-US" sz="1100" dirty="0"/>
+                    </a:p>
+                  </a:txBody>
+                  <a:tcPr anchor="ctr"/>
+                </a:tc>
+                <a:extLst>
+                  <a:ext uri="{0D108BD9-81ED-4DB2-BD59-A6C34878D82A}">
+                    <a16:rowId xmlns:a16="http://schemas.microsoft.com/office/drawing/2014/main" val="1093228180"/>
+                  </a:ext>
+                </a:extLst>
+              </a:tr>
+            </a:tbl>
+          </a:graphicData>
+        </a:graphic>
+      </p:graphicFrame>
     </p:spTree>
     <p:extLst>
       <p:ext uri="{BB962C8B-B14F-4D97-AF65-F5344CB8AC3E}">
@@ -22179,13 +24170,6 @@
   <p:clrMapOvr>
     <a:masterClrMapping/>
   </p:clrMapOvr>
-  <p:timing>
-    <p:tnLst>
-      <p:par>
-        <p:cTn id="1" dur="indefinite" restart="never" nodeType="tmRoot"/>
-      </p:par>
-    </p:tnLst>
-  </p:timing>
 </p:sld>
 </file>
 
@@ -22874,7 +24858,7 @@
           <p:cNvPr id="16" name="그룹 15">
             <a:extLst>
               <a:ext uri="{FF2B5EF4-FFF2-40B4-BE49-F238E27FC236}">
-                <a16:creationId xmlns:a16="http://schemas.microsoft.com/office/drawing/2014/main" xmlns="" id="{1592706D-EFAE-4144-BFA1-6735E09271FD}"/>
+                <a16:creationId xmlns:a16="http://schemas.microsoft.com/office/drawing/2014/main" id="{1592706D-EFAE-4144-BFA1-6735E09271FD}"/>
               </a:ext>
             </a:extLst>
           </p:cNvPr>
@@ -22894,7 +24878,7 @@
             <p:cNvPr id="17" name="양쪽 모서리가 둥근 사각형 5">
               <a:extLst>
                 <a:ext uri="{FF2B5EF4-FFF2-40B4-BE49-F238E27FC236}">
-                  <a16:creationId xmlns:a16="http://schemas.microsoft.com/office/drawing/2014/main" xmlns="" id="{8078EBE2-80A2-4C73-B338-3BF0725D8C61}"/>
+                  <a16:creationId xmlns:a16="http://schemas.microsoft.com/office/drawing/2014/main" id="{8078EBE2-80A2-4C73-B338-3BF0725D8C61}"/>
                 </a:ext>
               </a:extLst>
             </p:cNvPr>
@@ -23060,7 +25044,7 @@
             <p:cNvPr id="18" name="양쪽 모서리가 둥근 사각형 4">
               <a:extLst>
                 <a:ext uri="{FF2B5EF4-FFF2-40B4-BE49-F238E27FC236}">
-                  <a16:creationId xmlns:a16="http://schemas.microsoft.com/office/drawing/2014/main" xmlns="" id="{39BAB469-719B-4B91-8479-8CE11BC8E6B9}"/>
+                  <a16:creationId xmlns:a16="http://schemas.microsoft.com/office/drawing/2014/main" id="{39BAB469-719B-4B91-8479-8CE11BC8E6B9}"/>
                 </a:ext>
               </a:extLst>
             </p:cNvPr>
@@ -23126,7 +25110,7 @@
             <p:cNvPr id="19" name="직사각형 18">
               <a:extLst>
                 <a:ext uri="{FF2B5EF4-FFF2-40B4-BE49-F238E27FC236}">
-                  <a16:creationId xmlns:a16="http://schemas.microsoft.com/office/drawing/2014/main" xmlns="" id="{39F1B524-4CC7-4E30-816B-3723A5813198}"/>
+                  <a16:creationId xmlns:a16="http://schemas.microsoft.com/office/drawing/2014/main" id="{39F1B524-4CC7-4E30-816B-3723A5813198}"/>
                 </a:ext>
               </a:extLst>
             </p:cNvPr>
@@ -23182,7 +25166,7 @@
             <p:cNvPr id="20" name="타원 19">
               <a:extLst>
                 <a:ext uri="{FF2B5EF4-FFF2-40B4-BE49-F238E27FC236}">
-                  <a16:creationId xmlns:a16="http://schemas.microsoft.com/office/drawing/2014/main" xmlns="" id="{9F7C7939-334C-4B6E-8334-1DAF6166C2BD}"/>
+                  <a16:creationId xmlns:a16="http://schemas.microsoft.com/office/drawing/2014/main" id="{9F7C7939-334C-4B6E-8334-1DAF6166C2BD}"/>
                 </a:ext>
               </a:extLst>
             </p:cNvPr>
@@ -23238,7 +25222,7 @@
             <p:cNvPr id="21" name="타원 20">
               <a:extLst>
                 <a:ext uri="{FF2B5EF4-FFF2-40B4-BE49-F238E27FC236}">
-                  <a16:creationId xmlns:a16="http://schemas.microsoft.com/office/drawing/2014/main" xmlns="" id="{3ACF8C7F-31C0-4E48-9500-11CA0520BEC1}"/>
+                  <a16:creationId xmlns:a16="http://schemas.microsoft.com/office/drawing/2014/main" id="{3ACF8C7F-31C0-4E48-9500-11CA0520BEC1}"/>
                 </a:ext>
               </a:extLst>
             </p:cNvPr>
@@ -23294,7 +25278,7 @@
             <p:cNvPr id="22" name="타원 21">
               <a:extLst>
                 <a:ext uri="{FF2B5EF4-FFF2-40B4-BE49-F238E27FC236}">
-                  <a16:creationId xmlns:a16="http://schemas.microsoft.com/office/drawing/2014/main" xmlns="" id="{CDF524C5-87D1-45D8-B459-FDB2C64EC2DD}"/>
+                  <a16:creationId xmlns:a16="http://schemas.microsoft.com/office/drawing/2014/main" id="{CDF524C5-87D1-45D8-B459-FDB2C64EC2DD}"/>
                 </a:ext>
               </a:extLst>
             </p:cNvPr>
@@ -23356,13 +25340,6 @@
   <p:clrMapOvr>
     <a:masterClrMapping/>
   </p:clrMapOvr>
-  <p:timing>
-    <p:tnLst>
-      <p:par>
-        <p:cTn id="1" dur="indefinite" restart="never" nodeType="tmRoot"/>
-      </p:par>
-    </p:tnLst>
-  </p:timing>
 </p:sld>
 </file>
 
@@ -24166,14 +26143,13 @@
           <a:lstStyle/>
           <a:p>
             <a:r>
-              <a:rPr lang="en-US" altLang="ko-KR" sz="1600" dirty="0" smtClean="0"/>
+              <a:rPr lang="en-US" altLang="ko-KR" sz="1600" dirty="0"/>
               <a:t>A/S </a:t>
             </a:r>
             <a:r>
-              <a:rPr lang="ko-KR" altLang="en-US" sz="1600" dirty="0" smtClean="0"/>
+              <a:rPr lang="ko-KR" altLang="en-US" sz="1600" dirty="0"/>
               <a:t>관리</a:t>
             </a:r>
-            <a:endParaRPr lang="ko-KR" altLang="en-US" sz="1600" dirty="0"/>
           </a:p>
         </p:txBody>
       </p:sp>
@@ -24437,10 +26413,9 @@
           <a:p>
             <a:pPr algn="r"/>
             <a:r>
-              <a:rPr lang="ko-KR" altLang="en-US" sz="1000" dirty="0" smtClean="0"/>
+              <a:rPr lang="ko-KR" altLang="en-US" sz="1000" dirty="0"/>
               <a:t>로그아웃</a:t>
             </a:r>
-            <a:endParaRPr lang="ko-KR" altLang="en-US" sz="1000" dirty="0"/>
           </a:p>
         </p:txBody>
       </p:sp>
@@ -24561,10 +26536,9 @@
           </a:lstStyle>
           <a:p>
             <a:r>
-              <a:rPr lang="ko-KR" altLang="en-US" sz="1000" dirty="0" smtClean="0"/>
+              <a:rPr lang="ko-KR" altLang="en-US" sz="1000" dirty="0"/>
               <a:t>로고</a:t>
             </a:r>
-            <a:endParaRPr lang="ko-KR" altLang="en-US" sz="1000" dirty="0"/>
           </a:p>
         </p:txBody>
       </p:sp>
@@ -24723,30 +26697,338 @@
           </a:lstStyle>
           <a:p>
             <a:r>
-              <a:rPr lang="ko-KR" altLang="en-US" dirty="0" smtClean="0"/>
+              <a:rPr lang="ko-KR" altLang="en-US" dirty="0"/>
               <a:t>회원관리</a:t>
             </a:r>
             <a:r>
               <a:rPr lang="en-US" altLang="ko-KR" dirty="0"/>
-              <a:t> </a:t>
+              <a:t>       </a:t>
             </a:r>
             <a:r>
-              <a:rPr lang="en-US" altLang="ko-KR" dirty="0" smtClean="0"/>
-              <a:t>      </a:t>
-            </a:r>
-            <a:r>
-              <a:rPr lang="ko-KR" altLang="en-US" dirty="0" smtClean="0"/>
+              <a:rPr lang="ko-KR" altLang="en-US" dirty="0"/>
               <a:t>상품관리       견적문의관리       주문관리       </a:t>
             </a:r>
             <a:r>
-              <a:rPr lang="en-US" altLang="ko-KR" dirty="0" smtClean="0"/>
+              <a:rPr lang="en-US" altLang="ko-KR" b="1" dirty="0"/>
               <a:t>AS</a:t>
             </a:r>
             <a:r>
-              <a:rPr lang="ko-KR" altLang="en-US" dirty="0" smtClean="0"/>
+              <a:rPr lang="ko-KR" altLang="en-US" b="1" dirty="0"/>
               <a:t>관리</a:t>
             </a:r>
-            <a:endParaRPr lang="ko-KR" altLang="en-US" dirty="0"/>
+          </a:p>
+        </p:txBody>
+      </p:sp>
+      <p:graphicFrame>
+        <p:nvGraphicFramePr>
+          <p:cNvPr id="22" name="표 17">
+            <a:extLst>
+              <a:ext uri="{FF2B5EF4-FFF2-40B4-BE49-F238E27FC236}">
+                <a16:creationId xmlns:a16="http://schemas.microsoft.com/office/drawing/2014/main" id="{8A2E7E0F-3395-4629-BCB2-233634C623F2}"/>
+              </a:ext>
+            </a:extLst>
+          </p:cNvPr>
+          <p:cNvGraphicFramePr>
+            <a:graphicFrameLocks noGrp="1"/>
+          </p:cNvGraphicFramePr>
+          <p:nvPr>
+            <p:extLst>
+              <p:ext uri="{D42A27DB-BD31-4B8C-83A1-F6EECF244321}">
+                <p14:modId xmlns:p14="http://schemas.microsoft.com/office/powerpoint/2010/main" val="3202271610"/>
+              </p:ext>
+            </p:extLst>
+          </p:nvPr>
+        </p:nvGraphicFramePr>
+        <p:xfrm>
+          <a:off x="977985" y="2879197"/>
+          <a:ext cx="7168147" cy="789380"/>
+        </p:xfrm>
+        <a:graphic>
+          <a:graphicData uri="http://schemas.openxmlformats.org/drawingml/2006/table">
+            <a:tbl>
+              <a:tblPr firstRow="1" bandRow="1">
+                <a:tableStyleId>{C083E6E3-FA7D-4D7B-A595-EF9225AFEA82}</a:tableStyleId>
+              </a:tblPr>
+              <a:tblGrid>
+                <a:gridCol w="1022723">
+                  <a:extLst>
+                    <a:ext uri="{9D8B030D-6E8A-4147-A177-3AD203B41FA5}">
+                      <a16:colId xmlns:a16="http://schemas.microsoft.com/office/drawing/2014/main" val="3877182635"/>
+                    </a:ext>
+                  </a:extLst>
+                </a:gridCol>
+                <a:gridCol w="916822">
+                  <a:extLst>
+                    <a:ext uri="{9D8B030D-6E8A-4147-A177-3AD203B41FA5}">
+                      <a16:colId xmlns:a16="http://schemas.microsoft.com/office/drawing/2014/main" val="2582312683"/>
+                    </a:ext>
+                  </a:extLst>
+                </a:gridCol>
+                <a:gridCol w="945359">
+                  <a:extLst>
+                    <a:ext uri="{9D8B030D-6E8A-4147-A177-3AD203B41FA5}">
+                      <a16:colId xmlns:a16="http://schemas.microsoft.com/office/drawing/2014/main" val="2449263329"/>
+                    </a:ext>
+                  </a:extLst>
+                </a:gridCol>
+                <a:gridCol w="2286207">
+                  <a:extLst>
+                    <a:ext uri="{9D8B030D-6E8A-4147-A177-3AD203B41FA5}">
+                      <a16:colId xmlns:a16="http://schemas.microsoft.com/office/drawing/2014/main" val="1274486181"/>
+                    </a:ext>
+                  </a:extLst>
+                </a:gridCol>
+                <a:gridCol w="980363">
+                  <a:extLst>
+                    <a:ext uri="{9D8B030D-6E8A-4147-A177-3AD203B41FA5}">
+                      <a16:colId xmlns:a16="http://schemas.microsoft.com/office/drawing/2014/main" val="2601092234"/>
+                    </a:ext>
+                  </a:extLst>
+                </a:gridCol>
+                <a:gridCol w="1016673">
+                  <a:extLst>
+                    <a:ext uri="{9D8B030D-6E8A-4147-A177-3AD203B41FA5}">
+                      <a16:colId xmlns:a16="http://schemas.microsoft.com/office/drawing/2014/main" val="2277025614"/>
+                    </a:ext>
+                  </a:extLst>
+                </a:gridCol>
+              </a:tblGrid>
+              <a:tr h="394690">
+                <a:tc>
+                  <a:txBody>
+                    <a:bodyPr/>
+                    <a:lstStyle/>
+                    <a:p>
+                      <a:pPr algn="ctr" latinLnBrk="1"/>
+                      <a:r>
+                        <a:rPr lang="ko-KR" altLang="en-US" sz="1100" dirty="0"/>
+                        <a:t>신청번호</a:t>
+                      </a:r>
+                    </a:p>
+                  </a:txBody>
+                  <a:tcPr anchor="ctr"/>
+                </a:tc>
+                <a:tc>
+                  <a:txBody>
+                    <a:bodyPr/>
+                    <a:lstStyle/>
+                    <a:p>
+                      <a:pPr algn="ctr" latinLnBrk="1"/>
+                      <a:r>
+                        <a:rPr lang="ko-KR" altLang="en-US" sz="1100" dirty="0"/>
+                        <a:t>신청일</a:t>
+                      </a:r>
+                    </a:p>
+                  </a:txBody>
+                  <a:tcPr anchor="ctr"/>
+                </a:tc>
+                <a:tc>
+                  <a:txBody>
+                    <a:bodyPr/>
+                    <a:lstStyle/>
+                    <a:p>
+                      <a:pPr algn="ctr" latinLnBrk="1"/>
+                      <a:r>
+                        <a:rPr lang="ko-KR" altLang="en-US" sz="1100" dirty="0"/>
+                        <a:t>분류</a:t>
+                      </a:r>
+                    </a:p>
+                  </a:txBody>
+                  <a:tcPr anchor="ctr"/>
+                </a:tc>
+                <a:tc>
+                  <a:txBody>
+                    <a:bodyPr/>
+                    <a:lstStyle/>
+                    <a:p>
+                      <a:pPr algn="ctr" latinLnBrk="1"/>
+                      <a:r>
+                        <a:rPr lang="ko-KR" altLang="en-US" sz="1100" dirty="0"/>
+                        <a:t>신청자</a:t>
+                      </a:r>
+                    </a:p>
+                  </a:txBody>
+                  <a:tcPr anchor="ctr"/>
+                </a:tc>
+                <a:tc>
+                  <a:txBody>
+                    <a:bodyPr/>
+                    <a:lstStyle/>
+                    <a:p>
+                      <a:pPr algn="ctr" latinLnBrk="1"/>
+                      <a:r>
+                        <a:rPr lang="ko-KR" altLang="en-US" sz="1100" dirty="0"/>
+                        <a:t>입고날짜</a:t>
+                      </a:r>
+                    </a:p>
+                  </a:txBody>
+                  <a:tcPr anchor="ctr"/>
+                </a:tc>
+                <a:tc>
+                  <a:txBody>
+                    <a:bodyPr/>
+                    <a:lstStyle/>
+                    <a:p>
+                      <a:pPr algn="ctr" latinLnBrk="1"/>
+                      <a:r>
+                        <a:rPr lang="ko-KR" altLang="en-US" sz="1100" dirty="0"/>
+                        <a:t>진행상태</a:t>
+                      </a:r>
+                    </a:p>
+                  </a:txBody>
+                  <a:tcPr anchor="ctr"/>
+                </a:tc>
+                <a:extLst>
+                  <a:ext uri="{0D108BD9-81ED-4DB2-BD59-A6C34878D82A}">
+                    <a16:rowId xmlns:a16="http://schemas.microsoft.com/office/drawing/2014/main" val="1451601782"/>
+                  </a:ext>
+                </a:extLst>
+              </a:tr>
+              <a:tr h="394690">
+                <a:tc>
+                  <a:txBody>
+                    <a:bodyPr/>
+                    <a:lstStyle/>
+                    <a:p>
+                      <a:pPr latinLnBrk="1"/>
+                      <a:endParaRPr lang="ko-KR" altLang="en-US" sz="1100"/>
+                    </a:p>
+                  </a:txBody>
+                  <a:tcPr anchor="ctr"/>
+                </a:tc>
+                <a:tc>
+                  <a:txBody>
+                    <a:bodyPr/>
+                    <a:lstStyle/>
+                    <a:p>
+                      <a:pPr latinLnBrk="1"/>
+                      <a:endParaRPr lang="ko-KR" altLang="en-US" sz="1100" dirty="0"/>
+                    </a:p>
+                  </a:txBody>
+                  <a:tcPr anchor="ctr"/>
+                </a:tc>
+                <a:tc>
+                  <a:txBody>
+                    <a:bodyPr/>
+                    <a:lstStyle/>
+                    <a:p>
+                      <a:pPr latinLnBrk="1"/>
+                      <a:endParaRPr lang="ko-KR" altLang="en-US" sz="1100" dirty="0"/>
+                    </a:p>
+                  </a:txBody>
+                  <a:tcPr anchor="ctr"/>
+                </a:tc>
+                <a:tc>
+                  <a:txBody>
+                    <a:bodyPr/>
+                    <a:lstStyle/>
+                    <a:p>
+                      <a:pPr latinLnBrk="1"/>
+                      <a:endParaRPr lang="ko-KR" altLang="en-US" sz="1100"/>
+                    </a:p>
+                  </a:txBody>
+                  <a:tcPr anchor="ctr"/>
+                </a:tc>
+                <a:tc>
+                  <a:txBody>
+                    <a:bodyPr/>
+                    <a:lstStyle/>
+                    <a:p>
+                      <a:pPr latinLnBrk="1"/>
+                      <a:endParaRPr lang="ko-KR" altLang="en-US" sz="1100"/>
+                    </a:p>
+                  </a:txBody>
+                  <a:tcPr anchor="ctr"/>
+                </a:tc>
+                <a:tc>
+                  <a:txBody>
+                    <a:bodyPr/>
+                    <a:lstStyle/>
+                    <a:p>
+                      <a:pPr latinLnBrk="1"/>
+                      <a:endParaRPr lang="ko-KR" altLang="en-US" sz="1100" dirty="0"/>
+                    </a:p>
+                  </a:txBody>
+                  <a:tcPr anchor="ctr"/>
+                </a:tc>
+                <a:extLst>
+                  <a:ext uri="{0D108BD9-81ED-4DB2-BD59-A6C34878D82A}">
+                    <a16:rowId xmlns:a16="http://schemas.microsoft.com/office/drawing/2014/main" val="4130334169"/>
+                  </a:ext>
+                </a:extLst>
+              </a:tr>
+            </a:tbl>
+          </a:graphicData>
+        </a:graphic>
+      </p:graphicFrame>
+      <p:sp>
+        <p:nvSpPr>
+          <p:cNvPr id="5" name="직사각형 4">
+            <a:extLst>
+              <a:ext uri="{FF2B5EF4-FFF2-40B4-BE49-F238E27FC236}">
+                <a16:creationId xmlns:a16="http://schemas.microsoft.com/office/drawing/2014/main" id="{9AEB876C-5FAA-4C4A-84E0-B7AC452892AF}"/>
+              </a:ext>
+            </a:extLst>
+          </p:cNvPr>
+          <p:cNvSpPr/>
+          <p:nvPr/>
+        </p:nvSpPr>
+        <p:spPr>
+          <a:xfrm>
+            <a:off x="978568" y="3875902"/>
+            <a:ext cx="7167564" cy="1939361"/>
+          </a:xfrm>
+          <a:prstGeom prst="rect">
+            <a:avLst/>
+          </a:prstGeom>
+        </p:spPr>
+        <p:style>
+          <a:lnRef idx="2">
+            <a:schemeClr val="accent3"/>
+          </a:lnRef>
+          <a:fillRef idx="1">
+            <a:schemeClr val="lt1"/>
+          </a:fillRef>
+          <a:effectRef idx="0">
+            <a:schemeClr val="accent3"/>
+          </a:effectRef>
+          <a:fontRef idx="minor">
+            <a:schemeClr val="dk1"/>
+          </a:fontRef>
+        </p:style>
+        <p:txBody>
+          <a:bodyPr rtlCol="0" anchor="ctr"/>
+          <a:lstStyle/>
+          <a:p>
+            <a:pPr algn="ctr"/>
+            <a:r>
+              <a:rPr lang="ko-KR" altLang="en-US" dirty="0"/>
+              <a:t>주문번호</a:t>
+            </a:r>
+            <a:r>
+              <a:rPr lang="en-US" altLang="ko-KR" dirty="0"/>
+              <a:t>/ </a:t>
+            </a:r>
+            <a:r>
+              <a:rPr lang="ko-KR" altLang="en-US" dirty="0"/>
+              <a:t>구매일</a:t>
+            </a:r>
+            <a:r>
+              <a:rPr lang="en-US" altLang="ko-KR" dirty="0"/>
+              <a:t> / </a:t>
+            </a:r>
+            <a:r>
+              <a:rPr lang="ko-KR" altLang="en-US" dirty="0"/>
+              <a:t>상품명 </a:t>
+            </a:r>
+            <a:r>
+              <a:rPr lang="en-US" altLang="ko-KR" dirty="0"/>
+              <a:t>/ </a:t>
+            </a:r>
+            <a:r>
+              <a:rPr lang="ko-KR" altLang="en-US" dirty="0"/>
+              <a:t>신청내용</a:t>
+            </a:r>
           </a:p>
         </p:txBody>
       </p:sp>
@@ -24760,13 +27042,6 @@
   <p:clrMapOvr>
     <a:masterClrMapping/>
   </p:clrMapOvr>
-  <p:timing>
-    <p:tnLst>
-      <p:par>
-        <p:cTn id="1" dur="indefinite" restart="never" nodeType="tmRoot"/>
-      </p:par>
-    </p:tnLst>
-  </p:timing>
 </p:sld>
 </file>
 
@@ -25509,13 +27784,6 @@
   <p:clrMapOvr>
     <a:masterClrMapping/>
   </p:clrMapOvr>
-  <p:timing>
-    <p:tnLst>
-      <p:par>
-        <p:cTn id="1" dur="indefinite" restart="never" nodeType="tmRoot"/>
-      </p:par>
-    </p:tnLst>
-  </p:timing>
 </p:sld>
 </file>
 
@@ -29968,13 +32236,6 @@
   <p:clrMapOvr>
     <a:masterClrMapping/>
   </p:clrMapOvr>
-  <p:timing>
-    <p:tnLst>
-      <p:par>
-        <p:cTn id="1" dur="indefinite" restart="never" nodeType="tmRoot"/>
-      </p:par>
-    </p:tnLst>
-  </p:timing>
 </p:sld>
 </file>
 
@@ -30063,7 +32324,7 @@
             </a:fontRef>
           </p:style>
           <p:txBody>
-            <a:bodyPr rtlCol="0" anchor="ctr"/>
+            <a:bodyPr lIns="108000" tIns="46800" rtlCol="0" anchor="ctr"/>
             <a:lstStyle/>
             <a:p>
               <a:pPr algn="ctr"/>
@@ -30116,7 +32377,7 @@
             </a:fontRef>
           </p:style>
           <p:txBody>
-            <a:bodyPr rtlCol="0" anchor="ctr"/>
+            <a:bodyPr lIns="108000" tIns="46800" rtlCol="0" anchor="ctr"/>
             <a:lstStyle/>
             <a:p>
               <a:pPr algn="ctr"/>
@@ -30183,7 +32444,7 @@
             </a:fontRef>
           </p:style>
           <p:txBody>
-            <a:bodyPr rtlCol="0" anchor="ctr"/>
+            <a:bodyPr lIns="108000" tIns="46800" rtlCol="0" anchor="ctr"/>
             <a:lstStyle/>
             <a:p>
               <a:pPr algn="ctr"/>
@@ -30254,7 +32515,7 @@
             </a:fontRef>
           </p:style>
           <p:txBody>
-            <a:bodyPr rtlCol="0" anchor="ctr"/>
+            <a:bodyPr lIns="108000" tIns="46800" rtlCol="0" anchor="ctr"/>
             <a:lstStyle/>
             <a:p>
               <a:pPr algn="ctr"/>
@@ -30325,7 +32586,7 @@
             </a:fontRef>
           </p:style>
           <p:txBody>
-            <a:bodyPr rtlCol="0" anchor="ctr"/>
+            <a:bodyPr lIns="108000" tIns="46800" rtlCol="0" anchor="ctr"/>
             <a:lstStyle/>
             <a:p>
               <a:pPr algn="ctr"/>
@@ -30422,7 +32683,7 @@
             </a:fontRef>
           </p:style>
           <p:txBody>
-            <a:bodyPr wrap="square" rtlCol="0" anchor="ctr">
+            <a:bodyPr wrap="square" lIns="108000" tIns="46800" rtlCol="0" anchor="ctr">
               <a:noAutofit/>
             </a:bodyPr>
             <a:lstStyle/>
@@ -30535,7 +32796,7 @@
             </a:fontRef>
           </p:style>
           <p:txBody>
-            <a:bodyPr rtlCol="0" anchor="ctr"/>
+            <a:bodyPr lIns="108000" tIns="46800" rtlCol="0" anchor="ctr"/>
             <a:lstStyle/>
             <a:p>
               <a:pPr algn="ctr"/>
@@ -30587,7 +32848,7 @@
             </a:fontRef>
           </p:style>
           <p:txBody>
-            <a:bodyPr rtlCol="0" anchor="ctr"/>
+            <a:bodyPr lIns="108000" tIns="46800" rtlCol="0" anchor="ctr"/>
             <a:lstStyle/>
             <a:p>
               <a:pPr algn="ctr"/>
@@ -30645,6 +32906,1387 @@
           </a:p>
         </p:txBody>
       </p:sp>
+      <p:grpSp>
+        <p:nvGrpSpPr>
+          <p:cNvPr id="13" name="그룹 12">
+            <a:extLst>
+              <a:ext uri="{FF2B5EF4-FFF2-40B4-BE49-F238E27FC236}">
+                <a16:creationId xmlns:a16="http://schemas.microsoft.com/office/drawing/2014/main" id="{B53562F4-51B3-4177-9B67-CCBC4B48FE7B}"/>
+              </a:ext>
+            </a:extLst>
+          </p:cNvPr>
+          <p:cNvGrpSpPr/>
+          <p:nvPr/>
+        </p:nvGrpSpPr>
+        <p:grpSpPr>
+          <a:xfrm>
+            <a:off x="1555886" y="1059401"/>
+            <a:ext cx="9080228" cy="4935935"/>
+            <a:chOff x="304800" y="377457"/>
+            <a:chExt cx="17516643" cy="9737902"/>
+          </a:xfrm>
+          <a:effectLst>
+            <a:outerShdw dist="127000" dir="2700000" algn="tl" rotWithShape="0">
+              <a:prstClr val="black">
+                <a:alpha val="30000"/>
+              </a:prstClr>
+            </a:outerShdw>
+          </a:effectLst>
+        </p:grpSpPr>
+        <p:sp>
+          <p:nvSpPr>
+            <p:cNvPr id="16" name="직사각형 15">
+              <a:extLst>
+                <a:ext uri="{FF2B5EF4-FFF2-40B4-BE49-F238E27FC236}">
+                  <a16:creationId xmlns:a16="http://schemas.microsoft.com/office/drawing/2014/main" id="{05B642E7-5863-44E1-B6AD-88FD139CC528}"/>
+                </a:ext>
+              </a:extLst>
+            </p:cNvPr>
+            <p:cNvSpPr/>
+            <p:nvPr/>
+          </p:nvSpPr>
+          <p:spPr>
+            <a:xfrm>
+              <a:off x="304800" y="377457"/>
+              <a:ext cx="17516643" cy="682031"/>
+            </a:xfrm>
+            <a:prstGeom prst="rect">
+              <a:avLst/>
+            </a:prstGeom>
+            <a:solidFill>
+              <a:srgbClr val="DFDCD3"/>
+            </a:solidFill>
+            <a:ln w="19050">
+              <a:solidFill>
+                <a:schemeClr val="tx1">
+                  <a:lumMod val="75000"/>
+                  <a:lumOff val="25000"/>
+                </a:schemeClr>
+              </a:solidFill>
+            </a:ln>
+          </p:spPr>
+          <p:style>
+            <a:lnRef idx="2">
+              <a:schemeClr val="accent1">
+                <a:shade val="50000"/>
+              </a:schemeClr>
+            </a:lnRef>
+            <a:fillRef idx="1">
+              <a:schemeClr val="accent1"/>
+            </a:fillRef>
+            <a:effectRef idx="0">
+              <a:schemeClr val="accent1"/>
+            </a:effectRef>
+            <a:fontRef idx="minor">
+              <a:schemeClr val="lt1"/>
+            </a:fontRef>
+          </p:style>
+          <p:txBody>
+            <a:bodyPr rtlCol="0" anchor="ctr"/>
+            <a:lstStyle>
+              <a:defPPr>
+                <a:defRPr lang="ko-KR"/>
+              </a:defPPr>
+              <a:lvl1pPr marL="0" algn="l" defTabSz="914400" rtl="0" eaLnBrk="1" latinLnBrk="1" hangingPunct="1">
+                <a:defRPr sz="1800" kern="1200">
+                  <a:solidFill>
+                    <a:schemeClr val="lt1"/>
+                  </a:solidFill>
+                  <a:latin typeface="+mn-lt"/>
+                  <a:ea typeface="+mn-ea"/>
+                  <a:cs typeface="+mn-cs"/>
+                </a:defRPr>
+              </a:lvl1pPr>
+              <a:lvl2pPr marL="457200" algn="l" defTabSz="914400" rtl="0" eaLnBrk="1" latinLnBrk="1" hangingPunct="1">
+                <a:defRPr sz="1800" kern="1200">
+                  <a:solidFill>
+                    <a:schemeClr val="lt1"/>
+                  </a:solidFill>
+                  <a:latin typeface="+mn-lt"/>
+                  <a:ea typeface="+mn-ea"/>
+                  <a:cs typeface="+mn-cs"/>
+                </a:defRPr>
+              </a:lvl2pPr>
+              <a:lvl3pPr marL="914400" algn="l" defTabSz="914400" rtl="0" eaLnBrk="1" latinLnBrk="1" hangingPunct="1">
+                <a:defRPr sz="1800" kern="1200">
+                  <a:solidFill>
+                    <a:schemeClr val="lt1"/>
+                  </a:solidFill>
+                  <a:latin typeface="+mn-lt"/>
+                  <a:ea typeface="+mn-ea"/>
+                  <a:cs typeface="+mn-cs"/>
+                </a:defRPr>
+              </a:lvl3pPr>
+              <a:lvl4pPr marL="1371600" algn="l" defTabSz="914400" rtl="0" eaLnBrk="1" latinLnBrk="1" hangingPunct="1">
+                <a:defRPr sz="1800" kern="1200">
+                  <a:solidFill>
+                    <a:schemeClr val="lt1"/>
+                  </a:solidFill>
+                  <a:latin typeface="+mn-lt"/>
+                  <a:ea typeface="+mn-ea"/>
+                  <a:cs typeface="+mn-cs"/>
+                </a:defRPr>
+              </a:lvl4pPr>
+              <a:lvl5pPr marL="1828800" algn="l" defTabSz="914400" rtl="0" eaLnBrk="1" latinLnBrk="1" hangingPunct="1">
+                <a:defRPr sz="1800" kern="1200">
+                  <a:solidFill>
+                    <a:schemeClr val="lt1"/>
+                  </a:solidFill>
+                  <a:latin typeface="+mn-lt"/>
+                  <a:ea typeface="+mn-ea"/>
+                  <a:cs typeface="+mn-cs"/>
+                </a:defRPr>
+              </a:lvl5pPr>
+              <a:lvl6pPr marL="2286000" algn="l" defTabSz="914400" rtl="0" eaLnBrk="1" latinLnBrk="1" hangingPunct="1">
+                <a:defRPr sz="1800" kern="1200">
+                  <a:solidFill>
+                    <a:schemeClr val="lt1"/>
+                  </a:solidFill>
+                  <a:latin typeface="+mn-lt"/>
+                  <a:ea typeface="+mn-ea"/>
+                  <a:cs typeface="+mn-cs"/>
+                </a:defRPr>
+              </a:lvl6pPr>
+              <a:lvl7pPr marL="2743200" algn="l" defTabSz="914400" rtl="0" eaLnBrk="1" latinLnBrk="1" hangingPunct="1">
+                <a:defRPr sz="1800" kern="1200">
+                  <a:solidFill>
+                    <a:schemeClr val="lt1"/>
+                  </a:solidFill>
+                  <a:latin typeface="+mn-lt"/>
+                  <a:ea typeface="+mn-ea"/>
+                  <a:cs typeface="+mn-cs"/>
+                </a:defRPr>
+              </a:lvl7pPr>
+              <a:lvl8pPr marL="3200400" algn="l" defTabSz="914400" rtl="0" eaLnBrk="1" latinLnBrk="1" hangingPunct="1">
+                <a:defRPr sz="1800" kern="1200">
+                  <a:solidFill>
+                    <a:schemeClr val="lt1"/>
+                  </a:solidFill>
+                  <a:latin typeface="+mn-lt"/>
+                  <a:ea typeface="+mn-ea"/>
+                  <a:cs typeface="+mn-cs"/>
+                </a:defRPr>
+              </a:lvl8pPr>
+              <a:lvl9pPr marL="3657600" algn="l" defTabSz="914400" rtl="0" eaLnBrk="1" latinLnBrk="1" hangingPunct="1">
+                <a:defRPr sz="1800" kern="1200">
+                  <a:solidFill>
+                    <a:schemeClr val="lt1"/>
+                  </a:solidFill>
+                  <a:latin typeface="+mn-lt"/>
+                  <a:ea typeface="+mn-ea"/>
+                  <a:cs typeface="+mn-cs"/>
+                </a:defRPr>
+              </a:lvl9pPr>
+            </a:lstStyle>
+            <a:p>
+              <a:pPr lvl="1"/>
+              <a:endParaRPr lang="en-US" altLang="ko-KR" sz="2800" dirty="0">
+                <a:solidFill>
+                  <a:prstClr val="black">
+                    <a:lumMod val="75000"/>
+                    <a:lumOff val="25000"/>
+                  </a:prstClr>
+                </a:solidFill>
+                <a:latin typeface="야놀자 야체 B" panose="02020603020101020101" pitchFamily="18" charset="-127"/>
+                <a:ea typeface="야놀자 야체 B" panose="02020603020101020101" pitchFamily="18" charset="-127"/>
+              </a:endParaRPr>
+            </a:p>
+          </p:txBody>
+        </p:sp>
+        <p:sp>
+          <p:nvSpPr>
+            <p:cNvPr id="17" name="직사각형 16">
+              <a:extLst>
+                <a:ext uri="{FF2B5EF4-FFF2-40B4-BE49-F238E27FC236}">
+                  <a16:creationId xmlns:a16="http://schemas.microsoft.com/office/drawing/2014/main" id="{E091E3BC-49C1-438C-AC5E-8A2570B3DB57}"/>
+                </a:ext>
+              </a:extLst>
+            </p:cNvPr>
+            <p:cNvSpPr/>
+            <p:nvPr/>
+          </p:nvSpPr>
+          <p:spPr>
+            <a:xfrm>
+              <a:off x="304800" y="1059488"/>
+              <a:ext cx="17516643" cy="9055871"/>
+            </a:xfrm>
+            <a:prstGeom prst="rect">
+              <a:avLst/>
+            </a:prstGeom>
+            <a:solidFill>
+              <a:schemeClr val="bg1"/>
+            </a:solidFill>
+            <a:ln w="19050">
+              <a:solidFill>
+                <a:schemeClr val="tx1">
+                  <a:lumMod val="75000"/>
+                  <a:lumOff val="25000"/>
+                </a:schemeClr>
+              </a:solidFill>
+            </a:ln>
+          </p:spPr>
+          <p:style>
+            <a:lnRef idx="2">
+              <a:schemeClr val="accent1">
+                <a:shade val="50000"/>
+              </a:schemeClr>
+            </a:lnRef>
+            <a:fillRef idx="1">
+              <a:schemeClr val="accent1"/>
+            </a:fillRef>
+            <a:effectRef idx="0">
+              <a:schemeClr val="accent1"/>
+            </a:effectRef>
+            <a:fontRef idx="minor">
+              <a:schemeClr val="lt1"/>
+            </a:fontRef>
+          </p:style>
+          <p:txBody>
+            <a:bodyPr lIns="180000" tIns="252000" rIns="180000" rtlCol="0" anchor="ctr"/>
+            <a:lstStyle>
+              <a:defPPr>
+                <a:defRPr lang="ko-KR"/>
+              </a:defPPr>
+              <a:lvl1pPr marL="0" algn="l" defTabSz="914400" rtl="0" eaLnBrk="1" latinLnBrk="1" hangingPunct="1">
+                <a:defRPr sz="1800" kern="1200">
+                  <a:solidFill>
+                    <a:schemeClr val="lt1"/>
+                  </a:solidFill>
+                  <a:latin typeface="+mn-lt"/>
+                  <a:ea typeface="+mn-ea"/>
+                  <a:cs typeface="+mn-cs"/>
+                </a:defRPr>
+              </a:lvl1pPr>
+              <a:lvl2pPr marL="457200" algn="l" defTabSz="914400" rtl="0" eaLnBrk="1" latinLnBrk="1" hangingPunct="1">
+                <a:defRPr sz="1800" kern="1200">
+                  <a:solidFill>
+                    <a:schemeClr val="lt1"/>
+                  </a:solidFill>
+                  <a:latin typeface="+mn-lt"/>
+                  <a:ea typeface="+mn-ea"/>
+                  <a:cs typeface="+mn-cs"/>
+                </a:defRPr>
+              </a:lvl2pPr>
+              <a:lvl3pPr marL="914400" algn="l" defTabSz="914400" rtl="0" eaLnBrk="1" latinLnBrk="1" hangingPunct="1">
+                <a:defRPr sz="1800" kern="1200">
+                  <a:solidFill>
+                    <a:schemeClr val="lt1"/>
+                  </a:solidFill>
+                  <a:latin typeface="+mn-lt"/>
+                  <a:ea typeface="+mn-ea"/>
+                  <a:cs typeface="+mn-cs"/>
+                </a:defRPr>
+              </a:lvl3pPr>
+              <a:lvl4pPr marL="1371600" algn="l" defTabSz="914400" rtl="0" eaLnBrk="1" latinLnBrk="1" hangingPunct="1">
+                <a:defRPr sz="1800" kern="1200">
+                  <a:solidFill>
+                    <a:schemeClr val="lt1"/>
+                  </a:solidFill>
+                  <a:latin typeface="+mn-lt"/>
+                  <a:ea typeface="+mn-ea"/>
+                  <a:cs typeface="+mn-cs"/>
+                </a:defRPr>
+              </a:lvl4pPr>
+              <a:lvl5pPr marL="1828800" algn="l" defTabSz="914400" rtl="0" eaLnBrk="1" latinLnBrk="1" hangingPunct="1">
+                <a:defRPr sz="1800" kern="1200">
+                  <a:solidFill>
+                    <a:schemeClr val="lt1"/>
+                  </a:solidFill>
+                  <a:latin typeface="+mn-lt"/>
+                  <a:ea typeface="+mn-ea"/>
+                  <a:cs typeface="+mn-cs"/>
+                </a:defRPr>
+              </a:lvl5pPr>
+              <a:lvl6pPr marL="2286000" algn="l" defTabSz="914400" rtl="0" eaLnBrk="1" latinLnBrk="1" hangingPunct="1">
+                <a:defRPr sz="1800" kern="1200">
+                  <a:solidFill>
+                    <a:schemeClr val="lt1"/>
+                  </a:solidFill>
+                  <a:latin typeface="+mn-lt"/>
+                  <a:ea typeface="+mn-ea"/>
+                  <a:cs typeface="+mn-cs"/>
+                </a:defRPr>
+              </a:lvl6pPr>
+              <a:lvl7pPr marL="2743200" algn="l" defTabSz="914400" rtl="0" eaLnBrk="1" latinLnBrk="1" hangingPunct="1">
+                <a:defRPr sz="1800" kern="1200">
+                  <a:solidFill>
+                    <a:schemeClr val="lt1"/>
+                  </a:solidFill>
+                  <a:latin typeface="+mn-lt"/>
+                  <a:ea typeface="+mn-ea"/>
+                  <a:cs typeface="+mn-cs"/>
+                </a:defRPr>
+              </a:lvl7pPr>
+              <a:lvl8pPr marL="3200400" algn="l" defTabSz="914400" rtl="0" eaLnBrk="1" latinLnBrk="1" hangingPunct="1">
+                <a:defRPr sz="1800" kern="1200">
+                  <a:solidFill>
+                    <a:schemeClr val="lt1"/>
+                  </a:solidFill>
+                  <a:latin typeface="+mn-lt"/>
+                  <a:ea typeface="+mn-ea"/>
+                  <a:cs typeface="+mn-cs"/>
+                </a:defRPr>
+              </a:lvl8pPr>
+              <a:lvl9pPr marL="3657600" algn="l" defTabSz="914400" rtl="0" eaLnBrk="1" latinLnBrk="1" hangingPunct="1">
+                <a:defRPr sz="1800" kern="1200">
+                  <a:solidFill>
+                    <a:schemeClr val="lt1"/>
+                  </a:solidFill>
+                  <a:latin typeface="+mn-lt"/>
+                  <a:ea typeface="+mn-ea"/>
+                  <a:cs typeface="+mn-cs"/>
+                </a:defRPr>
+              </a:lvl9pPr>
+            </a:lstStyle>
+            <a:p>
+              <a:pPr>
+                <a:lnSpc>
+                  <a:spcPts val="2500"/>
+                </a:lnSpc>
+              </a:pPr>
+              <a:r>
+                <a:rPr lang="ko-KR" altLang="en-US" dirty="0">
+                  <a:solidFill>
+                    <a:sysClr val="windowText" lastClr="000000"/>
+                  </a:solidFill>
+                </a:rPr>
+                <a:t>간단한 문서작업이나 인터넷 서핑</a:t>
+              </a:r>
+              <a:r>
+                <a:rPr lang="en-US" altLang="ko-KR" dirty="0">
+                  <a:solidFill>
+                    <a:sysClr val="windowText" lastClr="000000"/>
+                  </a:solidFill>
+                </a:rPr>
+                <a:t>, </a:t>
+              </a:r>
+              <a:r>
+                <a:rPr lang="ko-KR" altLang="en-US" dirty="0">
+                  <a:solidFill>
+                    <a:sysClr val="windowText" lastClr="000000"/>
+                  </a:solidFill>
+                </a:rPr>
+                <a:t>게임 등 단순한 목적으로 사용되었던 것과 달리 요즘 컴퓨터는 스트리밍부터 그래픽작업</a:t>
+              </a:r>
+              <a:r>
+                <a:rPr lang="en-US" altLang="ko-KR" dirty="0">
+                  <a:solidFill>
+                    <a:sysClr val="windowText" lastClr="000000"/>
+                  </a:solidFill>
+                </a:rPr>
+                <a:t>,</a:t>
+              </a:r>
+              <a:r>
+                <a:rPr lang="ko-KR" altLang="en-US" dirty="0">
+                  <a:solidFill>
+                    <a:sysClr val="windowText" lastClr="000000"/>
+                  </a:solidFill>
+                </a:rPr>
+                <a:t> 작곡</a:t>
+              </a:r>
+              <a:r>
+                <a:rPr lang="en-US" altLang="ko-KR" dirty="0">
+                  <a:solidFill>
+                    <a:sysClr val="windowText" lastClr="000000"/>
+                  </a:solidFill>
+                </a:rPr>
+                <a:t>/</a:t>
+              </a:r>
+              <a:r>
+                <a:rPr lang="ko-KR" altLang="en-US" dirty="0">
+                  <a:solidFill>
+                    <a:sysClr val="windowText" lastClr="000000"/>
+                  </a:solidFill>
+                </a:rPr>
+                <a:t>영상작업</a:t>
+              </a:r>
+              <a:r>
+                <a:rPr lang="en-US" altLang="ko-KR" dirty="0">
+                  <a:solidFill>
+                    <a:sysClr val="windowText" lastClr="000000"/>
+                  </a:solidFill>
+                </a:rPr>
+                <a:t>, </a:t>
+              </a:r>
+              <a:r>
+                <a:rPr lang="ko-KR" altLang="en-US" dirty="0">
+                  <a:solidFill>
+                    <a:sysClr val="windowText" lastClr="000000"/>
+                  </a:solidFill>
+                </a:rPr>
+                <a:t>개인방송</a:t>
+              </a:r>
+              <a:r>
+                <a:rPr lang="en-US" altLang="ko-KR" dirty="0">
+                  <a:solidFill>
+                    <a:sysClr val="windowText" lastClr="000000"/>
+                  </a:solidFill>
+                </a:rPr>
+                <a:t>, </a:t>
+              </a:r>
+              <a:r>
+                <a:rPr lang="ko-KR" altLang="en-US" dirty="0">
+                  <a:solidFill>
+                    <a:sysClr val="windowText" lastClr="000000"/>
+                  </a:solidFill>
+                </a:rPr>
+                <a:t>서버구축 등의 다양한 목적으로 사용된다</a:t>
+              </a:r>
+              <a:endParaRPr lang="en-US" altLang="ko-KR" dirty="0">
+                <a:solidFill>
+                  <a:sysClr val="windowText" lastClr="000000"/>
+                </a:solidFill>
+              </a:endParaRPr>
+            </a:p>
+            <a:p>
+              <a:pPr>
+                <a:lnSpc>
+                  <a:spcPts val="2500"/>
+                </a:lnSpc>
+              </a:pPr>
+              <a:endParaRPr lang="en-US" altLang="ko-KR" dirty="0">
+                <a:solidFill>
+                  <a:sysClr val="windowText" lastClr="000000"/>
+                </a:solidFill>
+              </a:endParaRPr>
+            </a:p>
+            <a:p>
+              <a:pPr>
+                <a:lnSpc>
+                  <a:spcPts val="2500"/>
+                </a:lnSpc>
+              </a:pPr>
+              <a:r>
+                <a:rPr lang="ko-KR" altLang="en-US" dirty="0">
+                  <a:solidFill>
+                    <a:sysClr val="windowText" lastClr="000000"/>
+                  </a:solidFill>
+                </a:rPr>
+                <a:t>이렇게 개인이 컴퓨터로 할 수 있는 범위가 넓어짐에 따라 본인이 원하는 사양의 컴퓨터를 찾는 수요도 증가하였다</a:t>
+              </a:r>
+              <a:endParaRPr lang="en-US" altLang="ko-KR" dirty="0">
+                <a:solidFill>
+                  <a:sysClr val="windowText" lastClr="000000"/>
+                </a:solidFill>
+              </a:endParaRPr>
+            </a:p>
+            <a:p>
+              <a:pPr>
+                <a:lnSpc>
+                  <a:spcPts val="2500"/>
+                </a:lnSpc>
+              </a:pPr>
+              <a:endParaRPr lang="en-US" altLang="ko-KR" dirty="0">
+                <a:solidFill>
+                  <a:sysClr val="windowText" lastClr="000000"/>
+                </a:solidFill>
+              </a:endParaRPr>
+            </a:p>
+            <a:p>
+              <a:pPr>
+                <a:lnSpc>
+                  <a:spcPts val="2500"/>
+                </a:lnSpc>
+              </a:pPr>
+              <a:r>
+                <a:rPr lang="ko-KR" altLang="en-US" dirty="0">
+                  <a:solidFill>
+                    <a:sysClr val="windowText" lastClr="000000"/>
+                  </a:solidFill>
+                </a:rPr>
+                <a:t>보통 사람들이 구매하는 컴퓨터는 한 회사에서 </a:t>
+              </a:r>
+              <a:r>
+                <a:rPr lang="en-US" altLang="ko-KR" dirty="0">
+                  <a:solidFill>
+                    <a:sysClr val="windowText" lastClr="000000"/>
+                  </a:solidFill>
+                </a:rPr>
+                <a:t>PC </a:t>
+              </a:r>
+              <a:r>
+                <a:rPr lang="ko-KR" altLang="en-US" dirty="0">
+                  <a:solidFill>
+                    <a:sysClr val="windowText" lastClr="000000"/>
+                  </a:solidFill>
+                </a:rPr>
+                <a:t>부품들을 대량 구입해서 조립하고 최적화한 뒤 나오는 완제품으로 사양이 제한적이다</a:t>
+              </a:r>
+              <a:endParaRPr lang="en-US" altLang="ko-KR" dirty="0">
+                <a:solidFill>
+                  <a:sysClr val="windowText" lastClr="000000"/>
+                </a:solidFill>
+              </a:endParaRPr>
+            </a:p>
+            <a:p>
+              <a:pPr>
+                <a:lnSpc>
+                  <a:spcPts val="2500"/>
+                </a:lnSpc>
+              </a:pPr>
+              <a:endParaRPr lang="en-US" altLang="ko-KR" dirty="0">
+                <a:solidFill>
+                  <a:sysClr val="windowText" lastClr="000000"/>
+                </a:solidFill>
+              </a:endParaRPr>
+            </a:p>
+            <a:p>
+              <a:pPr>
+                <a:lnSpc>
+                  <a:spcPts val="2500"/>
+                </a:lnSpc>
+              </a:pPr>
+              <a:r>
+                <a:rPr lang="ko-KR" altLang="en-US" dirty="0">
+                  <a:solidFill>
+                    <a:sysClr val="windowText" lastClr="000000"/>
+                  </a:solidFill>
+                </a:rPr>
+                <a:t>그러나 조립</a:t>
+              </a:r>
+              <a:r>
+                <a:rPr lang="en-US" altLang="ko-KR" dirty="0">
+                  <a:solidFill>
+                    <a:sysClr val="windowText" lastClr="000000"/>
+                  </a:solidFill>
+                </a:rPr>
+                <a:t>PC</a:t>
+              </a:r>
+              <a:r>
+                <a:rPr lang="ko-KR" altLang="en-US" dirty="0">
+                  <a:solidFill>
+                    <a:sysClr val="windowText" lastClr="000000"/>
+                  </a:solidFill>
+                </a:rPr>
+                <a:t>는 자신이 원하는 부품 선택이 가능할 뿐만 아니라 사양 또한 자유로운 선택이 가능하여 본인에게 가장 적합한 스타일의 컴퓨터를 소유할 수 있는 기회를 제공한다</a:t>
+              </a:r>
+              <a:endParaRPr lang="en-US" altLang="ko-KR" dirty="0">
+                <a:solidFill>
+                  <a:sysClr val="windowText" lastClr="000000"/>
+                </a:solidFill>
+              </a:endParaRPr>
+            </a:p>
+            <a:p>
+              <a:pPr algn="ctr"/>
+              <a:endParaRPr lang="ko-KR" altLang="en-US" dirty="0">
+                <a:solidFill>
+                  <a:prstClr val="white"/>
+                </a:solidFill>
+              </a:endParaRPr>
+            </a:p>
+          </p:txBody>
+        </p:sp>
+        <p:sp>
+          <p:nvSpPr>
+            <p:cNvPr id="18" name="직사각형 17">
+              <a:extLst>
+                <a:ext uri="{FF2B5EF4-FFF2-40B4-BE49-F238E27FC236}">
+                  <a16:creationId xmlns:a16="http://schemas.microsoft.com/office/drawing/2014/main" id="{23733CDF-23B8-4E73-B4EE-301AFD9433DD}"/>
+                </a:ext>
+              </a:extLst>
+            </p:cNvPr>
+            <p:cNvSpPr/>
+            <p:nvPr/>
+          </p:nvSpPr>
+          <p:spPr>
+            <a:xfrm>
+              <a:off x="16128672" y="830761"/>
+              <a:ext cx="288001" cy="36001"/>
+            </a:xfrm>
+            <a:prstGeom prst="rect">
+              <a:avLst/>
+            </a:prstGeom>
+            <a:solidFill>
+              <a:schemeClr val="tx1">
+                <a:lumMod val="75000"/>
+                <a:lumOff val="25000"/>
+              </a:schemeClr>
+            </a:solidFill>
+            <a:ln w="19050">
+              <a:noFill/>
+            </a:ln>
+          </p:spPr>
+          <p:style>
+            <a:lnRef idx="2">
+              <a:schemeClr val="accent1">
+                <a:shade val="50000"/>
+              </a:schemeClr>
+            </a:lnRef>
+            <a:fillRef idx="1">
+              <a:schemeClr val="accent1"/>
+            </a:fillRef>
+            <a:effectRef idx="0">
+              <a:schemeClr val="accent1"/>
+            </a:effectRef>
+            <a:fontRef idx="minor">
+              <a:schemeClr val="lt1"/>
+            </a:fontRef>
+          </p:style>
+          <p:txBody>
+            <a:bodyPr rtlCol="0" anchor="ctr"/>
+            <a:lstStyle>
+              <a:defPPr>
+                <a:defRPr lang="ko-KR"/>
+              </a:defPPr>
+              <a:lvl1pPr marL="0" algn="l" defTabSz="914400" rtl="0" eaLnBrk="1" latinLnBrk="1" hangingPunct="1">
+                <a:defRPr sz="1800" kern="1200">
+                  <a:solidFill>
+                    <a:schemeClr val="lt1"/>
+                  </a:solidFill>
+                  <a:latin typeface="+mn-lt"/>
+                  <a:ea typeface="+mn-ea"/>
+                  <a:cs typeface="+mn-cs"/>
+                </a:defRPr>
+              </a:lvl1pPr>
+              <a:lvl2pPr marL="457200" algn="l" defTabSz="914400" rtl="0" eaLnBrk="1" latinLnBrk="1" hangingPunct="1">
+                <a:defRPr sz="1800" kern="1200">
+                  <a:solidFill>
+                    <a:schemeClr val="lt1"/>
+                  </a:solidFill>
+                  <a:latin typeface="+mn-lt"/>
+                  <a:ea typeface="+mn-ea"/>
+                  <a:cs typeface="+mn-cs"/>
+                </a:defRPr>
+              </a:lvl2pPr>
+              <a:lvl3pPr marL="914400" algn="l" defTabSz="914400" rtl="0" eaLnBrk="1" latinLnBrk="1" hangingPunct="1">
+                <a:defRPr sz="1800" kern="1200">
+                  <a:solidFill>
+                    <a:schemeClr val="lt1"/>
+                  </a:solidFill>
+                  <a:latin typeface="+mn-lt"/>
+                  <a:ea typeface="+mn-ea"/>
+                  <a:cs typeface="+mn-cs"/>
+                </a:defRPr>
+              </a:lvl3pPr>
+              <a:lvl4pPr marL="1371600" algn="l" defTabSz="914400" rtl="0" eaLnBrk="1" latinLnBrk="1" hangingPunct="1">
+                <a:defRPr sz="1800" kern="1200">
+                  <a:solidFill>
+                    <a:schemeClr val="lt1"/>
+                  </a:solidFill>
+                  <a:latin typeface="+mn-lt"/>
+                  <a:ea typeface="+mn-ea"/>
+                  <a:cs typeface="+mn-cs"/>
+                </a:defRPr>
+              </a:lvl4pPr>
+              <a:lvl5pPr marL="1828800" algn="l" defTabSz="914400" rtl="0" eaLnBrk="1" latinLnBrk="1" hangingPunct="1">
+                <a:defRPr sz="1800" kern="1200">
+                  <a:solidFill>
+                    <a:schemeClr val="lt1"/>
+                  </a:solidFill>
+                  <a:latin typeface="+mn-lt"/>
+                  <a:ea typeface="+mn-ea"/>
+                  <a:cs typeface="+mn-cs"/>
+                </a:defRPr>
+              </a:lvl5pPr>
+              <a:lvl6pPr marL="2286000" algn="l" defTabSz="914400" rtl="0" eaLnBrk="1" latinLnBrk="1" hangingPunct="1">
+                <a:defRPr sz="1800" kern="1200">
+                  <a:solidFill>
+                    <a:schemeClr val="lt1"/>
+                  </a:solidFill>
+                  <a:latin typeface="+mn-lt"/>
+                  <a:ea typeface="+mn-ea"/>
+                  <a:cs typeface="+mn-cs"/>
+                </a:defRPr>
+              </a:lvl6pPr>
+              <a:lvl7pPr marL="2743200" algn="l" defTabSz="914400" rtl="0" eaLnBrk="1" latinLnBrk="1" hangingPunct="1">
+                <a:defRPr sz="1800" kern="1200">
+                  <a:solidFill>
+                    <a:schemeClr val="lt1"/>
+                  </a:solidFill>
+                  <a:latin typeface="+mn-lt"/>
+                  <a:ea typeface="+mn-ea"/>
+                  <a:cs typeface="+mn-cs"/>
+                </a:defRPr>
+              </a:lvl7pPr>
+              <a:lvl8pPr marL="3200400" algn="l" defTabSz="914400" rtl="0" eaLnBrk="1" latinLnBrk="1" hangingPunct="1">
+                <a:defRPr sz="1800" kern="1200">
+                  <a:solidFill>
+                    <a:schemeClr val="lt1"/>
+                  </a:solidFill>
+                  <a:latin typeface="+mn-lt"/>
+                  <a:ea typeface="+mn-ea"/>
+                  <a:cs typeface="+mn-cs"/>
+                </a:defRPr>
+              </a:lvl8pPr>
+              <a:lvl9pPr marL="3657600" algn="l" defTabSz="914400" rtl="0" eaLnBrk="1" latinLnBrk="1" hangingPunct="1">
+                <a:defRPr sz="1800" kern="1200">
+                  <a:solidFill>
+                    <a:schemeClr val="lt1"/>
+                  </a:solidFill>
+                  <a:latin typeface="+mn-lt"/>
+                  <a:ea typeface="+mn-ea"/>
+                  <a:cs typeface="+mn-cs"/>
+                </a:defRPr>
+              </a:lvl9pPr>
+            </a:lstStyle>
+            <a:p>
+              <a:endParaRPr lang="en-US" altLang="ko-KR" sz="2800" dirty="0">
+                <a:solidFill>
+                  <a:prstClr val="black">
+                    <a:lumMod val="75000"/>
+                    <a:lumOff val="25000"/>
+                  </a:prstClr>
+                </a:solidFill>
+                <a:latin typeface="야놀자 야체 B" panose="02020603020101020101" pitchFamily="18" charset="-127"/>
+                <a:ea typeface="야놀자 야체 B" panose="02020603020101020101" pitchFamily="18" charset="-127"/>
+              </a:endParaRPr>
+            </a:p>
+          </p:txBody>
+        </p:sp>
+        <p:sp>
+          <p:nvSpPr>
+            <p:cNvPr id="19" name="직사각형 18">
+              <a:extLst>
+                <a:ext uri="{FF2B5EF4-FFF2-40B4-BE49-F238E27FC236}">
+                  <a16:creationId xmlns:a16="http://schemas.microsoft.com/office/drawing/2014/main" id="{0F83D668-7F65-4A56-BB58-D3605992B6AC}"/>
+                </a:ext>
+              </a:extLst>
+            </p:cNvPr>
+            <p:cNvSpPr/>
+            <p:nvPr/>
+          </p:nvSpPr>
+          <p:spPr>
+            <a:xfrm>
+              <a:off x="16731127" y="540662"/>
+              <a:ext cx="288001" cy="288000"/>
+            </a:xfrm>
+            <a:prstGeom prst="rect">
+              <a:avLst/>
+            </a:prstGeom>
+            <a:solidFill>
+              <a:srgbClr val="DFDCD3"/>
+            </a:solidFill>
+            <a:ln w="19050">
+              <a:solidFill>
+                <a:schemeClr val="tx1">
+                  <a:lumMod val="75000"/>
+                  <a:lumOff val="25000"/>
+                </a:schemeClr>
+              </a:solidFill>
+            </a:ln>
+          </p:spPr>
+          <p:style>
+            <a:lnRef idx="2">
+              <a:schemeClr val="accent1">
+                <a:shade val="50000"/>
+              </a:schemeClr>
+            </a:lnRef>
+            <a:fillRef idx="1">
+              <a:schemeClr val="accent1"/>
+            </a:fillRef>
+            <a:effectRef idx="0">
+              <a:schemeClr val="accent1"/>
+            </a:effectRef>
+            <a:fontRef idx="minor">
+              <a:schemeClr val="lt1"/>
+            </a:fontRef>
+          </p:style>
+          <p:txBody>
+            <a:bodyPr rtlCol="0" anchor="ctr"/>
+            <a:lstStyle>
+              <a:defPPr>
+                <a:defRPr lang="ko-KR"/>
+              </a:defPPr>
+              <a:lvl1pPr marL="0" algn="l" defTabSz="914400" rtl="0" eaLnBrk="1" latinLnBrk="1" hangingPunct="1">
+                <a:defRPr sz="1800" kern="1200">
+                  <a:solidFill>
+                    <a:schemeClr val="lt1"/>
+                  </a:solidFill>
+                  <a:latin typeface="+mn-lt"/>
+                  <a:ea typeface="+mn-ea"/>
+                  <a:cs typeface="+mn-cs"/>
+                </a:defRPr>
+              </a:lvl1pPr>
+              <a:lvl2pPr marL="457200" algn="l" defTabSz="914400" rtl="0" eaLnBrk="1" latinLnBrk="1" hangingPunct="1">
+                <a:defRPr sz="1800" kern="1200">
+                  <a:solidFill>
+                    <a:schemeClr val="lt1"/>
+                  </a:solidFill>
+                  <a:latin typeface="+mn-lt"/>
+                  <a:ea typeface="+mn-ea"/>
+                  <a:cs typeface="+mn-cs"/>
+                </a:defRPr>
+              </a:lvl2pPr>
+              <a:lvl3pPr marL="914400" algn="l" defTabSz="914400" rtl="0" eaLnBrk="1" latinLnBrk="1" hangingPunct="1">
+                <a:defRPr sz="1800" kern="1200">
+                  <a:solidFill>
+                    <a:schemeClr val="lt1"/>
+                  </a:solidFill>
+                  <a:latin typeface="+mn-lt"/>
+                  <a:ea typeface="+mn-ea"/>
+                  <a:cs typeface="+mn-cs"/>
+                </a:defRPr>
+              </a:lvl3pPr>
+              <a:lvl4pPr marL="1371600" algn="l" defTabSz="914400" rtl="0" eaLnBrk="1" latinLnBrk="1" hangingPunct="1">
+                <a:defRPr sz="1800" kern="1200">
+                  <a:solidFill>
+                    <a:schemeClr val="lt1"/>
+                  </a:solidFill>
+                  <a:latin typeface="+mn-lt"/>
+                  <a:ea typeface="+mn-ea"/>
+                  <a:cs typeface="+mn-cs"/>
+                </a:defRPr>
+              </a:lvl4pPr>
+              <a:lvl5pPr marL="1828800" algn="l" defTabSz="914400" rtl="0" eaLnBrk="1" latinLnBrk="1" hangingPunct="1">
+                <a:defRPr sz="1800" kern="1200">
+                  <a:solidFill>
+                    <a:schemeClr val="lt1"/>
+                  </a:solidFill>
+                  <a:latin typeface="+mn-lt"/>
+                  <a:ea typeface="+mn-ea"/>
+                  <a:cs typeface="+mn-cs"/>
+                </a:defRPr>
+              </a:lvl5pPr>
+              <a:lvl6pPr marL="2286000" algn="l" defTabSz="914400" rtl="0" eaLnBrk="1" latinLnBrk="1" hangingPunct="1">
+                <a:defRPr sz="1800" kern="1200">
+                  <a:solidFill>
+                    <a:schemeClr val="lt1"/>
+                  </a:solidFill>
+                  <a:latin typeface="+mn-lt"/>
+                  <a:ea typeface="+mn-ea"/>
+                  <a:cs typeface="+mn-cs"/>
+                </a:defRPr>
+              </a:lvl6pPr>
+              <a:lvl7pPr marL="2743200" algn="l" defTabSz="914400" rtl="0" eaLnBrk="1" latinLnBrk="1" hangingPunct="1">
+                <a:defRPr sz="1800" kern="1200">
+                  <a:solidFill>
+                    <a:schemeClr val="lt1"/>
+                  </a:solidFill>
+                  <a:latin typeface="+mn-lt"/>
+                  <a:ea typeface="+mn-ea"/>
+                  <a:cs typeface="+mn-cs"/>
+                </a:defRPr>
+              </a:lvl7pPr>
+              <a:lvl8pPr marL="3200400" algn="l" defTabSz="914400" rtl="0" eaLnBrk="1" latinLnBrk="1" hangingPunct="1">
+                <a:defRPr sz="1800" kern="1200">
+                  <a:solidFill>
+                    <a:schemeClr val="lt1"/>
+                  </a:solidFill>
+                  <a:latin typeface="+mn-lt"/>
+                  <a:ea typeface="+mn-ea"/>
+                  <a:cs typeface="+mn-cs"/>
+                </a:defRPr>
+              </a:lvl8pPr>
+              <a:lvl9pPr marL="3657600" algn="l" defTabSz="914400" rtl="0" eaLnBrk="1" latinLnBrk="1" hangingPunct="1">
+                <a:defRPr sz="1800" kern="1200">
+                  <a:solidFill>
+                    <a:schemeClr val="lt1"/>
+                  </a:solidFill>
+                  <a:latin typeface="+mn-lt"/>
+                  <a:ea typeface="+mn-ea"/>
+                  <a:cs typeface="+mn-cs"/>
+                </a:defRPr>
+              </a:lvl9pPr>
+            </a:lstStyle>
+            <a:p>
+              <a:endParaRPr lang="en-US" altLang="ko-KR" sz="2800" dirty="0">
+                <a:solidFill>
+                  <a:prstClr val="black">
+                    <a:lumMod val="75000"/>
+                    <a:lumOff val="25000"/>
+                  </a:prstClr>
+                </a:solidFill>
+                <a:latin typeface="야놀자 야체 B" panose="02020603020101020101" pitchFamily="18" charset="-127"/>
+                <a:ea typeface="야놀자 야체 B" panose="02020603020101020101" pitchFamily="18" charset="-127"/>
+              </a:endParaRPr>
+            </a:p>
+          </p:txBody>
+        </p:sp>
+        <p:sp>
+          <p:nvSpPr>
+            <p:cNvPr id="20" name="직사각형 19">
+              <a:extLst>
+                <a:ext uri="{FF2B5EF4-FFF2-40B4-BE49-F238E27FC236}">
+                  <a16:creationId xmlns:a16="http://schemas.microsoft.com/office/drawing/2014/main" id="{353DEC10-1014-4E02-A1E3-81F7703FD3CA}"/>
+                </a:ext>
+              </a:extLst>
+            </p:cNvPr>
+            <p:cNvSpPr/>
+            <p:nvPr/>
+          </p:nvSpPr>
+          <p:spPr>
+            <a:xfrm>
+              <a:off x="16681705" y="593562"/>
+              <a:ext cx="288001" cy="288000"/>
+            </a:xfrm>
+            <a:prstGeom prst="rect">
+              <a:avLst/>
+            </a:prstGeom>
+            <a:solidFill>
+              <a:srgbClr val="DFDCD3"/>
+            </a:solidFill>
+            <a:ln w="19050">
+              <a:solidFill>
+                <a:schemeClr val="tx1">
+                  <a:lumMod val="75000"/>
+                  <a:lumOff val="25000"/>
+                </a:schemeClr>
+              </a:solidFill>
+            </a:ln>
+          </p:spPr>
+          <p:style>
+            <a:lnRef idx="2">
+              <a:schemeClr val="accent1">
+                <a:shade val="50000"/>
+              </a:schemeClr>
+            </a:lnRef>
+            <a:fillRef idx="1">
+              <a:schemeClr val="accent1"/>
+            </a:fillRef>
+            <a:effectRef idx="0">
+              <a:schemeClr val="accent1"/>
+            </a:effectRef>
+            <a:fontRef idx="minor">
+              <a:schemeClr val="lt1"/>
+            </a:fontRef>
+          </p:style>
+          <p:txBody>
+            <a:bodyPr rtlCol="0" anchor="ctr"/>
+            <a:lstStyle>
+              <a:defPPr>
+                <a:defRPr lang="ko-KR"/>
+              </a:defPPr>
+              <a:lvl1pPr marL="0" algn="l" defTabSz="914400" rtl="0" eaLnBrk="1" latinLnBrk="1" hangingPunct="1">
+                <a:defRPr sz="1800" kern="1200">
+                  <a:solidFill>
+                    <a:schemeClr val="lt1"/>
+                  </a:solidFill>
+                  <a:latin typeface="+mn-lt"/>
+                  <a:ea typeface="+mn-ea"/>
+                  <a:cs typeface="+mn-cs"/>
+                </a:defRPr>
+              </a:lvl1pPr>
+              <a:lvl2pPr marL="457200" algn="l" defTabSz="914400" rtl="0" eaLnBrk="1" latinLnBrk="1" hangingPunct="1">
+                <a:defRPr sz="1800" kern="1200">
+                  <a:solidFill>
+                    <a:schemeClr val="lt1"/>
+                  </a:solidFill>
+                  <a:latin typeface="+mn-lt"/>
+                  <a:ea typeface="+mn-ea"/>
+                  <a:cs typeface="+mn-cs"/>
+                </a:defRPr>
+              </a:lvl2pPr>
+              <a:lvl3pPr marL="914400" algn="l" defTabSz="914400" rtl="0" eaLnBrk="1" latinLnBrk="1" hangingPunct="1">
+                <a:defRPr sz="1800" kern="1200">
+                  <a:solidFill>
+                    <a:schemeClr val="lt1"/>
+                  </a:solidFill>
+                  <a:latin typeface="+mn-lt"/>
+                  <a:ea typeface="+mn-ea"/>
+                  <a:cs typeface="+mn-cs"/>
+                </a:defRPr>
+              </a:lvl3pPr>
+              <a:lvl4pPr marL="1371600" algn="l" defTabSz="914400" rtl="0" eaLnBrk="1" latinLnBrk="1" hangingPunct="1">
+                <a:defRPr sz="1800" kern="1200">
+                  <a:solidFill>
+                    <a:schemeClr val="lt1"/>
+                  </a:solidFill>
+                  <a:latin typeface="+mn-lt"/>
+                  <a:ea typeface="+mn-ea"/>
+                  <a:cs typeface="+mn-cs"/>
+                </a:defRPr>
+              </a:lvl4pPr>
+              <a:lvl5pPr marL="1828800" algn="l" defTabSz="914400" rtl="0" eaLnBrk="1" latinLnBrk="1" hangingPunct="1">
+                <a:defRPr sz="1800" kern="1200">
+                  <a:solidFill>
+                    <a:schemeClr val="lt1"/>
+                  </a:solidFill>
+                  <a:latin typeface="+mn-lt"/>
+                  <a:ea typeface="+mn-ea"/>
+                  <a:cs typeface="+mn-cs"/>
+                </a:defRPr>
+              </a:lvl5pPr>
+              <a:lvl6pPr marL="2286000" algn="l" defTabSz="914400" rtl="0" eaLnBrk="1" latinLnBrk="1" hangingPunct="1">
+                <a:defRPr sz="1800" kern="1200">
+                  <a:solidFill>
+                    <a:schemeClr val="lt1"/>
+                  </a:solidFill>
+                  <a:latin typeface="+mn-lt"/>
+                  <a:ea typeface="+mn-ea"/>
+                  <a:cs typeface="+mn-cs"/>
+                </a:defRPr>
+              </a:lvl6pPr>
+              <a:lvl7pPr marL="2743200" algn="l" defTabSz="914400" rtl="0" eaLnBrk="1" latinLnBrk="1" hangingPunct="1">
+                <a:defRPr sz="1800" kern="1200">
+                  <a:solidFill>
+                    <a:schemeClr val="lt1"/>
+                  </a:solidFill>
+                  <a:latin typeface="+mn-lt"/>
+                  <a:ea typeface="+mn-ea"/>
+                  <a:cs typeface="+mn-cs"/>
+                </a:defRPr>
+              </a:lvl7pPr>
+              <a:lvl8pPr marL="3200400" algn="l" defTabSz="914400" rtl="0" eaLnBrk="1" latinLnBrk="1" hangingPunct="1">
+                <a:defRPr sz="1800" kern="1200">
+                  <a:solidFill>
+                    <a:schemeClr val="lt1"/>
+                  </a:solidFill>
+                  <a:latin typeface="+mn-lt"/>
+                  <a:ea typeface="+mn-ea"/>
+                  <a:cs typeface="+mn-cs"/>
+                </a:defRPr>
+              </a:lvl8pPr>
+              <a:lvl9pPr marL="3657600" algn="l" defTabSz="914400" rtl="0" eaLnBrk="1" latinLnBrk="1" hangingPunct="1">
+                <a:defRPr sz="1800" kern="1200">
+                  <a:solidFill>
+                    <a:schemeClr val="lt1"/>
+                  </a:solidFill>
+                  <a:latin typeface="+mn-lt"/>
+                  <a:ea typeface="+mn-ea"/>
+                  <a:cs typeface="+mn-cs"/>
+                </a:defRPr>
+              </a:lvl9pPr>
+            </a:lstStyle>
+            <a:p>
+              <a:endParaRPr lang="en-US" altLang="ko-KR" sz="2800" dirty="0">
+                <a:solidFill>
+                  <a:prstClr val="black">
+                    <a:lumMod val="75000"/>
+                    <a:lumOff val="25000"/>
+                  </a:prstClr>
+                </a:solidFill>
+                <a:latin typeface="야놀자 야체 B" panose="02020603020101020101" pitchFamily="18" charset="-127"/>
+                <a:ea typeface="야놀자 야체 B" panose="02020603020101020101" pitchFamily="18" charset="-127"/>
+              </a:endParaRPr>
+            </a:p>
+          </p:txBody>
+        </p:sp>
+        <p:grpSp>
+          <p:nvGrpSpPr>
+            <p:cNvPr id="21" name="그룹 20">
+              <a:extLst>
+                <a:ext uri="{FF2B5EF4-FFF2-40B4-BE49-F238E27FC236}">
+                  <a16:creationId xmlns:a16="http://schemas.microsoft.com/office/drawing/2014/main" id="{1254A046-9E8D-4CDB-A230-CA297F8BCFC9}"/>
+                </a:ext>
+              </a:extLst>
+            </p:cNvPr>
+            <p:cNvGrpSpPr/>
+            <p:nvPr/>
+          </p:nvGrpSpPr>
+          <p:grpSpPr>
+            <a:xfrm>
+              <a:off x="17241458" y="494605"/>
+              <a:ext cx="447684" cy="447675"/>
+              <a:chOff x="14912323" y="597474"/>
+              <a:chExt cx="288003" cy="288000"/>
+            </a:xfrm>
+          </p:grpSpPr>
+          <p:sp>
+            <p:nvSpPr>
+              <p:cNvPr id="22" name="직사각형 21">
+                <a:extLst>
+                  <a:ext uri="{FF2B5EF4-FFF2-40B4-BE49-F238E27FC236}">
+                    <a16:creationId xmlns:a16="http://schemas.microsoft.com/office/drawing/2014/main" id="{51CC6AEA-B2EB-46C7-9FF4-C86E047A6FD9}"/>
+                  </a:ext>
+                </a:extLst>
+              </p:cNvPr>
+              <p:cNvSpPr/>
+              <p:nvPr/>
+            </p:nvSpPr>
+            <p:spPr>
+              <a:xfrm rot="2700000">
+                <a:off x="14912314" y="732474"/>
+                <a:ext cx="288000" cy="18000"/>
+              </a:xfrm>
+              <a:prstGeom prst="rect">
+                <a:avLst/>
+              </a:prstGeom>
+              <a:solidFill>
+                <a:schemeClr val="tx1">
+                  <a:lumMod val="75000"/>
+                  <a:lumOff val="25000"/>
+                </a:schemeClr>
+              </a:solidFill>
+              <a:ln w="19050">
+                <a:noFill/>
+              </a:ln>
+            </p:spPr>
+            <p:style>
+              <a:lnRef idx="2">
+                <a:schemeClr val="accent1">
+                  <a:shade val="50000"/>
+                </a:schemeClr>
+              </a:lnRef>
+              <a:fillRef idx="1">
+                <a:schemeClr val="accent1"/>
+              </a:fillRef>
+              <a:effectRef idx="0">
+                <a:schemeClr val="accent1"/>
+              </a:effectRef>
+              <a:fontRef idx="minor">
+                <a:schemeClr val="lt1"/>
+              </a:fontRef>
+            </p:style>
+            <p:txBody>
+              <a:bodyPr rtlCol="0" anchor="ctr"/>
+              <a:lstStyle>
+                <a:defPPr>
+                  <a:defRPr lang="ko-KR"/>
+                </a:defPPr>
+                <a:lvl1pPr marL="0" algn="l" defTabSz="914400" rtl="0" eaLnBrk="1" latinLnBrk="1" hangingPunct="1">
+                  <a:defRPr sz="1800" kern="1200">
+                    <a:solidFill>
+                      <a:schemeClr val="lt1"/>
+                    </a:solidFill>
+                    <a:latin typeface="+mn-lt"/>
+                    <a:ea typeface="+mn-ea"/>
+                    <a:cs typeface="+mn-cs"/>
+                  </a:defRPr>
+                </a:lvl1pPr>
+                <a:lvl2pPr marL="457200" algn="l" defTabSz="914400" rtl="0" eaLnBrk="1" latinLnBrk="1" hangingPunct="1">
+                  <a:defRPr sz="1800" kern="1200">
+                    <a:solidFill>
+                      <a:schemeClr val="lt1"/>
+                    </a:solidFill>
+                    <a:latin typeface="+mn-lt"/>
+                    <a:ea typeface="+mn-ea"/>
+                    <a:cs typeface="+mn-cs"/>
+                  </a:defRPr>
+                </a:lvl2pPr>
+                <a:lvl3pPr marL="914400" algn="l" defTabSz="914400" rtl="0" eaLnBrk="1" latinLnBrk="1" hangingPunct="1">
+                  <a:defRPr sz="1800" kern="1200">
+                    <a:solidFill>
+                      <a:schemeClr val="lt1"/>
+                    </a:solidFill>
+                    <a:latin typeface="+mn-lt"/>
+                    <a:ea typeface="+mn-ea"/>
+                    <a:cs typeface="+mn-cs"/>
+                  </a:defRPr>
+                </a:lvl3pPr>
+                <a:lvl4pPr marL="1371600" algn="l" defTabSz="914400" rtl="0" eaLnBrk="1" latinLnBrk="1" hangingPunct="1">
+                  <a:defRPr sz="1800" kern="1200">
+                    <a:solidFill>
+                      <a:schemeClr val="lt1"/>
+                    </a:solidFill>
+                    <a:latin typeface="+mn-lt"/>
+                    <a:ea typeface="+mn-ea"/>
+                    <a:cs typeface="+mn-cs"/>
+                  </a:defRPr>
+                </a:lvl4pPr>
+                <a:lvl5pPr marL="1828800" algn="l" defTabSz="914400" rtl="0" eaLnBrk="1" latinLnBrk="1" hangingPunct="1">
+                  <a:defRPr sz="1800" kern="1200">
+                    <a:solidFill>
+                      <a:schemeClr val="lt1"/>
+                    </a:solidFill>
+                    <a:latin typeface="+mn-lt"/>
+                    <a:ea typeface="+mn-ea"/>
+                    <a:cs typeface="+mn-cs"/>
+                  </a:defRPr>
+                </a:lvl5pPr>
+                <a:lvl6pPr marL="2286000" algn="l" defTabSz="914400" rtl="0" eaLnBrk="1" latinLnBrk="1" hangingPunct="1">
+                  <a:defRPr sz="1800" kern="1200">
+                    <a:solidFill>
+                      <a:schemeClr val="lt1"/>
+                    </a:solidFill>
+                    <a:latin typeface="+mn-lt"/>
+                    <a:ea typeface="+mn-ea"/>
+                    <a:cs typeface="+mn-cs"/>
+                  </a:defRPr>
+                </a:lvl6pPr>
+                <a:lvl7pPr marL="2743200" algn="l" defTabSz="914400" rtl="0" eaLnBrk="1" latinLnBrk="1" hangingPunct="1">
+                  <a:defRPr sz="1800" kern="1200">
+                    <a:solidFill>
+                      <a:schemeClr val="lt1"/>
+                    </a:solidFill>
+                    <a:latin typeface="+mn-lt"/>
+                    <a:ea typeface="+mn-ea"/>
+                    <a:cs typeface="+mn-cs"/>
+                  </a:defRPr>
+                </a:lvl7pPr>
+                <a:lvl8pPr marL="3200400" algn="l" defTabSz="914400" rtl="0" eaLnBrk="1" latinLnBrk="1" hangingPunct="1">
+                  <a:defRPr sz="1800" kern="1200">
+                    <a:solidFill>
+                      <a:schemeClr val="lt1"/>
+                    </a:solidFill>
+                    <a:latin typeface="+mn-lt"/>
+                    <a:ea typeface="+mn-ea"/>
+                    <a:cs typeface="+mn-cs"/>
+                  </a:defRPr>
+                </a:lvl8pPr>
+                <a:lvl9pPr marL="3657600" algn="l" defTabSz="914400" rtl="0" eaLnBrk="1" latinLnBrk="1" hangingPunct="1">
+                  <a:defRPr sz="1800" kern="1200">
+                    <a:solidFill>
+                      <a:schemeClr val="lt1"/>
+                    </a:solidFill>
+                    <a:latin typeface="+mn-lt"/>
+                    <a:ea typeface="+mn-ea"/>
+                    <a:cs typeface="+mn-cs"/>
+                  </a:defRPr>
+                </a:lvl9pPr>
+              </a:lstStyle>
+              <a:p>
+                <a:endParaRPr lang="en-US" altLang="ko-KR" sz="2800" dirty="0">
+                  <a:solidFill>
+                    <a:prstClr val="black">
+                      <a:lumMod val="75000"/>
+                      <a:lumOff val="25000"/>
+                    </a:prstClr>
+                  </a:solidFill>
+                  <a:latin typeface="야놀자 야체 B" panose="02020603020101020101" pitchFamily="18" charset="-127"/>
+                  <a:ea typeface="야놀자 야체 B" panose="02020603020101020101" pitchFamily="18" charset="-127"/>
+                </a:endParaRPr>
+              </a:p>
+            </p:txBody>
+          </p:sp>
+          <p:sp>
+            <p:nvSpPr>
+              <p:cNvPr id="23" name="직사각형 22">
+                <a:extLst>
+                  <a:ext uri="{FF2B5EF4-FFF2-40B4-BE49-F238E27FC236}">
+                    <a16:creationId xmlns:a16="http://schemas.microsoft.com/office/drawing/2014/main" id="{28390161-6508-4D75-A800-D58EFAF7D348}"/>
+                  </a:ext>
+                </a:extLst>
+              </p:cNvPr>
+              <p:cNvSpPr/>
+              <p:nvPr/>
+            </p:nvSpPr>
+            <p:spPr>
+              <a:xfrm rot="18900000">
+                <a:off x="14912323" y="732481"/>
+                <a:ext cx="288003" cy="18000"/>
+              </a:xfrm>
+              <a:prstGeom prst="rect">
+                <a:avLst/>
+              </a:prstGeom>
+              <a:solidFill>
+                <a:schemeClr val="tx1">
+                  <a:lumMod val="75000"/>
+                  <a:lumOff val="25000"/>
+                </a:schemeClr>
+              </a:solidFill>
+              <a:ln w="19050">
+                <a:noFill/>
+              </a:ln>
+            </p:spPr>
+            <p:style>
+              <a:lnRef idx="2">
+                <a:schemeClr val="accent1">
+                  <a:shade val="50000"/>
+                </a:schemeClr>
+              </a:lnRef>
+              <a:fillRef idx="1">
+                <a:schemeClr val="accent1"/>
+              </a:fillRef>
+              <a:effectRef idx="0">
+                <a:schemeClr val="accent1"/>
+              </a:effectRef>
+              <a:fontRef idx="minor">
+                <a:schemeClr val="lt1"/>
+              </a:fontRef>
+            </p:style>
+            <p:txBody>
+              <a:bodyPr rtlCol="0" anchor="ctr"/>
+              <a:lstStyle>
+                <a:defPPr>
+                  <a:defRPr lang="ko-KR"/>
+                </a:defPPr>
+                <a:lvl1pPr marL="0" algn="l" defTabSz="914400" rtl="0" eaLnBrk="1" latinLnBrk="1" hangingPunct="1">
+                  <a:defRPr sz="1800" kern="1200">
+                    <a:solidFill>
+                      <a:schemeClr val="lt1"/>
+                    </a:solidFill>
+                    <a:latin typeface="+mn-lt"/>
+                    <a:ea typeface="+mn-ea"/>
+                    <a:cs typeface="+mn-cs"/>
+                  </a:defRPr>
+                </a:lvl1pPr>
+                <a:lvl2pPr marL="457200" algn="l" defTabSz="914400" rtl="0" eaLnBrk="1" latinLnBrk="1" hangingPunct="1">
+                  <a:defRPr sz="1800" kern="1200">
+                    <a:solidFill>
+                      <a:schemeClr val="lt1"/>
+                    </a:solidFill>
+                    <a:latin typeface="+mn-lt"/>
+                    <a:ea typeface="+mn-ea"/>
+                    <a:cs typeface="+mn-cs"/>
+                  </a:defRPr>
+                </a:lvl2pPr>
+                <a:lvl3pPr marL="914400" algn="l" defTabSz="914400" rtl="0" eaLnBrk="1" latinLnBrk="1" hangingPunct="1">
+                  <a:defRPr sz="1800" kern="1200">
+                    <a:solidFill>
+                      <a:schemeClr val="lt1"/>
+                    </a:solidFill>
+                    <a:latin typeface="+mn-lt"/>
+                    <a:ea typeface="+mn-ea"/>
+                    <a:cs typeface="+mn-cs"/>
+                  </a:defRPr>
+                </a:lvl3pPr>
+                <a:lvl4pPr marL="1371600" algn="l" defTabSz="914400" rtl="0" eaLnBrk="1" latinLnBrk="1" hangingPunct="1">
+                  <a:defRPr sz="1800" kern="1200">
+                    <a:solidFill>
+                      <a:schemeClr val="lt1"/>
+                    </a:solidFill>
+                    <a:latin typeface="+mn-lt"/>
+                    <a:ea typeface="+mn-ea"/>
+                    <a:cs typeface="+mn-cs"/>
+                  </a:defRPr>
+                </a:lvl4pPr>
+                <a:lvl5pPr marL="1828800" algn="l" defTabSz="914400" rtl="0" eaLnBrk="1" latinLnBrk="1" hangingPunct="1">
+                  <a:defRPr sz="1800" kern="1200">
+                    <a:solidFill>
+                      <a:schemeClr val="lt1"/>
+                    </a:solidFill>
+                    <a:latin typeface="+mn-lt"/>
+                    <a:ea typeface="+mn-ea"/>
+                    <a:cs typeface="+mn-cs"/>
+                  </a:defRPr>
+                </a:lvl5pPr>
+                <a:lvl6pPr marL="2286000" algn="l" defTabSz="914400" rtl="0" eaLnBrk="1" latinLnBrk="1" hangingPunct="1">
+                  <a:defRPr sz="1800" kern="1200">
+                    <a:solidFill>
+                      <a:schemeClr val="lt1"/>
+                    </a:solidFill>
+                    <a:latin typeface="+mn-lt"/>
+                    <a:ea typeface="+mn-ea"/>
+                    <a:cs typeface="+mn-cs"/>
+                  </a:defRPr>
+                </a:lvl6pPr>
+                <a:lvl7pPr marL="2743200" algn="l" defTabSz="914400" rtl="0" eaLnBrk="1" latinLnBrk="1" hangingPunct="1">
+                  <a:defRPr sz="1800" kern="1200">
+                    <a:solidFill>
+                      <a:schemeClr val="lt1"/>
+                    </a:solidFill>
+                    <a:latin typeface="+mn-lt"/>
+                    <a:ea typeface="+mn-ea"/>
+                    <a:cs typeface="+mn-cs"/>
+                  </a:defRPr>
+                </a:lvl7pPr>
+                <a:lvl8pPr marL="3200400" algn="l" defTabSz="914400" rtl="0" eaLnBrk="1" latinLnBrk="1" hangingPunct="1">
+                  <a:defRPr sz="1800" kern="1200">
+                    <a:solidFill>
+                      <a:schemeClr val="lt1"/>
+                    </a:solidFill>
+                    <a:latin typeface="+mn-lt"/>
+                    <a:ea typeface="+mn-ea"/>
+                    <a:cs typeface="+mn-cs"/>
+                  </a:defRPr>
+                </a:lvl8pPr>
+                <a:lvl9pPr marL="3657600" algn="l" defTabSz="914400" rtl="0" eaLnBrk="1" latinLnBrk="1" hangingPunct="1">
+                  <a:defRPr sz="1800" kern="1200">
+                    <a:solidFill>
+                      <a:schemeClr val="lt1"/>
+                    </a:solidFill>
+                    <a:latin typeface="+mn-lt"/>
+                    <a:ea typeface="+mn-ea"/>
+                    <a:cs typeface="+mn-cs"/>
+                  </a:defRPr>
+                </a:lvl9pPr>
+              </a:lstStyle>
+              <a:p>
+                <a:endParaRPr lang="en-US" altLang="ko-KR" sz="2800" dirty="0">
+                  <a:solidFill>
+                    <a:prstClr val="black">
+                      <a:lumMod val="75000"/>
+                      <a:lumOff val="25000"/>
+                    </a:prstClr>
+                  </a:solidFill>
+                  <a:latin typeface="야놀자 야체 B" panose="02020603020101020101" pitchFamily="18" charset="-127"/>
+                  <a:ea typeface="야놀자 야체 B" panose="02020603020101020101" pitchFamily="18" charset="-127"/>
+                </a:endParaRPr>
+              </a:p>
+            </p:txBody>
+          </p:sp>
+        </p:grpSp>
+      </p:grpSp>
     </p:spTree>
     <p:extLst>
       <p:ext uri="{BB962C8B-B14F-4D97-AF65-F5344CB8AC3E}">
